--- a/NDF_Introduction.pptx
+++ b/NDF_Introduction.pptx
@@ -8,6 +8,11 @@
     <p:sldId id="256" r:id="rId2"/>
     <p:sldId id="257" r:id="rId3"/>
     <p:sldId id="258" r:id="rId4"/>
+    <p:sldId id="259" r:id="rId5"/>
+    <p:sldId id="260" r:id="rId6"/>
+    <p:sldId id="261" r:id="rId7"/>
+    <p:sldId id="262" r:id="rId8"/>
+    <p:sldId id="263" r:id="rId9"/>
   </p:sldIdLst>
   <p:sldSz cx="9144000" cy="6858000" type="screen4x3"/>
   <p:notesSz cx="6858000" cy="9144000"/>
@@ -390,7 +395,7 @@
             <a:fld id="{530820CF-B880-4189-942D-D702A7CBA730}" type="datetimeFigureOut">
               <a:rPr lang="zh-CN" altLang="en-US" smtClean="0"/>
               <a:pPr/>
-              <a:t>2024/2/5</a:t>
+              <a:t>2024/2/6</a:t>
             </a:fld>
             <a:endParaRPr lang="zh-CN" altLang="en-US"/>
           </a:p>
@@ -785,7 +790,7 @@
             <a:fld id="{530820CF-B880-4189-942D-D702A7CBA730}" type="datetimeFigureOut">
               <a:rPr lang="zh-CN" altLang="en-US" smtClean="0"/>
               <a:pPr/>
-              <a:t>2024/2/5</a:t>
+              <a:t>2024/2/6</a:t>
             </a:fld>
             <a:endParaRPr lang="zh-CN" altLang="en-US"/>
           </a:p>
@@ -1320,7 +1325,7 @@
             <a:fld id="{530820CF-B880-4189-942D-D702A7CBA730}" type="datetimeFigureOut">
               <a:rPr lang="zh-CN" altLang="en-US" smtClean="0"/>
               <a:pPr/>
-              <a:t>2024/2/5</a:t>
+              <a:t>2024/2/6</a:t>
             </a:fld>
             <a:endParaRPr lang="zh-CN" altLang="en-US"/>
           </a:p>
@@ -1454,7 +1459,7 @@
             <a:fld id="{530820CF-B880-4189-942D-D702A7CBA730}" type="datetimeFigureOut">
               <a:rPr lang="zh-CN" altLang="en-US" smtClean="0"/>
               <a:pPr/>
-              <a:t>2024/2/5</a:t>
+              <a:t>2024/2/6</a:t>
             </a:fld>
             <a:endParaRPr lang="zh-CN" altLang="en-US"/>
           </a:p>
@@ -1999,7 +2004,7 @@
             <a:fld id="{530820CF-B880-4189-942D-D702A7CBA730}" type="datetimeFigureOut">
               <a:rPr lang="zh-CN" altLang="en-US" smtClean="0"/>
               <a:pPr/>
-              <a:t>2024/2/5</a:t>
+              <a:t>2024/2/6</a:t>
             </a:fld>
             <a:endParaRPr lang="zh-CN" altLang="en-US"/>
           </a:p>
@@ -2296,7 +2301,7 @@
             <a:fld id="{530820CF-B880-4189-942D-D702A7CBA730}" type="datetimeFigureOut">
               <a:rPr lang="zh-CN" altLang="en-US" smtClean="0"/>
               <a:pPr/>
-              <a:t>2024/2/5</a:t>
+              <a:t>2024/2/6</a:t>
             </a:fld>
             <a:endParaRPr lang="zh-CN" altLang="en-US"/>
           </a:p>
@@ -2957,7 +2962,7 @@
             <a:fld id="{530820CF-B880-4189-942D-D702A7CBA730}" type="datetimeFigureOut">
               <a:rPr lang="zh-CN" altLang="en-US" smtClean="0"/>
               <a:pPr/>
-              <a:t>2024/2/5</a:t>
+              <a:t>2024/2/6</a:t>
             </a:fld>
             <a:endParaRPr lang="zh-CN" altLang="en-US"/>
           </a:p>
@@ -3395,7 +3400,7 @@
             <a:fld id="{530820CF-B880-4189-942D-D702A7CBA730}" type="datetimeFigureOut">
               <a:rPr lang="zh-CN" altLang="en-US" smtClean="0"/>
               <a:pPr/>
-              <a:t>2024/2/5</a:t>
+              <a:t>2024/2/6</a:t>
             </a:fld>
             <a:endParaRPr lang="zh-CN" altLang="en-US"/>
           </a:p>
@@ -3710,7 +3715,7 @@
             <a:fld id="{530820CF-B880-4189-942D-D702A7CBA730}" type="datetimeFigureOut">
               <a:rPr lang="zh-CN" altLang="en-US" smtClean="0"/>
               <a:pPr/>
-              <a:t>2024/2/5</a:t>
+              <a:t>2024/2/6</a:t>
             </a:fld>
             <a:endParaRPr lang="zh-CN" altLang="en-US"/>
           </a:p>
@@ -4445,7 +4450,7 @@
             <a:fld id="{530820CF-B880-4189-942D-D702A7CBA730}" type="datetimeFigureOut">
               <a:rPr lang="zh-CN" altLang="en-US" smtClean="0"/>
               <a:pPr/>
-              <a:t>2024/2/5</a:t>
+              <a:t>2024/2/6</a:t>
             </a:fld>
             <a:endParaRPr lang="zh-CN" altLang="en-US"/>
           </a:p>
@@ -5111,7 +5116,7 @@
             <a:fld id="{530820CF-B880-4189-942D-D702A7CBA730}" type="datetimeFigureOut">
               <a:rPr lang="zh-CN" altLang="en-US" smtClean="0"/>
               <a:pPr/>
-              <a:t>2024/2/5</a:t>
+              <a:t>2024/2/6</a:t>
             </a:fld>
             <a:endParaRPr lang="zh-CN" altLang="en-US"/>
           </a:p>
@@ -5385,7 +5390,7 @@
             <a:fld id="{530820CF-B880-4189-942D-D702A7CBA730}" type="datetimeFigureOut">
               <a:rPr lang="zh-CN" altLang="en-US" smtClean="0"/>
               <a:pPr/>
-              <a:t>2024/2/5</a:t>
+              <a:t>2024/2/6</a:t>
             </a:fld>
             <a:endParaRPr lang="zh-CN" altLang="en-US"/>
           </a:p>
@@ -6103,7 +6108,14 @@
           <a:p>
             <a:r>
               <a:rPr lang="en-US" altLang="zh-CN" dirty="0" smtClean="0"/>
-              <a:t>NDF Format Introduction</a:t>
+              <a:t>NDF Format Introduction </a:t>
+            </a:r>
+            <a:br>
+              <a:rPr lang="en-US" altLang="zh-CN" dirty="0" smtClean="0"/>
+            </a:br>
+            <a:r>
+              <a:rPr lang="en-US" altLang="zh-CN" dirty="0" smtClean="0"/>
+              <a:t>(C# Version)</a:t>
             </a:r>
             <a:endParaRPr lang="zh-CN" altLang="en-US" dirty="0"/>
           </a:p>
@@ -6231,11 +6243,7 @@
             </a:r>
             <a:r>
               <a:rPr lang="zh-CN" altLang="en-US" sz="2400" dirty="0" smtClean="0"/>
-              <a:t>是一</a:t>
-            </a:r>
-            <a:r>
-              <a:rPr lang="zh-CN" altLang="en-US" sz="2400" dirty="0" smtClean="0"/>
-              <a:t>种基于</a:t>
+              <a:t>是一种基于</a:t>
             </a:r>
             <a:r>
               <a:rPr lang="en-US" altLang="zh-CN" sz="2400" dirty="0" smtClean="0"/>
@@ -6243,7 +6251,15 @@
             </a:r>
             <a:r>
               <a:rPr lang="zh-CN" altLang="en-US" sz="2400" dirty="0" smtClean="0"/>
-              <a:t>格式的强类型数据格式，同时可以为每列数据包含额外的</a:t>
+              <a:t>格式的</a:t>
+            </a:r>
+            <a:r>
+              <a:rPr lang="zh-CN" altLang="en-US" sz="2400" b="1" dirty="0" smtClean="0"/>
+              <a:t>强类型</a:t>
+            </a:r>
+            <a:r>
+              <a:rPr lang="zh-CN" altLang="en-US" sz="2400" dirty="0" smtClean="0"/>
+              <a:t>数据格式，同时可以为每列数据包含额外的</a:t>
             </a:r>
             <a:r>
               <a:rPr lang="en-US" altLang="zh-CN" sz="2400" dirty="0" smtClean="0"/>
@@ -6298,6 +6314,312 @@
               <a:t>配合</a:t>
             </a:r>
             <a:endParaRPr lang="zh-CN" altLang="en-US" sz="2400" dirty="0"/>
+          </a:p>
+        </p:txBody>
+      </p:sp>
+      <p:sp>
+        <p:nvSpPr>
+          <p:cNvPr id="4" name="圆角矩形 3"/>
+          <p:cNvSpPr/>
+          <p:nvPr/>
+        </p:nvSpPr>
+        <p:spPr>
+          <a:xfrm>
+            <a:off x="785786" y="5143512"/>
+            <a:ext cx="1714512" cy="857256"/>
+          </a:xfrm>
+          <a:prstGeom prst="roundRect">
+            <a:avLst/>
+          </a:prstGeom>
+        </p:spPr>
+        <p:style>
+          <a:lnRef idx="1">
+            <a:schemeClr val="accent3"/>
+          </a:lnRef>
+          <a:fillRef idx="2">
+            <a:schemeClr val="accent3"/>
+          </a:fillRef>
+          <a:effectRef idx="1">
+            <a:schemeClr val="accent3"/>
+          </a:effectRef>
+          <a:fontRef idx="minor">
+            <a:schemeClr val="dk1"/>
+          </a:fontRef>
+        </p:style>
+        <p:txBody>
+          <a:bodyPr rtlCol="0" anchor="ctr"/>
+          <a:lstStyle/>
+          <a:p>
+            <a:pPr algn="ctr"/>
+            <a:r>
+              <a:rPr lang="en-US" altLang="zh-CN" dirty="0" smtClean="0"/>
+              <a:t>C# </a:t>
+            </a:r>
+            <a:r>
+              <a:rPr lang="zh-CN" altLang="en-US" dirty="0" smtClean="0"/>
+              <a:t>程序 </a:t>
+            </a:r>
+            <a:r>
+              <a:rPr lang="en-US" altLang="zh-CN" dirty="0" smtClean="0"/>
+              <a:t>1</a:t>
+            </a:r>
+            <a:endParaRPr lang="zh-CN" altLang="en-US" dirty="0"/>
+          </a:p>
+        </p:txBody>
+      </p:sp>
+      <p:sp>
+        <p:nvSpPr>
+          <p:cNvPr id="5" name="流程图: 文档 4"/>
+          <p:cNvSpPr/>
+          <p:nvPr/>
+        </p:nvSpPr>
+        <p:spPr>
+          <a:xfrm>
+            <a:off x="3857620" y="5143512"/>
+            <a:ext cx="1214446" cy="1143008"/>
+          </a:xfrm>
+          <a:prstGeom prst="flowChartDocument">
+            <a:avLst/>
+          </a:prstGeom>
+        </p:spPr>
+        <p:style>
+          <a:lnRef idx="1">
+            <a:schemeClr val="accent2"/>
+          </a:lnRef>
+          <a:fillRef idx="2">
+            <a:schemeClr val="accent2"/>
+          </a:fillRef>
+          <a:effectRef idx="1">
+            <a:schemeClr val="accent2"/>
+          </a:effectRef>
+          <a:fontRef idx="minor">
+            <a:schemeClr val="dk1"/>
+          </a:fontRef>
+        </p:style>
+        <p:txBody>
+          <a:bodyPr rtlCol="0" anchor="ctr"/>
+          <a:lstStyle/>
+          <a:p>
+            <a:pPr algn="ctr"/>
+            <a:r>
+              <a:rPr lang="en-US" altLang="zh-CN" dirty="0" smtClean="0"/>
+              <a:t>NDF data</a:t>
+            </a:r>
+            <a:endParaRPr lang="zh-CN" altLang="en-US" dirty="0"/>
+          </a:p>
+        </p:txBody>
+      </p:sp>
+      <p:sp>
+        <p:nvSpPr>
+          <p:cNvPr id="6" name="圆角矩形 5"/>
+          <p:cNvSpPr/>
+          <p:nvPr/>
+        </p:nvSpPr>
+        <p:spPr>
+          <a:xfrm>
+            <a:off x="6572264" y="4572008"/>
+            <a:ext cx="1357322" cy="785818"/>
+          </a:xfrm>
+          <a:prstGeom prst="roundRect">
+            <a:avLst/>
+          </a:prstGeom>
+        </p:spPr>
+        <p:style>
+          <a:lnRef idx="1">
+            <a:schemeClr val="accent3"/>
+          </a:lnRef>
+          <a:fillRef idx="2">
+            <a:schemeClr val="accent3"/>
+          </a:fillRef>
+          <a:effectRef idx="1">
+            <a:schemeClr val="accent3"/>
+          </a:effectRef>
+          <a:fontRef idx="minor">
+            <a:schemeClr val="dk1"/>
+          </a:fontRef>
+        </p:style>
+        <p:txBody>
+          <a:bodyPr rtlCol="0" anchor="ctr"/>
+          <a:lstStyle/>
+          <a:p>
+            <a:pPr algn="ctr"/>
+            <a:r>
+              <a:rPr lang="en-US" altLang="zh-CN" dirty="0" smtClean="0"/>
+              <a:t>C# </a:t>
+            </a:r>
+            <a:r>
+              <a:rPr lang="zh-CN" altLang="en-US" dirty="0" smtClean="0"/>
+              <a:t>程序 </a:t>
+            </a:r>
+            <a:r>
+              <a:rPr lang="en-US" altLang="zh-CN" dirty="0" smtClean="0"/>
+              <a:t>2</a:t>
+            </a:r>
+            <a:endParaRPr lang="zh-CN" altLang="en-US" dirty="0"/>
+          </a:p>
+        </p:txBody>
+      </p:sp>
+      <p:sp>
+        <p:nvSpPr>
+          <p:cNvPr id="7" name="圆角矩形 6"/>
+          <p:cNvSpPr/>
+          <p:nvPr/>
+        </p:nvSpPr>
+        <p:spPr>
+          <a:xfrm>
+            <a:off x="6572264" y="5643578"/>
+            <a:ext cx="1357322" cy="678661"/>
+          </a:xfrm>
+          <a:prstGeom prst="roundRect">
+            <a:avLst/>
+          </a:prstGeom>
+        </p:spPr>
+        <p:style>
+          <a:lnRef idx="1">
+            <a:schemeClr val="accent3"/>
+          </a:lnRef>
+          <a:fillRef idx="2">
+            <a:schemeClr val="accent3"/>
+          </a:fillRef>
+          <a:effectRef idx="1">
+            <a:schemeClr val="accent3"/>
+          </a:effectRef>
+          <a:fontRef idx="minor">
+            <a:schemeClr val="dk1"/>
+          </a:fontRef>
+        </p:style>
+        <p:txBody>
+          <a:bodyPr rtlCol="0" anchor="ctr"/>
+          <a:lstStyle/>
+          <a:p>
+            <a:pPr algn="ctr"/>
+            <a:r>
+              <a:rPr lang="en-US" altLang="zh-CN" dirty="0" smtClean="0"/>
+              <a:t>C# </a:t>
+            </a:r>
+            <a:r>
+              <a:rPr lang="zh-CN" altLang="en-US" dirty="0" smtClean="0"/>
+              <a:t>程序 </a:t>
+            </a:r>
+            <a:r>
+              <a:rPr lang="en-US" altLang="zh-CN" dirty="0" smtClean="0"/>
+              <a:t>3</a:t>
+            </a:r>
+            <a:endParaRPr lang="zh-CN" altLang="en-US" dirty="0"/>
+          </a:p>
+        </p:txBody>
+      </p:sp>
+      <p:sp>
+        <p:nvSpPr>
+          <p:cNvPr id="9" name="左右箭头 8"/>
+          <p:cNvSpPr/>
+          <p:nvPr/>
+        </p:nvSpPr>
+        <p:spPr>
+          <a:xfrm>
+            <a:off x="2714612" y="5429264"/>
+            <a:ext cx="1000132" cy="357190"/>
+          </a:xfrm>
+          <a:prstGeom prst="leftRightArrow">
+            <a:avLst/>
+          </a:prstGeom>
+        </p:spPr>
+        <p:style>
+          <a:lnRef idx="0">
+            <a:schemeClr val="accent4"/>
+          </a:lnRef>
+          <a:fillRef idx="3">
+            <a:schemeClr val="accent4"/>
+          </a:fillRef>
+          <a:effectRef idx="3">
+            <a:schemeClr val="accent4"/>
+          </a:effectRef>
+          <a:fontRef idx="minor">
+            <a:schemeClr val="lt1"/>
+          </a:fontRef>
+        </p:style>
+        <p:txBody>
+          <a:bodyPr rtlCol="0" anchor="ctr"/>
+          <a:lstStyle/>
+          <a:p>
+            <a:pPr algn="ctr"/>
+            <a:endParaRPr lang="zh-CN" altLang="en-US"/>
+          </a:p>
+        </p:txBody>
+      </p:sp>
+      <p:sp>
+        <p:nvSpPr>
+          <p:cNvPr id="10" name="左右箭头 9"/>
+          <p:cNvSpPr/>
+          <p:nvPr/>
+        </p:nvSpPr>
+        <p:spPr>
+          <a:xfrm rot="20479287">
+            <a:off x="5139044" y="5089869"/>
+            <a:ext cx="1447905" cy="257192"/>
+          </a:xfrm>
+          <a:prstGeom prst="leftRightArrow">
+            <a:avLst/>
+          </a:prstGeom>
+        </p:spPr>
+        <p:style>
+          <a:lnRef idx="0">
+            <a:schemeClr val="accent4"/>
+          </a:lnRef>
+          <a:fillRef idx="3">
+            <a:schemeClr val="accent4"/>
+          </a:fillRef>
+          <a:effectRef idx="3">
+            <a:schemeClr val="accent4"/>
+          </a:effectRef>
+          <a:fontRef idx="minor">
+            <a:schemeClr val="lt1"/>
+          </a:fontRef>
+        </p:style>
+        <p:txBody>
+          <a:bodyPr rtlCol="0" anchor="ctr"/>
+          <a:lstStyle/>
+          <a:p>
+            <a:pPr algn="ctr"/>
+            <a:endParaRPr lang="zh-CN" altLang="en-US"/>
+          </a:p>
+        </p:txBody>
+      </p:sp>
+      <p:sp>
+        <p:nvSpPr>
+          <p:cNvPr id="11" name="左右箭头 10"/>
+          <p:cNvSpPr/>
+          <p:nvPr/>
+        </p:nvSpPr>
+        <p:spPr>
+          <a:xfrm rot="680007">
+            <a:off x="5121953" y="5711903"/>
+            <a:ext cx="1447905" cy="257192"/>
+          </a:xfrm>
+          <a:prstGeom prst="leftRightArrow">
+            <a:avLst/>
+          </a:prstGeom>
+        </p:spPr>
+        <p:style>
+          <a:lnRef idx="0">
+            <a:schemeClr val="accent4"/>
+          </a:lnRef>
+          <a:fillRef idx="3">
+            <a:schemeClr val="accent4"/>
+          </a:fillRef>
+          <a:effectRef idx="3">
+            <a:schemeClr val="accent4"/>
+          </a:effectRef>
+          <a:fontRef idx="minor">
+            <a:schemeClr val="lt1"/>
+          </a:fontRef>
+        </p:style>
+        <p:txBody>
+          <a:bodyPr rtlCol="0" anchor="ctr"/>
+          <a:lstStyle/>
+          <a:p>
+            <a:pPr algn="ctr"/>
+            <a:endParaRPr lang="zh-CN" altLang="en-US"/>
           </a:p>
         </p:txBody>
       </p:sp>
@@ -6436,6 +6758,5362 @@
               <a:t>文件</a:t>
             </a:r>
             <a:endParaRPr lang="zh-CN" altLang="en-US" sz="2400" dirty="0"/>
+          </a:p>
+        </p:txBody>
+      </p:sp>
+      <p:sp>
+        <p:nvSpPr>
+          <p:cNvPr id="4" name="矩形 3"/>
+          <p:cNvSpPr/>
+          <p:nvPr/>
+        </p:nvSpPr>
+        <p:spPr>
+          <a:xfrm>
+            <a:off x="642910" y="3000372"/>
+            <a:ext cx="2714644" cy="2357454"/>
+          </a:xfrm>
+          <a:prstGeom prst="rect">
+            <a:avLst/>
+          </a:prstGeom>
+          <a:effectLst>
+            <a:outerShdw blurRad="50800" dist="38100" dir="2700000" algn="tl" rotWithShape="0">
+              <a:prstClr val="black">
+                <a:alpha val="40000"/>
+              </a:prstClr>
+            </a:outerShdw>
+          </a:effectLst>
+        </p:spPr>
+        <p:style>
+          <a:lnRef idx="3">
+            <a:schemeClr val="lt1"/>
+          </a:lnRef>
+          <a:fillRef idx="1">
+            <a:schemeClr val="accent2"/>
+          </a:fillRef>
+          <a:effectRef idx="1">
+            <a:schemeClr val="accent2"/>
+          </a:effectRef>
+          <a:fontRef idx="minor">
+            <a:schemeClr val="lt1"/>
+          </a:fontRef>
+        </p:style>
+        <p:txBody>
+          <a:bodyPr rtlCol="0" anchor="ctr"/>
+          <a:lstStyle/>
+          <a:p>
+            <a:pPr algn="ctr"/>
+            <a:endParaRPr lang="zh-CN" altLang="en-US"/>
+          </a:p>
+        </p:txBody>
+      </p:sp>
+      <p:sp>
+        <p:nvSpPr>
+          <p:cNvPr id="5" name="矩形 4"/>
+          <p:cNvSpPr/>
+          <p:nvPr/>
+        </p:nvSpPr>
+        <p:spPr>
+          <a:xfrm>
+            <a:off x="795310" y="3152772"/>
+            <a:ext cx="2714644" cy="2357454"/>
+          </a:xfrm>
+          <a:prstGeom prst="rect">
+            <a:avLst/>
+          </a:prstGeom>
+          <a:effectLst>
+            <a:outerShdw blurRad="50800" dist="38100" dir="2700000" algn="tl" rotWithShape="0">
+              <a:prstClr val="black">
+                <a:alpha val="40000"/>
+              </a:prstClr>
+            </a:outerShdw>
+          </a:effectLst>
+        </p:spPr>
+        <p:style>
+          <a:lnRef idx="3">
+            <a:schemeClr val="lt1"/>
+          </a:lnRef>
+          <a:fillRef idx="1">
+            <a:schemeClr val="accent2"/>
+          </a:fillRef>
+          <a:effectRef idx="1">
+            <a:schemeClr val="accent2"/>
+          </a:effectRef>
+          <a:fontRef idx="minor">
+            <a:schemeClr val="lt1"/>
+          </a:fontRef>
+        </p:style>
+        <p:txBody>
+          <a:bodyPr rtlCol="0" anchor="ctr"/>
+          <a:lstStyle/>
+          <a:p>
+            <a:pPr algn="ctr"/>
+            <a:endParaRPr lang="zh-CN" altLang="en-US"/>
+          </a:p>
+        </p:txBody>
+      </p:sp>
+      <p:sp>
+        <p:nvSpPr>
+          <p:cNvPr id="6" name="矩形 5"/>
+          <p:cNvSpPr/>
+          <p:nvPr/>
+        </p:nvSpPr>
+        <p:spPr>
+          <a:xfrm>
+            <a:off x="947710" y="3305172"/>
+            <a:ext cx="2714644" cy="2357454"/>
+          </a:xfrm>
+          <a:prstGeom prst="rect">
+            <a:avLst/>
+          </a:prstGeom>
+          <a:effectLst>
+            <a:outerShdw blurRad="50800" dist="38100" dir="2700000" algn="tl" rotWithShape="0">
+              <a:prstClr val="black">
+                <a:alpha val="40000"/>
+              </a:prstClr>
+            </a:outerShdw>
+          </a:effectLst>
+        </p:spPr>
+        <p:style>
+          <a:lnRef idx="3">
+            <a:schemeClr val="lt1"/>
+          </a:lnRef>
+          <a:fillRef idx="1">
+            <a:schemeClr val="accent2"/>
+          </a:fillRef>
+          <a:effectRef idx="1">
+            <a:schemeClr val="accent2"/>
+          </a:effectRef>
+          <a:fontRef idx="minor">
+            <a:schemeClr val="lt1"/>
+          </a:fontRef>
+        </p:style>
+        <p:txBody>
+          <a:bodyPr rtlCol="0" anchor="ctr"/>
+          <a:lstStyle/>
+          <a:p>
+            <a:pPr algn="ctr"/>
+            <a:endParaRPr lang="zh-CN" altLang="en-US"/>
+          </a:p>
+        </p:txBody>
+      </p:sp>
+      <p:sp>
+        <p:nvSpPr>
+          <p:cNvPr id="7" name="矩形 6"/>
+          <p:cNvSpPr/>
+          <p:nvPr/>
+        </p:nvSpPr>
+        <p:spPr>
+          <a:xfrm>
+            <a:off x="1100110" y="3457572"/>
+            <a:ext cx="2714644" cy="2357454"/>
+          </a:xfrm>
+          <a:prstGeom prst="rect">
+            <a:avLst/>
+          </a:prstGeom>
+          <a:effectLst>
+            <a:outerShdw blurRad="50800" dist="38100" dir="2700000" algn="tl" rotWithShape="0">
+              <a:prstClr val="black">
+                <a:alpha val="40000"/>
+              </a:prstClr>
+            </a:outerShdw>
+          </a:effectLst>
+        </p:spPr>
+        <p:style>
+          <a:lnRef idx="3">
+            <a:schemeClr val="lt1"/>
+          </a:lnRef>
+          <a:fillRef idx="1">
+            <a:schemeClr val="accent2"/>
+          </a:fillRef>
+          <a:effectRef idx="1">
+            <a:schemeClr val="accent2"/>
+          </a:effectRef>
+          <a:fontRef idx="minor">
+            <a:schemeClr val="lt1"/>
+          </a:fontRef>
+        </p:style>
+        <p:txBody>
+          <a:bodyPr rtlCol="0" anchor="ctr"/>
+          <a:lstStyle/>
+          <a:p>
+            <a:pPr algn="ctr"/>
+            <a:endParaRPr lang="zh-CN" altLang="en-US"/>
+          </a:p>
+        </p:txBody>
+      </p:sp>
+      <p:graphicFrame>
+        <p:nvGraphicFramePr>
+          <p:cNvPr id="8" name="表格 7"/>
+          <p:cNvGraphicFramePr>
+            <a:graphicFrameLocks noGrp="1"/>
+          </p:cNvGraphicFramePr>
+          <p:nvPr/>
+        </p:nvGraphicFramePr>
+        <p:xfrm>
+          <a:off x="1142976" y="3500438"/>
+          <a:ext cx="2643208" cy="2225040"/>
+        </p:xfrm>
+        <a:graphic>
+          <a:graphicData uri="http://schemas.openxmlformats.org/drawingml/2006/table">
+            <a:tbl>
+              <a:tblPr firstRow="1" bandRow="1">
+                <a:tableStyleId>{5C22544A-7EE6-4342-B048-85BDC9FD1C3A}</a:tableStyleId>
+              </a:tblPr>
+              <a:tblGrid>
+                <a:gridCol w="660802"/>
+                <a:gridCol w="660802"/>
+                <a:gridCol w="660802"/>
+                <a:gridCol w="660802"/>
+              </a:tblGrid>
+              <a:tr h="370840">
+                <a:tc>
+                  <a:txBody>
+                    <a:bodyPr/>
+                    <a:lstStyle/>
+                    <a:p>
+                      <a:r>
+                        <a:rPr lang="en-US" altLang="zh-CN" dirty="0" smtClean="0"/>
+                        <a:t>Col1</a:t>
+                      </a:r>
+                      <a:endParaRPr lang="zh-CN" altLang="en-US" dirty="0"/>
+                    </a:p>
+                  </a:txBody>
+                  <a:tcPr/>
+                </a:tc>
+                <a:tc>
+                  <a:txBody>
+                    <a:bodyPr/>
+                    <a:lstStyle/>
+                    <a:p>
+                      <a:r>
+                        <a:rPr lang="en-US" altLang="zh-CN" dirty="0" smtClean="0"/>
+                        <a:t>Col2</a:t>
+                      </a:r>
+                      <a:endParaRPr lang="zh-CN" altLang="en-US" dirty="0"/>
+                    </a:p>
+                  </a:txBody>
+                  <a:tcPr/>
+                </a:tc>
+                <a:tc>
+                  <a:txBody>
+                    <a:bodyPr/>
+                    <a:lstStyle/>
+                    <a:p>
+                      <a:r>
+                        <a:rPr lang="en-US" altLang="zh-CN" dirty="0" smtClean="0"/>
+                        <a:t>Col3</a:t>
+                      </a:r>
+                      <a:endParaRPr lang="zh-CN" altLang="en-US" dirty="0"/>
+                    </a:p>
+                  </a:txBody>
+                  <a:tcPr/>
+                </a:tc>
+                <a:tc>
+                  <a:txBody>
+                    <a:bodyPr/>
+                    <a:lstStyle/>
+                    <a:p>
+                      <a:r>
+                        <a:rPr lang="en-US" altLang="zh-CN" dirty="0" smtClean="0"/>
+                        <a:t>Col4</a:t>
+                      </a:r>
+                      <a:endParaRPr lang="zh-CN" altLang="en-US" dirty="0"/>
+                    </a:p>
+                  </a:txBody>
+                  <a:tcPr/>
+                </a:tc>
+              </a:tr>
+              <a:tr h="370840">
+                <a:tc>
+                  <a:txBody>
+                    <a:bodyPr/>
+                    <a:lstStyle/>
+                    <a:p>
+                      <a:r>
+                        <a:rPr lang="en-US" altLang="zh-CN" sz="1400" dirty="0" smtClean="0"/>
+                        <a:t>Row1</a:t>
+                      </a:r>
+                      <a:endParaRPr lang="zh-CN" altLang="en-US" sz="1400" dirty="0"/>
+                    </a:p>
+                  </a:txBody>
+                  <a:tcPr/>
+                </a:tc>
+                <a:tc>
+                  <a:txBody>
+                    <a:bodyPr/>
+                    <a:lstStyle/>
+                    <a:p>
+                      <a:r>
+                        <a:rPr lang="en-US" altLang="zh-CN" sz="1400" dirty="0" smtClean="0"/>
+                        <a:t>1.1</a:t>
+                      </a:r>
+                      <a:endParaRPr lang="zh-CN" altLang="en-US" sz="1400" dirty="0"/>
+                    </a:p>
+                  </a:txBody>
+                  <a:tcPr/>
+                </a:tc>
+                <a:tc>
+                  <a:txBody>
+                    <a:bodyPr/>
+                    <a:lstStyle/>
+                    <a:p>
+                      <a:r>
+                        <a:rPr lang="en-US" altLang="zh-CN" sz="1400" dirty="0" smtClean="0"/>
+                        <a:t>1.2</a:t>
+                      </a:r>
+                      <a:endParaRPr lang="zh-CN" altLang="en-US" sz="1400" dirty="0"/>
+                    </a:p>
+                  </a:txBody>
+                  <a:tcPr/>
+                </a:tc>
+                <a:tc>
+                  <a:txBody>
+                    <a:bodyPr/>
+                    <a:lstStyle/>
+                    <a:p>
+                      <a:r>
+                        <a:rPr lang="en-US" altLang="zh-CN" sz="1400" dirty="0" smtClean="0"/>
+                        <a:t>1.3</a:t>
+                      </a:r>
+                      <a:endParaRPr lang="zh-CN" altLang="en-US" sz="1400" dirty="0"/>
+                    </a:p>
+                  </a:txBody>
+                  <a:tcPr/>
+                </a:tc>
+              </a:tr>
+              <a:tr h="370840">
+                <a:tc>
+                  <a:txBody>
+                    <a:bodyPr/>
+                    <a:lstStyle/>
+                    <a:p>
+                      <a:r>
+                        <a:rPr lang="en-US" altLang="zh-CN" sz="1400" dirty="0" smtClean="0"/>
+                        <a:t>Row2</a:t>
+                      </a:r>
+                      <a:endParaRPr lang="zh-CN" altLang="en-US" sz="1400" dirty="0"/>
+                    </a:p>
+                  </a:txBody>
+                  <a:tcPr/>
+                </a:tc>
+                <a:tc>
+                  <a:txBody>
+                    <a:bodyPr/>
+                    <a:lstStyle/>
+                    <a:p>
+                      <a:r>
+                        <a:rPr lang="en-US" altLang="zh-CN" sz="1400" dirty="0" smtClean="0"/>
+                        <a:t>2.1</a:t>
+                      </a:r>
+                      <a:endParaRPr lang="zh-CN" altLang="en-US" sz="1400" dirty="0"/>
+                    </a:p>
+                  </a:txBody>
+                  <a:tcPr/>
+                </a:tc>
+                <a:tc>
+                  <a:txBody>
+                    <a:bodyPr/>
+                    <a:lstStyle/>
+                    <a:p>
+                      <a:r>
+                        <a:rPr lang="en-US" altLang="zh-CN" sz="1400" dirty="0" smtClean="0"/>
+                        <a:t>2.2</a:t>
+                      </a:r>
+                      <a:endParaRPr lang="zh-CN" altLang="en-US" sz="1400" dirty="0"/>
+                    </a:p>
+                  </a:txBody>
+                  <a:tcPr/>
+                </a:tc>
+                <a:tc>
+                  <a:txBody>
+                    <a:bodyPr/>
+                    <a:lstStyle/>
+                    <a:p>
+                      <a:r>
+                        <a:rPr lang="en-US" altLang="zh-CN" sz="1400" dirty="0" smtClean="0"/>
+                        <a:t>2.4</a:t>
+                      </a:r>
+                      <a:endParaRPr lang="zh-CN" altLang="en-US" sz="1400" dirty="0"/>
+                    </a:p>
+                  </a:txBody>
+                  <a:tcPr/>
+                </a:tc>
+              </a:tr>
+              <a:tr h="370840">
+                <a:tc>
+                  <a:txBody>
+                    <a:bodyPr/>
+                    <a:lstStyle/>
+                    <a:p>
+                      <a:r>
+                        <a:rPr lang="en-US" altLang="zh-CN" sz="1400" dirty="0" smtClean="0"/>
+                        <a:t>Row3</a:t>
+                      </a:r>
+                      <a:endParaRPr lang="zh-CN" altLang="en-US" sz="1400" dirty="0"/>
+                    </a:p>
+                  </a:txBody>
+                  <a:tcPr/>
+                </a:tc>
+                <a:tc>
+                  <a:txBody>
+                    <a:bodyPr/>
+                    <a:lstStyle/>
+                    <a:p>
+                      <a:r>
+                        <a:rPr lang="en-US" altLang="zh-CN" sz="1400" dirty="0" smtClean="0"/>
+                        <a:t>3.1</a:t>
+                      </a:r>
+                      <a:endParaRPr lang="zh-CN" altLang="en-US" sz="1400" dirty="0"/>
+                    </a:p>
+                  </a:txBody>
+                  <a:tcPr/>
+                </a:tc>
+                <a:tc>
+                  <a:txBody>
+                    <a:bodyPr/>
+                    <a:lstStyle/>
+                    <a:p>
+                      <a:r>
+                        <a:rPr lang="en-US" altLang="zh-CN" sz="1400" dirty="0" smtClean="0"/>
+                        <a:t>3.2</a:t>
+                      </a:r>
+                      <a:endParaRPr lang="zh-CN" altLang="en-US" sz="1400" dirty="0"/>
+                    </a:p>
+                  </a:txBody>
+                  <a:tcPr/>
+                </a:tc>
+                <a:tc>
+                  <a:txBody>
+                    <a:bodyPr/>
+                    <a:lstStyle/>
+                    <a:p>
+                      <a:r>
+                        <a:rPr lang="en-US" altLang="zh-CN" sz="1400" dirty="0" smtClean="0"/>
+                        <a:t>3.3</a:t>
+                      </a:r>
+                      <a:endParaRPr lang="zh-CN" altLang="en-US" sz="1400" dirty="0"/>
+                    </a:p>
+                  </a:txBody>
+                  <a:tcPr/>
+                </a:tc>
+              </a:tr>
+              <a:tr h="370840">
+                <a:tc>
+                  <a:txBody>
+                    <a:bodyPr/>
+                    <a:lstStyle/>
+                    <a:p>
+                      <a:r>
+                        <a:rPr lang="en-US" altLang="zh-CN" sz="1400" dirty="0" smtClean="0"/>
+                        <a:t>Row4</a:t>
+                      </a:r>
+                      <a:endParaRPr lang="zh-CN" altLang="en-US" sz="1400" dirty="0"/>
+                    </a:p>
+                  </a:txBody>
+                  <a:tcPr/>
+                </a:tc>
+                <a:tc>
+                  <a:txBody>
+                    <a:bodyPr/>
+                    <a:lstStyle/>
+                    <a:p>
+                      <a:r>
+                        <a:rPr lang="en-US" altLang="zh-CN" sz="1400" dirty="0" smtClean="0"/>
+                        <a:t>4.1</a:t>
+                      </a:r>
+                      <a:endParaRPr lang="zh-CN" altLang="en-US" sz="1400" dirty="0"/>
+                    </a:p>
+                  </a:txBody>
+                  <a:tcPr/>
+                </a:tc>
+                <a:tc>
+                  <a:txBody>
+                    <a:bodyPr/>
+                    <a:lstStyle/>
+                    <a:p>
+                      <a:r>
+                        <a:rPr lang="en-US" altLang="zh-CN" sz="1400" dirty="0" smtClean="0"/>
+                        <a:t>4.2</a:t>
+                      </a:r>
+                      <a:endParaRPr lang="zh-CN" altLang="en-US" sz="1400" dirty="0"/>
+                    </a:p>
+                  </a:txBody>
+                  <a:tcPr/>
+                </a:tc>
+                <a:tc>
+                  <a:txBody>
+                    <a:bodyPr/>
+                    <a:lstStyle/>
+                    <a:p>
+                      <a:r>
+                        <a:rPr lang="en-US" altLang="zh-CN" sz="1400" dirty="0" smtClean="0"/>
+                        <a:t>4.3</a:t>
+                      </a:r>
+                      <a:endParaRPr lang="zh-CN" altLang="en-US" sz="1400" dirty="0"/>
+                    </a:p>
+                  </a:txBody>
+                  <a:tcPr/>
+                </a:tc>
+              </a:tr>
+              <a:tr h="370840">
+                <a:tc>
+                  <a:txBody>
+                    <a:bodyPr/>
+                    <a:lstStyle/>
+                    <a:p>
+                      <a:r>
+                        <a:rPr lang="en-US" altLang="zh-CN" sz="1400" dirty="0" smtClean="0"/>
+                        <a:t>Row5</a:t>
+                      </a:r>
+                      <a:endParaRPr lang="zh-CN" altLang="en-US" sz="1400" dirty="0"/>
+                    </a:p>
+                  </a:txBody>
+                  <a:tcPr/>
+                </a:tc>
+                <a:tc>
+                  <a:txBody>
+                    <a:bodyPr/>
+                    <a:lstStyle/>
+                    <a:p>
+                      <a:r>
+                        <a:rPr lang="en-US" altLang="zh-CN" sz="1400" dirty="0" smtClean="0"/>
+                        <a:t>5.1</a:t>
+                      </a:r>
+                      <a:endParaRPr lang="zh-CN" altLang="en-US" sz="1400" dirty="0"/>
+                    </a:p>
+                  </a:txBody>
+                  <a:tcPr/>
+                </a:tc>
+                <a:tc>
+                  <a:txBody>
+                    <a:bodyPr/>
+                    <a:lstStyle/>
+                    <a:p>
+                      <a:r>
+                        <a:rPr lang="en-US" altLang="zh-CN" sz="1400" dirty="0" smtClean="0"/>
+                        <a:t>5.2</a:t>
+                      </a:r>
+                      <a:endParaRPr lang="zh-CN" altLang="en-US" sz="1400" dirty="0"/>
+                    </a:p>
+                  </a:txBody>
+                  <a:tcPr/>
+                </a:tc>
+                <a:tc>
+                  <a:txBody>
+                    <a:bodyPr/>
+                    <a:lstStyle/>
+                    <a:p>
+                      <a:r>
+                        <a:rPr lang="en-US" altLang="zh-CN" sz="1400" dirty="0" smtClean="0"/>
+                        <a:t>5.3</a:t>
+                      </a:r>
+                      <a:endParaRPr lang="zh-CN" altLang="en-US" sz="1400" dirty="0"/>
+                    </a:p>
+                  </a:txBody>
+                  <a:tcPr/>
+                </a:tc>
+              </a:tr>
+            </a:tbl>
+          </a:graphicData>
+        </a:graphic>
+      </p:graphicFrame>
+      <p:sp>
+        <p:nvSpPr>
+          <p:cNvPr id="9" name="流程图: 文档 8"/>
+          <p:cNvSpPr/>
+          <p:nvPr/>
+        </p:nvSpPr>
+        <p:spPr>
+          <a:xfrm>
+            <a:off x="5572132" y="2857496"/>
+            <a:ext cx="3071834" cy="3357586"/>
+          </a:xfrm>
+          <a:prstGeom prst="flowChartDocument">
+            <a:avLst/>
+          </a:prstGeom>
+          <a:solidFill>
+            <a:srgbClr val="00EA6A"/>
+          </a:solidFill>
+          <a:effectLst>
+            <a:outerShdw blurRad="50800" dist="38100" dir="2700000" algn="tl" rotWithShape="0">
+              <a:prstClr val="black">
+                <a:alpha val="40000"/>
+              </a:prstClr>
+            </a:outerShdw>
+          </a:effectLst>
+        </p:spPr>
+        <p:style>
+          <a:lnRef idx="2">
+            <a:schemeClr val="accent1">
+              <a:shade val="50000"/>
+            </a:schemeClr>
+          </a:lnRef>
+          <a:fillRef idx="1">
+            <a:schemeClr val="accent1"/>
+          </a:fillRef>
+          <a:effectRef idx="0">
+            <a:schemeClr val="accent1"/>
+          </a:effectRef>
+          <a:fontRef idx="minor">
+            <a:schemeClr val="lt1"/>
+          </a:fontRef>
+        </p:style>
+        <p:txBody>
+          <a:bodyPr rtlCol="0" anchor="ctr"/>
+          <a:lstStyle/>
+          <a:p>
+            <a:endParaRPr lang="en-US" altLang="zh-CN" sz="1000" dirty="0" smtClean="0">
+              <a:solidFill>
+                <a:schemeClr val="tx1"/>
+              </a:solidFill>
+              <a:latin typeface="Arial Unicode MS" pitchFamily="34" charset="-122"/>
+              <a:ea typeface="Arial Unicode MS" pitchFamily="34" charset="-122"/>
+              <a:cs typeface="Arial Unicode MS" pitchFamily="34" charset="-122"/>
+            </a:endParaRPr>
+          </a:p>
+          <a:p>
+            <a:r>
+              <a:rPr lang="en-US" altLang="zh-CN" sz="1000" dirty="0" smtClean="0">
+                <a:solidFill>
+                  <a:schemeClr val="tx1"/>
+                </a:solidFill>
+                <a:latin typeface="Arial Unicode MS" pitchFamily="34" charset="-122"/>
+                <a:ea typeface="Arial Unicode MS" pitchFamily="34" charset="-122"/>
+                <a:cs typeface="Arial Unicode MS" pitchFamily="34" charset="-122"/>
+              </a:rPr>
+              <a:t>&lt;&lt;NDF&gt;&gt;: (Dot) Net Data Format 1.0</a:t>
+            </a:r>
+          </a:p>
+          <a:p>
+            <a:r>
+              <a:rPr lang="en-US" altLang="zh-CN" sz="1000" dirty="0" smtClean="0">
+                <a:solidFill>
+                  <a:schemeClr val="tx1"/>
+                </a:solidFill>
+                <a:latin typeface="Arial Unicode MS" pitchFamily="34" charset="-122"/>
+                <a:ea typeface="Arial Unicode MS" pitchFamily="34" charset="-122"/>
+                <a:cs typeface="Arial Unicode MS" pitchFamily="34" charset="-122"/>
+              </a:rPr>
+              <a:t>&lt;&lt;DESC&gt;&gt;: Sample NDF data, north wind table</a:t>
+            </a:r>
+          </a:p>
+          <a:p>
+            <a:r>
+              <a:rPr lang="en-US" altLang="zh-CN" sz="1000" dirty="0" smtClean="0">
+                <a:solidFill>
+                  <a:schemeClr val="tx1"/>
+                </a:solidFill>
+                <a:latin typeface="Arial Unicode MS" pitchFamily="34" charset="-122"/>
+                <a:ea typeface="Arial Unicode MS" pitchFamily="34" charset="-122"/>
+                <a:cs typeface="Arial Unicode MS" pitchFamily="34" charset="-122"/>
+              </a:rPr>
+              <a:t>&lt;[</a:t>
+            </a:r>
+            <a:r>
+              <a:rPr lang="en-US" altLang="zh-CN" sz="1000" dirty="0" err="1" smtClean="0">
+                <a:solidFill>
+                  <a:schemeClr val="tx1"/>
+                </a:solidFill>
+                <a:latin typeface="Arial Unicode MS" pitchFamily="34" charset="-122"/>
+                <a:ea typeface="Arial Unicode MS" pitchFamily="34" charset="-122"/>
+                <a:cs typeface="Arial Unicode MS" pitchFamily="34" charset="-122"/>
+              </a:rPr>
+              <a:t>NorthWind</a:t>
+            </a:r>
+            <a:r>
+              <a:rPr lang="en-US" altLang="zh-CN" sz="1000" dirty="0" smtClean="0">
+                <a:solidFill>
+                  <a:schemeClr val="tx1"/>
+                </a:solidFill>
+                <a:latin typeface="Arial Unicode MS" pitchFamily="34" charset="-122"/>
+                <a:ea typeface="Arial Unicode MS" pitchFamily="34" charset="-122"/>
+                <a:cs typeface="Arial Unicode MS" pitchFamily="34" charset="-122"/>
+              </a:rPr>
+              <a:t>]&gt;:</a:t>
+            </a:r>
+            <a:r>
+              <a:rPr lang="en-US" altLang="zh-CN" sz="1000" dirty="0" err="1" smtClean="0">
+                <a:solidFill>
+                  <a:schemeClr val="tx1"/>
+                </a:solidFill>
+                <a:latin typeface="Arial Unicode MS" pitchFamily="34" charset="-122"/>
+                <a:ea typeface="Arial Unicode MS" pitchFamily="34" charset="-122"/>
+                <a:cs typeface="Arial Unicode MS" pitchFamily="34" charset="-122"/>
+              </a:rPr>
+              <a:t>NorthWind</a:t>
+            </a:r>
+            <a:endParaRPr lang="en-US" altLang="zh-CN" sz="1000" dirty="0" smtClean="0">
+              <a:solidFill>
+                <a:schemeClr val="tx1"/>
+              </a:solidFill>
+              <a:latin typeface="Arial Unicode MS" pitchFamily="34" charset="-122"/>
+              <a:ea typeface="Arial Unicode MS" pitchFamily="34" charset="-122"/>
+              <a:cs typeface="Arial Unicode MS" pitchFamily="34" charset="-122"/>
+            </a:endParaRPr>
+          </a:p>
+          <a:p>
+            <a:r>
+              <a:rPr lang="en-US" altLang="zh-CN" sz="1000" dirty="0" smtClean="0">
+                <a:solidFill>
+                  <a:schemeClr val="tx1"/>
+                </a:solidFill>
+                <a:latin typeface="Arial Unicode MS" pitchFamily="34" charset="-122"/>
+                <a:ea typeface="Arial Unicode MS" pitchFamily="34" charset="-122"/>
+                <a:cs typeface="Arial Unicode MS" pitchFamily="34" charset="-122"/>
+              </a:rPr>
+              <a:t>&lt;Para&gt;:</a:t>
+            </a:r>
+            <a:r>
+              <a:rPr lang="en-US" altLang="zh-CN" sz="1000" dirty="0" err="1" smtClean="0">
+                <a:solidFill>
+                  <a:schemeClr val="tx1"/>
+                </a:solidFill>
+                <a:latin typeface="Arial Unicode MS" pitchFamily="34" charset="-122"/>
+                <a:ea typeface="Arial Unicode MS" pitchFamily="34" charset="-122"/>
+                <a:cs typeface="Arial Unicode MS" pitchFamily="34" charset="-122"/>
+              </a:rPr>
+              <a:t>ID,Name,Birthday,Height</a:t>
+            </a:r>
+            <a:endParaRPr lang="en-US" altLang="zh-CN" sz="1000" dirty="0" smtClean="0">
+              <a:solidFill>
+                <a:schemeClr val="tx1"/>
+              </a:solidFill>
+              <a:latin typeface="Arial Unicode MS" pitchFamily="34" charset="-122"/>
+              <a:ea typeface="Arial Unicode MS" pitchFamily="34" charset="-122"/>
+              <a:cs typeface="Arial Unicode MS" pitchFamily="34" charset="-122"/>
+            </a:endParaRPr>
+          </a:p>
+          <a:p>
+            <a:r>
+              <a:rPr lang="en-US" altLang="zh-CN" sz="1000" dirty="0" smtClean="0">
+                <a:solidFill>
+                  <a:schemeClr val="tx1"/>
+                </a:solidFill>
+                <a:latin typeface="Arial Unicode MS" pitchFamily="34" charset="-122"/>
+                <a:ea typeface="Arial Unicode MS" pitchFamily="34" charset="-122"/>
+                <a:cs typeface="Arial Unicode MS" pitchFamily="34" charset="-122"/>
+              </a:rPr>
+              <a:t>&lt;Type&gt;:System.Int32,System.String,System.DateTime,System.Single</a:t>
+            </a:r>
+          </a:p>
+          <a:p>
+            <a:r>
+              <a:rPr lang="en-US" altLang="zh-CN" sz="1000" dirty="0" smtClean="0">
+                <a:solidFill>
+                  <a:schemeClr val="tx1"/>
+                </a:solidFill>
+                <a:latin typeface="Arial Unicode MS" pitchFamily="34" charset="-122"/>
+                <a:ea typeface="Arial Unicode MS" pitchFamily="34" charset="-122"/>
+                <a:cs typeface="Arial Unicode MS" pitchFamily="34" charset="-122"/>
+              </a:rPr>
+              <a:t>1,Iory,2020/8/10 0:00:00,172.5</a:t>
+            </a:r>
+          </a:p>
+          <a:p>
+            <a:r>
+              <a:rPr lang="en-US" altLang="zh-CN" sz="1000" dirty="0" smtClean="0">
+                <a:solidFill>
+                  <a:schemeClr val="tx1"/>
+                </a:solidFill>
+                <a:latin typeface="Arial Unicode MS" pitchFamily="34" charset="-122"/>
+                <a:ea typeface="Arial Unicode MS" pitchFamily="34" charset="-122"/>
+                <a:cs typeface="Arial Unicode MS" pitchFamily="34" charset="-122"/>
+              </a:rPr>
+              <a:t>2,Yvong,1980/3/12 0:00:00,162.1</a:t>
+            </a:r>
+          </a:p>
+          <a:p>
+            <a:r>
+              <a:rPr lang="en-US" altLang="zh-CN" sz="1000" dirty="0" smtClean="0">
+                <a:solidFill>
+                  <a:schemeClr val="tx1"/>
+                </a:solidFill>
+                <a:latin typeface="Arial Unicode MS" pitchFamily="34" charset="-122"/>
+                <a:ea typeface="Arial Unicode MS" pitchFamily="34" charset="-122"/>
+                <a:cs typeface="Arial Unicode MS" pitchFamily="34" charset="-122"/>
+              </a:rPr>
+              <a:t>3,Jesy,1999/9/3 0:00:00,167</a:t>
+            </a:r>
+          </a:p>
+          <a:p>
+            <a:r>
+              <a:rPr lang="en-US" altLang="zh-CN" sz="1000" dirty="0" smtClean="0">
+                <a:solidFill>
+                  <a:schemeClr val="tx1"/>
+                </a:solidFill>
+                <a:latin typeface="Arial Unicode MS" pitchFamily="34" charset="-122"/>
+                <a:ea typeface="Arial Unicode MS" pitchFamily="34" charset="-122"/>
+                <a:cs typeface="Arial Unicode MS" pitchFamily="34" charset="-122"/>
+              </a:rPr>
+              <a:t>&lt;[</a:t>
+            </a:r>
+            <a:r>
+              <a:rPr lang="en-US" altLang="zh-CN" sz="1000" dirty="0" err="1" smtClean="0">
+                <a:solidFill>
+                  <a:schemeClr val="tx1"/>
+                </a:solidFill>
+                <a:latin typeface="Arial Unicode MS" pitchFamily="34" charset="-122"/>
+                <a:ea typeface="Arial Unicode MS" pitchFamily="34" charset="-122"/>
+                <a:cs typeface="Arial Unicode MS" pitchFamily="34" charset="-122"/>
+              </a:rPr>
+              <a:t>WindData</a:t>
+            </a:r>
+            <a:r>
+              <a:rPr lang="en-US" altLang="zh-CN" sz="1000" dirty="0" smtClean="0">
+                <a:solidFill>
+                  <a:schemeClr val="tx1"/>
+                </a:solidFill>
+                <a:latin typeface="Arial Unicode MS" pitchFamily="34" charset="-122"/>
+                <a:ea typeface="Arial Unicode MS" pitchFamily="34" charset="-122"/>
+                <a:cs typeface="Arial Unicode MS" pitchFamily="34" charset="-122"/>
+              </a:rPr>
+              <a:t>]&gt;:</a:t>
+            </a:r>
+            <a:r>
+              <a:rPr lang="en-US" altLang="zh-CN" sz="1000" dirty="0" err="1" smtClean="0">
+                <a:solidFill>
+                  <a:schemeClr val="tx1"/>
+                </a:solidFill>
+                <a:latin typeface="Arial Unicode MS" pitchFamily="34" charset="-122"/>
+                <a:ea typeface="Arial Unicode MS" pitchFamily="34" charset="-122"/>
+                <a:cs typeface="Arial Unicode MS" pitchFamily="34" charset="-122"/>
+              </a:rPr>
+              <a:t>WindData</a:t>
+            </a:r>
+            <a:endParaRPr lang="en-US" altLang="zh-CN" sz="1000" dirty="0" smtClean="0">
+              <a:solidFill>
+                <a:schemeClr val="tx1"/>
+              </a:solidFill>
+              <a:latin typeface="Arial Unicode MS" pitchFamily="34" charset="-122"/>
+              <a:ea typeface="Arial Unicode MS" pitchFamily="34" charset="-122"/>
+              <a:cs typeface="Arial Unicode MS" pitchFamily="34" charset="-122"/>
+            </a:endParaRPr>
+          </a:p>
+          <a:p>
+            <a:r>
+              <a:rPr lang="en-US" altLang="zh-CN" sz="1000" dirty="0" smtClean="0">
+                <a:solidFill>
+                  <a:schemeClr val="tx1"/>
+                </a:solidFill>
+                <a:latin typeface="Arial Unicode MS" pitchFamily="34" charset="-122"/>
+                <a:ea typeface="Arial Unicode MS" pitchFamily="34" charset="-122"/>
+                <a:cs typeface="Arial Unicode MS" pitchFamily="34" charset="-122"/>
+              </a:rPr>
+              <a:t>&lt;Para&gt;:</a:t>
+            </a:r>
+            <a:r>
+              <a:rPr lang="en-US" altLang="zh-CN" sz="1000" dirty="0" err="1" smtClean="0">
+                <a:solidFill>
+                  <a:schemeClr val="tx1"/>
+                </a:solidFill>
+                <a:latin typeface="Arial Unicode MS" pitchFamily="34" charset="-122"/>
+                <a:ea typeface="Arial Unicode MS" pitchFamily="34" charset="-122"/>
+                <a:cs typeface="Arial Unicode MS" pitchFamily="34" charset="-122"/>
+              </a:rPr>
+              <a:t>ID,WindName,Direction,Level</a:t>
+            </a:r>
+            <a:endParaRPr lang="en-US" altLang="zh-CN" sz="1000" dirty="0" smtClean="0">
+              <a:solidFill>
+                <a:schemeClr val="tx1"/>
+              </a:solidFill>
+              <a:latin typeface="Arial Unicode MS" pitchFamily="34" charset="-122"/>
+              <a:ea typeface="Arial Unicode MS" pitchFamily="34" charset="-122"/>
+              <a:cs typeface="Arial Unicode MS" pitchFamily="34" charset="-122"/>
+            </a:endParaRPr>
+          </a:p>
+          <a:p>
+            <a:r>
+              <a:rPr lang="en-US" altLang="zh-CN" sz="1000" dirty="0" smtClean="0">
+                <a:solidFill>
+                  <a:schemeClr val="tx1"/>
+                </a:solidFill>
+                <a:latin typeface="Arial Unicode MS" pitchFamily="34" charset="-122"/>
+                <a:ea typeface="Arial Unicode MS" pitchFamily="34" charset="-122"/>
+                <a:cs typeface="Arial Unicode MS" pitchFamily="34" charset="-122"/>
+              </a:rPr>
+              <a:t>&lt;Type&gt;:System.Int32,System.String,System.String,System.Single</a:t>
+            </a:r>
+          </a:p>
+          <a:p>
+            <a:r>
+              <a:rPr lang="en-US" altLang="zh-CN" sz="1000" dirty="0" smtClean="0">
+                <a:solidFill>
+                  <a:schemeClr val="tx1"/>
+                </a:solidFill>
+                <a:latin typeface="Arial Unicode MS" pitchFamily="34" charset="-122"/>
+                <a:ea typeface="Arial Unicode MS" pitchFamily="34" charset="-122"/>
+                <a:cs typeface="Arial Unicode MS" pitchFamily="34" charset="-122"/>
+              </a:rPr>
+              <a:t>1000,Trade </a:t>
+            </a:r>
+            <a:r>
+              <a:rPr lang="en-US" altLang="zh-CN" sz="1000" dirty="0" err="1" smtClean="0">
+                <a:solidFill>
+                  <a:schemeClr val="tx1"/>
+                </a:solidFill>
+                <a:latin typeface="Arial Unicode MS" pitchFamily="34" charset="-122"/>
+                <a:ea typeface="Arial Unicode MS" pitchFamily="34" charset="-122"/>
+                <a:cs typeface="Arial Unicode MS" pitchFamily="34" charset="-122"/>
+              </a:rPr>
+              <a:t>Wind,South</a:t>
+            </a:r>
+            <a:r>
+              <a:rPr lang="en-US" altLang="zh-CN" sz="1000" dirty="0" smtClean="0">
+                <a:solidFill>
+                  <a:schemeClr val="tx1"/>
+                </a:solidFill>
+                <a:latin typeface="Arial Unicode MS" pitchFamily="34" charset="-122"/>
+                <a:ea typeface="Arial Unicode MS" pitchFamily="34" charset="-122"/>
+                <a:cs typeface="Arial Unicode MS" pitchFamily="34" charset="-122"/>
+              </a:rPr>
+              <a:t> west,6</a:t>
+            </a:r>
+          </a:p>
+          <a:p>
+            <a:r>
+              <a:rPr lang="en-US" altLang="zh-CN" sz="1000" dirty="0" smtClean="0">
+                <a:solidFill>
+                  <a:schemeClr val="tx1"/>
+                </a:solidFill>
+                <a:latin typeface="Arial Unicode MS" pitchFamily="34" charset="-122"/>
+                <a:ea typeface="Arial Unicode MS" pitchFamily="34" charset="-122"/>
+                <a:cs typeface="Arial Unicode MS" pitchFamily="34" charset="-122"/>
+              </a:rPr>
+              <a:t>2000,Sea Wind,East,2.5</a:t>
+            </a:r>
+          </a:p>
+          <a:p>
+            <a:r>
+              <a:rPr lang="en-US" altLang="zh-CN" sz="1000" dirty="0" smtClean="0">
+                <a:solidFill>
+                  <a:schemeClr val="tx1"/>
+                </a:solidFill>
+                <a:latin typeface="Arial Unicode MS" pitchFamily="34" charset="-122"/>
+                <a:ea typeface="Arial Unicode MS" pitchFamily="34" charset="-122"/>
+                <a:cs typeface="Arial Unicode MS" pitchFamily="34" charset="-122"/>
+              </a:rPr>
+              <a:t>3000,Code Wind,North,4</a:t>
+            </a:r>
+          </a:p>
+          <a:p>
+            <a:r>
+              <a:rPr lang="en-US" altLang="zh-CN" sz="1000" dirty="0" smtClean="0">
+                <a:solidFill>
+                  <a:schemeClr val="tx1"/>
+                </a:solidFill>
+                <a:latin typeface="Arial Unicode MS" pitchFamily="34" charset="-122"/>
+                <a:ea typeface="Arial Unicode MS" pitchFamily="34" charset="-122"/>
+                <a:cs typeface="Arial Unicode MS" pitchFamily="34" charset="-122"/>
+              </a:rPr>
+              <a:t>4000,Typhoon,South east,10.6</a:t>
+            </a:r>
+          </a:p>
+          <a:p>
+            <a:r>
+              <a:rPr lang="en-US" altLang="zh-CN" sz="1000" dirty="0" smtClean="0">
+                <a:solidFill>
+                  <a:schemeClr val="tx1"/>
+                </a:solidFill>
+                <a:latin typeface="Arial Unicode MS" pitchFamily="34" charset="-122"/>
+                <a:ea typeface="Arial Unicode MS" pitchFamily="34" charset="-122"/>
+                <a:cs typeface="Arial Unicode MS" pitchFamily="34" charset="-122"/>
+              </a:rPr>
+              <a:t>5000,Dry wind,West,3</a:t>
+            </a:r>
+            <a:endParaRPr lang="en-US" altLang="zh-CN" sz="1000" dirty="0">
+              <a:solidFill>
+                <a:schemeClr val="tx1"/>
+              </a:solidFill>
+              <a:latin typeface="Arial Unicode MS" pitchFamily="34" charset="-122"/>
+              <a:ea typeface="Arial Unicode MS" pitchFamily="34" charset="-122"/>
+              <a:cs typeface="Arial Unicode MS" pitchFamily="34" charset="-122"/>
+            </a:endParaRPr>
+          </a:p>
+        </p:txBody>
+      </p:sp>
+      <p:sp>
+        <p:nvSpPr>
+          <p:cNvPr id="10" name="TextBox 9"/>
+          <p:cNvSpPr txBox="1"/>
+          <p:nvPr/>
+        </p:nvSpPr>
+        <p:spPr>
+          <a:xfrm>
+            <a:off x="714348" y="2571744"/>
+            <a:ext cx="2621230" cy="369332"/>
+          </a:xfrm>
+          <a:prstGeom prst="rect">
+            <a:avLst/>
+          </a:prstGeom>
+          <a:noFill/>
+        </p:spPr>
+        <p:txBody>
+          <a:bodyPr wrap="none" rtlCol="0">
+            <a:spAutoFit/>
+          </a:bodyPr>
+          <a:lstStyle/>
+          <a:p>
+            <a:r>
+              <a:rPr lang="en-US" altLang="zh-CN" dirty="0" smtClean="0"/>
+              <a:t>C#</a:t>
+            </a:r>
+            <a:r>
+              <a:rPr lang="zh-CN" altLang="en-US" dirty="0" smtClean="0"/>
+              <a:t>内存</a:t>
+            </a:r>
+            <a:r>
+              <a:rPr lang="en-US" altLang="zh-CN" dirty="0" smtClean="0"/>
+              <a:t>Dataset</a:t>
+            </a:r>
+            <a:r>
+              <a:rPr lang="zh-CN" altLang="en-US" dirty="0" smtClean="0"/>
+              <a:t>数据结构</a:t>
+            </a:r>
+            <a:endParaRPr lang="zh-CN" altLang="en-US" dirty="0"/>
+          </a:p>
+        </p:txBody>
+      </p:sp>
+      <p:sp>
+        <p:nvSpPr>
+          <p:cNvPr id="11" name="右箭头 10"/>
+          <p:cNvSpPr/>
+          <p:nvPr/>
+        </p:nvSpPr>
+        <p:spPr>
+          <a:xfrm>
+            <a:off x="4357686" y="4000504"/>
+            <a:ext cx="928694" cy="571504"/>
+          </a:xfrm>
+          <a:prstGeom prst="rightArrow">
+            <a:avLst/>
+          </a:prstGeom>
+        </p:spPr>
+        <p:style>
+          <a:lnRef idx="0">
+            <a:schemeClr val="accent4"/>
+          </a:lnRef>
+          <a:fillRef idx="3">
+            <a:schemeClr val="accent4"/>
+          </a:fillRef>
+          <a:effectRef idx="3">
+            <a:schemeClr val="accent4"/>
+          </a:effectRef>
+          <a:fontRef idx="minor">
+            <a:schemeClr val="lt1"/>
+          </a:fontRef>
+        </p:style>
+        <p:txBody>
+          <a:bodyPr rtlCol="0" anchor="ctr"/>
+          <a:lstStyle/>
+          <a:p>
+            <a:pPr algn="ctr"/>
+            <a:endParaRPr lang="zh-CN" altLang="en-US"/>
+          </a:p>
+        </p:txBody>
+      </p:sp>
+      <p:sp>
+        <p:nvSpPr>
+          <p:cNvPr id="12" name="右箭头 11"/>
+          <p:cNvSpPr/>
+          <p:nvPr/>
+        </p:nvSpPr>
+        <p:spPr>
+          <a:xfrm rot="10800000">
+            <a:off x="4143372" y="4714884"/>
+            <a:ext cx="928694" cy="571504"/>
+          </a:xfrm>
+          <a:prstGeom prst="rightArrow">
+            <a:avLst/>
+          </a:prstGeom>
+        </p:spPr>
+        <p:style>
+          <a:lnRef idx="0">
+            <a:schemeClr val="accent4"/>
+          </a:lnRef>
+          <a:fillRef idx="3">
+            <a:schemeClr val="accent4"/>
+          </a:fillRef>
+          <a:effectRef idx="3">
+            <a:schemeClr val="accent4"/>
+          </a:effectRef>
+          <a:fontRef idx="minor">
+            <a:schemeClr val="lt1"/>
+          </a:fontRef>
+        </p:style>
+        <p:txBody>
+          <a:bodyPr rtlCol="0" anchor="ctr"/>
+          <a:lstStyle/>
+          <a:p>
+            <a:pPr algn="ctr"/>
+            <a:endParaRPr lang="zh-CN" altLang="en-US"/>
+          </a:p>
+        </p:txBody>
+      </p:sp>
+    </p:spTree>
+  </p:cSld>
+  <p:clrMapOvr>
+    <a:masterClrMapping/>
+  </p:clrMapOvr>
+  <p:timing>
+    <p:tnLst>
+      <p:par>
+        <p:cTn id="1" dur="indefinite" restart="never" nodeType="tmRoot"/>
+      </p:par>
+    </p:tnLst>
+  </p:timing>
+</p:sld>
+</file>
+
+<file path=ppt/slides/slide4.xml><?xml version="1.0" encoding="utf-8"?>
+<p:sld xmlns:a="http://schemas.openxmlformats.org/drawingml/2006/main" xmlns:r="http://schemas.openxmlformats.org/officeDocument/2006/relationships" xmlns:p="http://schemas.openxmlformats.org/presentationml/2006/main">
+  <p:cSld>
+    <p:spTree>
+      <p:nvGrpSpPr>
+        <p:cNvPr id="1" name=""/>
+        <p:cNvGrpSpPr/>
+        <p:nvPr/>
+      </p:nvGrpSpPr>
+      <p:grpSpPr>
+        <a:xfrm>
+          <a:off x="0" y="0"/>
+          <a:ext cx="0" cy="0"/>
+          <a:chOff x="0" y="0"/>
+          <a:chExt cx="0" cy="0"/>
+        </a:xfrm>
+      </p:grpSpPr>
+      <p:pic>
+        <p:nvPicPr>
+          <p:cNvPr id="1027" name="Picture 3"/>
+          <p:cNvPicPr>
+            <a:picLocks noChangeAspect="1" noChangeArrowheads="1"/>
+          </p:cNvPicPr>
+          <p:nvPr/>
+        </p:nvPicPr>
+        <p:blipFill>
+          <a:blip r:embed="rId2"/>
+          <a:srcRect/>
+          <a:stretch>
+            <a:fillRect/>
+          </a:stretch>
+        </p:blipFill>
+        <p:spPr bwMode="auto">
+          <a:xfrm>
+            <a:off x="5555203" y="2714620"/>
+            <a:ext cx="3288329" cy="2143140"/>
+          </a:xfrm>
+          <a:prstGeom prst="rect">
+            <a:avLst/>
+          </a:prstGeom>
+          <a:noFill/>
+          <a:ln w="9525">
+            <a:noFill/>
+            <a:miter lim="800000"/>
+            <a:headEnd/>
+            <a:tailEnd/>
+          </a:ln>
+          <a:effectLst/>
+        </p:spPr>
+      </p:pic>
+      <p:sp>
+        <p:nvSpPr>
+          <p:cNvPr id="2" name="标题 1"/>
+          <p:cNvSpPr>
+            <a:spLocks noGrp="1"/>
+          </p:cNvSpPr>
+          <p:nvPr>
+            <p:ph type="title"/>
+          </p:nvPr>
+        </p:nvSpPr>
+        <p:spPr/>
+        <p:txBody>
+          <a:bodyPr/>
+          <a:lstStyle/>
+          <a:p>
+            <a:pPr algn="l"/>
+            <a:r>
+              <a:rPr lang="en-US" altLang="zh-CN" dirty="0" smtClean="0"/>
+              <a:t>Spec </a:t>
+            </a:r>
+            <a:r>
+              <a:rPr lang="zh-CN" altLang="en-US" dirty="0" smtClean="0"/>
+              <a:t>信息 在</a:t>
+            </a:r>
+            <a:r>
+              <a:rPr lang="en-US" altLang="zh-CN" dirty="0" smtClean="0"/>
+              <a:t>C#</a:t>
+            </a:r>
+            <a:r>
+              <a:rPr lang="zh-CN" altLang="en-US" dirty="0" smtClean="0"/>
+              <a:t>和</a:t>
+            </a:r>
+            <a:r>
+              <a:rPr lang="en-US" altLang="zh-CN" dirty="0" smtClean="0"/>
+              <a:t>NDF</a:t>
+            </a:r>
+            <a:r>
+              <a:rPr lang="zh-CN" altLang="en-US" dirty="0" smtClean="0"/>
+              <a:t>中的存储方式</a:t>
+            </a:r>
+            <a:endParaRPr lang="zh-CN" altLang="en-US" dirty="0"/>
+          </a:p>
+        </p:txBody>
+      </p:sp>
+      <p:sp>
+        <p:nvSpPr>
+          <p:cNvPr id="3" name="内容占位符 2"/>
+          <p:cNvSpPr>
+            <a:spLocks noGrp="1"/>
+          </p:cNvSpPr>
+          <p:nvPr>
+            <p:ph sz="quarter" idx="1"/>
+          </p:nvPr>
+        </p:nvSpPr>
+        <p:spPr/>
+        <p:txBody>
+          <a:bodyPr>
+            <a:normAutofit/>
+          </a:bodyPr>
+          <a:lstStyle/>
+          <a:p>
+            <a:r>
+              <a:rPr lang="en-US" altLang="zh-CN" sz="2400" dirty="0" smtClean="0"/>
+              <a:t>C# </a:t>
+            </a:r>
+            <a:r>
+              <a:rPr lang="en-US" altLang="zh-CN" sz="2400" dirty="0" err="1" smtClean="0"/>
+              <a:t>Datatable</a:t>
+            </a:r>
+            <a:r>
+              <a:rPr lang="zh-CN" altLang="en-US" sz="2400" dirty="0" smtClean="0"/>
+              <a:t>只能存储数据，没有地方存储</a:t>
+            </a:r>
+            <a:r>
+              <a:rPr lang="en-US" altLang="zh-CN" sz="2400" dirty="0" smtClean="0"/>
+              <a:t>spec</a:t>
+            </a:r>
+            <a:r>
+              <a:rPr lang="zh-CN" altLang="en-US" sz="2400" dirty="0" smtClean="0"/>
+              <a:t>信息，但是</a:t>
+            </a:r>
+            <a:r>
+              <a:rPr lang="en-US" altLang="zh-CN" sz="2400" dirty="0" smtClean="0"/>
+              <a:t>spec</a:t>
+            </a:r>
+            <a:r>
+              <a:rPr lang="zh-CN" altLang="en-US" sz="2400" dirty="0" smtClean="0"/>
+              <a:t>信息</a:t>
+            </a:r>
+            <a:r>
+              <a:rPr lang="en-US" altLang="zh-CN" sz="2400" dirty="0" smtClean="0"/>
+              <a:t>(</a:t>
+            </a:r>
+            <a:r>
+              <a:rPr lang="zh-CN" altLang="en-US" sz="2400" dirty="0" smtClean="0"/>
+              <a:t>每个列的 上限，下限和单位</a:t>
+            </a:r>
+            <a:r>
+              <a:rPr lang="en-US" altLang="zh-CN" sz="2400" dirty="0" smtClean="0"/>
+              <a:t>)</a:t>
+            </a:r>
+            <a:r>
+              <a:rPr lang="zh-CN" altLang="en-US" sz="2400" dirty="0" smtClean="0"/>
+              <a:t>在数据分析中却非常必要；一般我们需要多一个</a:t>
+            </a:r>
+            <a:r>
+              <a:rPr lang="en-US" altLang="zh-CN" sz="2400" dirty="0" err="1" smtClean="0"/>
+              <a:t>Datatable</a:t>
+            </a:r>
+            <a:r>
+              <a:rPr lang="zh-CN" altLang="en-US" sz="2400" dirty="0" smtClean="0"/>
+              <a:t>来存储。</a:t>
+            </a:r>
+            <a:endParaRPr lang="zh-CN" altLang="en-US" sz="2400" dirty="0"/>
+          </a:p>
+        </p:txBody>
+      </p:sp>
+      <p:graphicFrame>
+        <p:nvGraphicFramePr>
+          <p:cNvPr id="8" name="表格 7"/>
+          <p:cNvGraphicFramePr>
+            <a:graphicFrameLocks noGrp="1"/>
+          </p:cNvGraphicFramePr>
+          <p:nvPr/>
+        </p:nvGraphicFramePr>
+        <p:xfrm>
+          <a:off x="1785918" y="3143248"/>
+          <a:ext cx="2357454" cy="1957385"/>
+        </p:xfrm>
+        <a:graphic>
+          <a:graphicData uri="http://schemas.openxmlformats.org/drawingml/2006/table">
+            <a:tbl>
+              <a:tblPr firstRow="1" bandRow="1">
+                <a:tableStyleId>{5C22544A-7EE6-4342-B048-85BDC9FD1C3A}</a:tableStyleId>
+              </a:tblPr>
+              <a:tblGrid>
+                <a:gridCol w="1178727"/>
+                <a:gridCol w="1178727"/>
+              </a:tblGrid>
+              <a:tr h="337202">
+                <a:tc>
+                  <a:txBody>
+                    <a:bodyPr/>
+                    <a:lstStyle/>
+                    <a:p>
+                      <a:r>
+                        <a:rPr lang="en-US" altLang="zh-CN" dirty="0" smtClean="0"/>
+                        <a:t>Lot</a:t>
+                      </a:r>
+                      <a:endParaRPr lang="zh-CN" altLang="en-US" dirty="0"/>
+                    </a:p>
+                  </a:txBody>
+                  <a:tcPr/>
+                </a:tc>
+                <a:tc>
+                  <a:txBody>
+                    <a:bodyPr/>
+                    <a:lstStyle/>
+                    <a:p>
+                      <a:r>
+                        <a:rPr lang="en-US" altLang="zh-CN" dirty="0" smtClean="0"/>
+                        <a:t>Reading1</a:t>
+                      </a:r>
+                      <a:endParaRPr lang="zh-CN" altLang="en-US" dirty="0"/>
+                    </a:p>
+                  </a:txBody>
+                  <a:tcPr/>
+                </a:tc>
+              </a:tr>
+              <a:tr h="318325">
+                <a:tc>
+                  <a:txBody>
+                    <a:bodyPr/>
+                    <a:lstStyle/>
+                    <a:p>
+                      <a:r>
+                        <a:rPr lang="en-US" altLang="zh-CN" sz="1400" dirty="0" smtClean="0"/>
+                        <a:t>lot1</a:t>
+                      </a:r>
+                      <a:endParaRPr lang="zh-CN" altLang="en-US" sz="1400" dirty="0"/>
+                    </a:p>
+                  </a:txBody>
+                  <a:tcPr/>
+                </a:tc>
+                <a:tc>
+                  <a:txBody>
+                    <a:bodyPr/>
+                    <a:lstStyle/>
+                    <a:p>
+                      <a:r>
+                        <a:rPr lang="en-US" altLang="zh-CN" sz="1400" dirty="0" smtClean="0"/>
+                        <a:t>1.14</a:t>
+                      </a:r>
+                      <a:endParaRPr lang="zh-CN" altLang="en-US" sz="1400" dirty="0"/>
+                    </a:p>
+                  </a:txBody>
+                  <a:tcPr/>
+                </a:tc>
+              </a:tr>
+              <a:tr h="318325">
+                <a:tc>
+                  <a:txBody>
+                    <a:bodyPr/>
+                    <a:lstStyle/>
+                    <a:p>
+                      <a:r>
+                        <a:rPr lang="en-US" altLang="zh-CN" sz="1400" dirty="0" smtClean="0"/>
+                        <a:t>lot1</a:t>
+                      </a:r>
+                      <a:endParaRPr lang="zh-CN" altLang="en-US" sz="1400" dirty="0"/>
+                    </a:p>
+                  </a:txBody>
+                  <a:tcPr/>
+                </a:tc>
+                <a:tc>
+                  <a:txBody>
+                    <a:bodyPr/>
+                    <a:lstStyle/>
+                    <a:p>
+                      <a:r>
+                        <a:rPr lang="en-US" altLang="zh-CN" sz="1400" dirty="0" smtClean="0"/>
+                        <a:t>12.18</a:t>
+                      </a:r>
+                      <a:endParaRPr lang="zh-CN" altLang="en-US" sz="1400" dirty="0"/>
+                    </a:p>
+                  </a:txBody>
+                  <a:tcPr/>
+                </a:tc>
+              </a:tr>
+              <a:tr h="318325">
+                <a:tc>
+                  <a:txBody>
+                    <a:bodyPr/>
+                    <a:lstStyle/>
+                    <a:p>
+                      <a:r>
+                        <a:rPr lang="en-US" altLang="zh-CN" sz="1400" dirty="0" smtClean="0"/>
+                        <a:t>lot1</a:t>
+                      </a:r>
+                      <a:endParaRPr lang="zh-CN" altLang="en-US" sz="1400" dirty="0"/>
+                    </a:p>
+                  </a:txBody>
+                  <a:tcPr/>
+                </a:tc>
+                <a:tc>
+                  <a:txBody>
+                    <a:bodyPr/>
+                    <a:lstStyle/>
+                    <a:p>
+                      <a:r>
+                        <a:rPr lang="en-US" altLang="zh-CN" sz="1400" dirty="0" smtClean="0"/>
+                        <a:t>7.163</a:t>
+                      </a:r>
+                      <a:endParaRPr lang="zh-CN" altLang="en-US" sz="1400" dirty="0"/>
+                    </a:p>
+                  </a:txBody>
+                  <a:tcPr/>
+                </a:tc>
+              </a:tr>
+              <a:tr h="318325">
+                <a:tc>
+                  <a:txBody>
+                    <a:bodyPr/>
+                    <a:lstStyle/>
+                    <a:p>
+                      <a:r>
+                        <a:rPr lang="en-US" altLang="zh-CN" sz="1400" dirty="0" smtClean="0"/>
+                        <a:t>lot1</a:t>
+                      </a:r>
+                      <a:endParaRPr lang="zh-CN" altLang="en-US" sz="1400" dirty="0"/>
+                    </a:p>
+                  </a:txBody>
+                  <a:tcPr/>
+                </a:tc>
+                <a:tc>
+                  <a:txBody>
+                    <a:bodyPr/>
+                    <a:lstStyle/>
+                    <a:p>
+                      <a:r>
+                        <a:rPr lang="en-US" altLang="zh-CN" sz="1400" dirty="0" smtClean="0"/>
+                        <a:t>4.274</a:t>
+                      </a:r>
+                      <a:endParaRPr lang="zh-CN" altLang="en-US" sz="1400" dirty="0"/>
+                    </a:p>
+                  </a:txBody>
+                  <a:tcPr/>
+                </a:tc>
+              </a:tr>
+              <a:tr h="318325">
+                <a:tc>
+                  <a:txBody>
+                    <a:bodyPr/>
+                    <a:lstStyle/>
+                    <a:p>
+                      <a:r>
+                        <a:rPr lang="en-US" altLang="zh-CN" sz="1400" dirty="0" smtClean="0"/>
+                        <a:t>lot1</a:t>
+                      </a:r>
+                      <a:endParaRPr lang="zh-CN" altLang="en-US" sz="1400" dirty="0"/>
+                    </a:p>
+                  </a:txBody>
+                  <a:tcPr/>
+                </a:tc>
+                <a:tc>
+                  <a:txBody>
+                    <a:bodyPr/>
+                    <a:lstStyle/>
+                    <a:p>
+                      <a:r>
+                        <a:rPr lang="en-US" altLang="zh-CN" sz="1400" dirty="0" smtClean="0"/>
+                        <a:t>5.18</a:t>
+                      </a:r>
+                      <a:endParaRPr lang="zh-CN" altLang="en-US" sz="1400" dirty="0"/>
+                    </a:p>
+                  </a:txBody>
+                  <a:tcPr/>
+                </a:tc>
+              </a:tr>
+            </a:tbl>
+          </a:graphicData>
+        </a:graphic>
+      </p:graphicFrame>
+      <p:sp>
+        <p:nvSpPr>
+          <p:cNvPr id="9" name="流程图: 文档 8"/>
+          <p:cNvSpPr/>
+          <p:nvPr/>
+        </p:nvSpPr>
+        <p:spPr>
+          <a:xfrm>
+            <a:off x="5572132" y="4929198"/>
+            <a:ext cx="3071834" cy="1785950"/>
+          </a:xfrm>
+          <a:prstGeom prst="flowChartDocument">
+            <a:avLst/>
+          </a:prstGeom>
+          <a:solidFill>
+            <a:srgbClr val="00EA6A"/>
+          </a:solidFill>
+          <a:effectLst>
+            <a:outerShdw blurRad="50800" dist="38100" dir="2700000" algn="tl" rotWithShape="0">
+              <a:prstClr val="black">
+                <a:alpha val="40000"/>
+              </a:prstClr>
+            </a:outerShdw>
+          </a:effectLst>
+        </p:spPr>
+        <p:style>
+          <a:lnRef idx="2">
+            <a:schemeClr val="accent1">
+              <a:shade val="50000"/>
+            </a:schemeClr>
+          </a:lnRef>
+          <a:fillRef idx="1">
+            <a:schemeClr val="accent1"/>
+          </a:fillRef>
+          <a:effectRef idx="0">
+            <a:schemeClr val="accent1"/>
+          </a:effectRef>
+          <a:fontRef idx="minor">
+            <a:schemeClr val="lt1"/>
+          </a:fontRef>
+        </p:style>
+        <p:txBody>
+          <a:bodyPr rtlCol="0" anchor="ctr"/>
+          <a:lstStyle/>
+          <a:p>
+            <a:endParaRPr lang="en-US" altLang="zh-CN" sz="1000" dirty="0" smtClean="0">
+              <a:solidFill>
+                <a:schemeClr val="tx1"/>
+              </a:solidFill>
+              <a:latin typeface="Arial Unicode MS" pitchFamily="34" charset="-122"/>
+              <a:ea typeface="Arial Unicode MS" pitchFamily="34" charset="-122"/>
+              <a:cs typeface="Arial Unicode MS" pitchFamily="34" charset="-122"/>
+            </a:endParaRPr>
+          </a:p>
+          <a:p>
+            <a:endParaRPr lang="en-US" altLang="zh-CN" sz="1000" dirty="0" smtClean="0">
+              <a:solidFill>
+                <a:schemeClr val="tx1"/>
+              </a:solidFill>
+              <a:latin typeface="Arial Unicode MS" pitchFamily="34" charset="-122"/>
+              <a:ea typeface="Arial Unicode MS" pitchFamily="34" charset="-122"/>
+              <a:cs typeface="Arial Unicode MS" pitchFamily="34" charset="-122"/>
+            </a:endParaRPr>
+          </a:p>
+          <a:p>
+            <a:r>
+              <a:rPr lang="en-US" altLang="zh-CN" sz="1000" dirty="0" smtClean="0">
+                <a:solidFill>
+                  <a:schemeClr val="tx1"/>
+                </a:solidFill>
+                <a:latin typeface="Arial Unicode MS" pitchFamily="34" charset="-122"/>
+                <a:ea typeface="Arial Unicode MS" pitchFamily="34" charset="-122"/>
+                <a:cs typeface="Arial Unicode MS" pitchFamily="34" charset="-122"/>
+              </a:rPr>
+              <a:t>&lt;&lt;NDF&gt;&gt;: (Dot) Net Data Format 1.0</a:t>
+            </a:r>
+          </a:p>
+          <a:p>
+            <a:r>
+              <a:rPr lang="en-US" altLang="zh-CN" sz="1000" dirty="0" smtClean="0">
+                <a:solidFill>
+                  <a:schemeClr val="tx1"/>
+                </a:solidFill>
+                <a:latin typeface="Arial Unicode MS" pitchFamily="34" charset="-122"/>
+                <a:ea typeface="Arial Unicode MS" pitchFamily="34" charset="-122"/>
+                <a:cs typeface="Arial Unicode MS" pitchFamily="34" charset="-122"/>
+              </a:rPr>
+              <a:t>&lt;&lt;DESC&gt;&gt;: Sample NDF data, north wind table</a:t>
+            </a:r>
+          </a:p>
+          <a:p>
+            <a:r>
+              <a:rPr lang="en-US" altLang="zh-CN" sz="1000" dirty="0" smtClean="0">
+                <a:solidFill>
+                  <a:schemeClr val="tx1"/>
+                </a:solidFill>
+                <a:latin typeface="Arial Unicode MS" pitchFamily="34" charset="-122"/>
+                <a:ea typeface="Arial Unicode MS" pitchFamily="34" charset="-122"/>
+                <a:cs typeface="Arial Unicode MS" pitchFamily="34" charset="-122"/>
+              </a:rPr>
+              <a:t>&lt;[</a:t>
+            </a:r>
+            <a:r>
+              <a:rPr lang="en-US" altLang="zh-CN" sz="1000" dirty="0" err="1" smtClean="0">
+                <a:solidFill>
+                  <a:schemeClr val="tx1"/>
+                </a:solidFill>
+                <a:latin typeface="Arial Unicode MS" pitchFamily="34" charset="-122"/>
+                <a:ea typeface="Arial Unicode MS" pitchFamily="34" charset="-122"/>
+                <a:cs typeface="Arial Unicode MS" pitchFamily="34" charset="-122"/>
+              </a:rPr>
+              <a:t>NorthWind</a:t>
+            </a:r>
+            <a:r>
+              <a:rPr lang="en-US" altLang="zh-CN" sz="1000" dirty="0" smtClean="0">
+                <a:solidFill>
+                  <a:schemeClr val="tx1"/>
+                </a:solidFill>
+                <a:latin typeface="Arial Unicode MS" pitchFamily="34" charset="-122"/>
+                <a:ea typeface="Arial Unicode MS" pitchFamily="34" charset="-122"/>
+                <a:cs typeface="Arial Unicode MS" pitchFamily="34" charset="-122"/>
+              </a:rPr>
+              <a:t>]&gt;:</a:t>
+            </a:r>
+            <a:r>
+              <a:rPr lang="en-US" altLang="zh-CN" sz="1000" dirty="0" err="1" smtClean="0">
+                <a:solidFill>
+                  <a:schemeClr val="tx1"/>
+                </a:solidFill>
+                <a:latin typeface="Arial Unicode MS" pitchFamily="34" charset="-122"/>
+                <a:ea typeface="Arial Unicode MS" pitchFamily="34" charset="-122"/>
+                <a:cs typeface="Arial Unicode MS" pitchFamily="34" charset="-122"/>
+              </a:rPr>
+              <a:t>NorthWind</a:t>
+            </a:r>
+            <a:endParaRPr lang="en-US" altLang="zh-CN" sz="1000" dirty="0" smtClean="0">
+              <a:solidFill>
+                <a:schemeClr val="tx1"/>
+              </a:solidFill>
+              <a:latin typeface="Arial Unicode MS" pitchFamily="34" charset="-122"/>
+              <a:ea typeface="Arial Unicode MS" pitchFamily="34" charset="-122"/>
+              <a:cs typeface="Arial Unicode MS" pitchFamily="34" charset="-122"/>
+            </a:endParaRPr>
+          </a:p>
+          <a:p>
+            <a:r>
+              <a:rPr lang="en-US" altLang="zh-CN" sz="1000" dirty="0" smtClean="0">
+                <a:solidFill>
+                  <a:schemeClr val="tx1"/>
+                </a:solidFill>
+                <a:latin typeface="Arial Unicode MS" pitchFamily="34" charset="-122"/>
+                <a:ea typeface="Arial Unicode MS" pitchFamily="34" charset="-122"/>
+                <a:cs typeface="Arial Unicode MS" pitchFamily="34" charset="-122"/>
+              </a:rPr>
+              <a:t>&lt;Para&gt;:Lot,Reading1</a:t>
+            </a:r>
+          </a:p>
+          <a:p>
+            <a:r>
+              <a:rPr lang="en-US" altLang="zh-CN" sz="1000" dirty="0" smtClean="0">
+                <a:solidFill>
+                  <a:schemeClr val="tx1"/>
+                </a:solidFill>
+                <a:latin typeface="Arial Unicode MS" pitchFamily="34" charset="-122"/>
+                <a:ea typeface="Arial Unicode MS" pitchFamily="34" charset="-122"/>
+                <a:cs typeface="Arial Unicode MS" pitchFamily="34" charset="-122"/>
+              </a:rPr>
+              <a:t>&lt;Type&gt;:</a:t>
+            </a:r>
+            <a:r>
+              <a:rPr lang="en-US" altLang="zh-CN" sz="1000" dirty="0" err="1" smtClean="0">
+                <a:solidFill>
+                  <a:schemeClr val="tx1"/>
+                </a:solidFill>
+                <a:latin typeface="Arial Unicode MS" pitchFamily="34" charset="-122"/>
+                <a:ea typeface="Arial Unicode MS" pitchFamily="34" charset="-122"/>
+                <a:cs typeface="Arial Unicode MS" pitchFamily="34" charset="-122"/>
+              </a:rPr>
+              <a:t>System.String,System.Single</a:t>
+            </a:r>
+            <a:endParaRPr lang="en-US" altLang="zh-CN" sz="1000" dirty="0" smtClean="0">
+              <a:solidFill>
+                <a:schemeClr val="tx1"/>
+              </a:solidFill>
+              <a:latin typeface="Arial Unicode MS" pitchFamily="34" charset="-122"/>
+              <a:ea typeface="Arial Unicode MS" pitchFamily="34" charset="-122"/>
+              <a:cs typeface="Arial Unicode MS" pitchFamily="34" charset="-122"/>
+            </a:endParaRPr>
+          </a:p>
+          <a:p>
+            <a:r>
+              <a:rPr lang="en-US" altLang="zh-CN" sz="1000" dirty="0" smtClean="0">
+                <a:solidFill>
+                  <a:schemeClr val="tx1"/>
+                </a:solidFill>
+                <a:latin typeface="Arial Unicode MS" pitchFamily="34" charset="-122"/>
+                <a:ea typeface="Arial Unicode MS" pitchFamily="34" charset="-122"/>
+                <a:cs typeface="Arial Unicode MS" pitchFamily="34" charset="-122"/>
+              </a:rPr>
+              <a:t>lot1,1.14</a:t>
+            </a:r>
+          </a:p>
+          <a:p>
+            <a:r>
+              <a:rPr lang="en-US" altLang="zh-CN" sz="1000" dirty="0" smtClean="0">
+                <a:solidFill>
+                  <a:schemeClr val="tx1"/>
+                </a:solidFill>
+                <a:latin typeface="Arial Unicode MS" pitchFamily="34" charset="-122"/>
+                <a:ea typeface="Arial Unicode MS" pitchFamily="34" charset="-122"/>
+                <a:cs typeface="Arial Unicode MS" pitchFamily="34" charset="-122"/>
+              </a:rPr>
+              <a:t>lot1,12.18</a:t>
+            </a:r>
+          </a:p>
+          <a:p>
+            <a:r>
+              <a:rPr lang="en-US" altLang="zh-CN" sz="1000" dirty="0" smtClean="0">
+                <a:solidFill>
+                  <a:schemeClr val="tx1"/>
+                </a:solidFill>
+                <a:latin typeface="Arial Unicode MS" pitchFamily="34" charset="-122"/>
+                <a:ea typeface="Arial Unicode MS" pitchFamily="34" charset="-122"/>
+                <a:cs typeface="Arial Unicode MS" pitchFamily="34" charset="-122"/>
+              </a:rPr>
+              <a:t>lot1,7.163</a:t>
+            </a:r>
+          </a:p>
+          <a:p>
+            <a:r>
+              <a:rPr lang="en-US" altLang="zh-CN" sz="1000" dirty="0" smtClean="0">
+                <a:solidFill>
+                  <a:schemeClr val="tx1"/>
+                </a:solidFill>
+                <a:latin typeface="Arial Unicode MS" pitchFamily="34" charset="-122"/>
+                <a:ea typeface="Arial Unicode MS" pitchFamily="34" charset="-122"/>
+                <a:cs typeface="Arial Unicode MS" pitchFamily="34" charset="-122"/>
+              </a:rPr>
+              <a:t>lot1,4.274</a:t>
+            </a:r>
+          </a:p>
+          <a:p>
+            <a:r>
+              <a:rPr lang="en-US" altLang="zh-CN" sz="1000" dirty="0" smtClean="0">
+                <a:solidFill>
+                  <a:schemeClr val="tx1"/>
+                </a:solidFill>
+                <a:latin typeface="Arial Unicode MS" pitchFamily="34" charset="-122"/>
+                <a:ea typeface="Arial Unicode MS" pitchFamily="34" charset="-122"/>
+                <a:cs typeface="Arial Unicode MS" pitchFamily="34" charset="-122"/>
+              </a:rPr>
+              <a:t>lot1,5.18</a:t>
+            </a:r>
+          </a:p>
+          <a:p>
+            <a:endParaRPr lang="en-US" altLang="zh-CN" sz="1000" dirty="0" smtClean="0">
+              <a:solidFill>
+                <a:schemeClr val="tx1"/>
+              </a:solidFill>
+              <a:latin typeface="Arial Unicode MS" pitchFamily="34" charset="-122"/>
+              <a:ea typeface="Arial Unicode MS" pitchFamily="34" charset="-122"/>
+              <a:cs typeface="Arial Unicode MS" pitchFamily="34" charset="-122"/>
+            </a:endParaRPr>
+          </a:p>
+        </p:txBody>
+      </p:sp>
+      <p:sp>
+        <p:nvSpPr>
+          <p:cNvPr id="10" name="TextBox 9"/>
+          <p:cNvSpPr txBox="1"/>
+          <p:nvPr/>
+        </p:nvSpPr>
+        <p:spPr>
+          <a:xfrm>
+            <a:off x="714348" y="2714620"/>
+            <a:ext cx="2831224" cy="369332"/>
+          </a:xfrm>
+          <a:prstGeom prst="rect">
+            <a:avLst/>
+          </a:prstGeom>
+          <a:noFill/>
+        </p:spPr>
+        <p:txBody>
+          <a:bodyPr wrap="none" rtlCol="0">
+            <a:spAutoFit/>
+          </a:bodyPr>
+          <a:lstStyle/>
+          <a:p>
+            <a:r>
+              <a:rPr lang="en-US" altLang="zh-CN" dirty="0" smtClean="0"/>
+              <a:t>C#</a:t>
+            </a:r>
+            <a:r>
+              <a:rPr lang="zh-CN" altLang="en-US" dirty="0" smtClean="0"/>
+              <a:t>内存</a:t>
+            </a:r>
+            <a:r>
+              <a:rPr lang="en-US" altLang="zh-CN" dirty="0" err="1" smtClean="0"/>
+              <a:t>Datatable</a:t>
+            </a:r>
+            <a:r>
+              <a:rPr lang="zh-CN" altLang="en-US" dirty="0" smtClean="0"/>
+              <a:t>数据结构</a:t>
+            </a:r>
+            <a:endParaRPr lang="zh-CN" altLang="en-US" dirty="0"/>
+          </a:p>
+        </p:txBody>
+      </p:sp>
+      <p:graphicFrame>
+        <p:nvGraphicFramePr>
+          <p:cNvPr id="15" name="表格 14"/>
+          <p:cNvGraphicFramePr>
+            <a:graphicFrameLocks noGrp="1"/>
+          </p:cNvGraphicFramePr>
+          <p:nvPr/>
+        </p:nvGraphicFramePr>
+        <p:xfrm>
+          <a:off x="238114" y="5488256"/>
+          <a:ext cx="3976696" cy="822960"/>
+        </p:xfrm>
+        <a:graphic>
+          <a:graphicData uri="http://schemas.openxmlformats.org/drawingml/2006/table">
+            <a:tbl>
+              <a:tblPr firstRow="1" bandRow="1">
+                <a:tableStyleId>{21E4AEA4-8DFA-4A89-87EB-49C32662AFE0}</a:tableStyleId>
+              </a:tblPr>
+              <a:tblGrid>
+                <a:gridCol w="994174"/>
+                <a:gridCol w="994174"/>
+                <a:gridCol w="994174"/>
+                <a:gridCol w="994174"/>
+              </a:tblGrid>
+              <a:tr h="272518">
+                <a:tc>
+                  <a:txBody>
+                    <a:bodyPr/>
+                    <a:lstStyle/>
+                    <a:p>
+                      <a:r>
+                        <a:rPr lang="en-US" altLang="zh-CN" sz="1200" dirty="0" smtClean="0">
+                          <a:latin typeface="Arial Unicode MS" pitchFamily="34" charset="-122"/>
+                          <a:ea typeface="Arial Unicode MS" pitchFamily="34" charset="-122"/>
+                          <a:cs typeface="Arial Unicode MS" pitchFamily="34" charset="-122"/>
+                        </a:rPr>
+                        <a:t>Parameter</a:t>
+                      </a:r>
+                      <a:endParaRPr lang="zh-CN" altLang="en-US" sz="1200" dirty="0">
+                        <a:latin typeface="Arial Unicode MS" pitchFamily="34" charset="-122"/>
+                        <a:ea typeface="Arial Unicode MS" pitchFamily="34" charset="-122"/>
+                        <a:cs typeface="Arial Unicode MS" pitchFamily="34" charset="-122"/>
+                      </a:endParaRPr>
+                    </a:p>
+                  </a:txBody>
+                  <a:tcPr/>
+                </a:tc>
+                <a:tc>
+                  <a:txBody>
+                    <a:bodyPr/>
+                    <a:lstStyle/>
+                    <a:p>
+                      <a:r>
+                        <a:rPr lang="en-US" altLang="zh-CN" sz="1200" dirty="0" smtClean="0">
+                          <a:latin typeface="Arial Unicode MS" pitchFamily="34" charset="-122"/>
+                          <a:ea typeface="Arial Unicode MS" pitchFamily="34" charset="-122"/>
+                          <a:cs typeface="Arial Unicode MS" pitchFamily="34" charset="-122"/>
+                        </a:rPr>
+                        <a:t>Low Limit</a:t>
+                      </a:r>
+                      <a:endParaRPr lang="zh-CN" altLang="en-US" sz="1200" dirty="0">
+                        <a:latin typeface="Arial Unicode MS" pitchFamily="34" charset="-122"/>
+                        <a:ea typeface="Arial Unicode MS" pitchFamily="34" charset="-122"/>
+                        <a:cs typeface="Arial Unicode MS" pitchFamily="34" charset="-122"/>
+                      </a:endParaRPr>
+                    </a:p>
+                  </a:txBody>
+                  <a:tcPr/>
+                </a:tc>
+                <a:tc>
+                  <a:txBody>
+                    <a:bodyPr/>
+                    <a:lstStyle/>
+                    <a:p>
+                      <a:r>
+                        <a:rPr lang="en-US" altLang="zh-CN" sz="1200" dirty="0" smtClean="0">
+                          <a:latin typeface="Arial Unicode MS" pitchFamily="34" charset="-122"/>
+                          <a:ea typeface="Arial Unicode MS" pitchFamily="34" charset="-122"/>
+                          <a:cs typeface="Arial Unicode MS" pitchFamily="34" charset="-122"/>
+                        </a:rPr>
+                        <a:t>High Limit</a:t>
+                      </a:r>
+                      <a:endParaRPr lang="zh-CN" altLang="en-US" sz="1200" dirty="0">
+                        <a:latin typeface="Arial Unicode MS" pitchFamily="34" charset="-122"/>
+                        <a:ea typeface="Arial Unicode MS" pitchFamily="34" charset="-122"/>
+                        <a:cs typeface="Arial Unicode MS" pitchFamily="34" charset="-122"/>
+                      </a:endParaRPr>
+                    </a:p>
+                  </a:txBody>
+                  <a:tcPr/>
+                </a:tc>
+                <a:tc>
+                  <a:txBody>
+                    <a:bodyPr/>
+                    <a:lstStyle/>
+                    <a:p>
+                      <a:r>
+                        <a:rPr lang="en-US" altLang="zh-CN" sz="1200" dirty="0" smtClean="0">
+                          <a:latin typeface="Arial Unicode MS" pitchFamily="34" charset="-122"/>
+                          <a:ea typeface="Arial Unicode MS" pitchFamily="34" charset="-122"/>
+                          <a:cs typeface="Arial Unicode MS" pitchFamily="34" charset="-122"/>
+                        </a:rPr>
+                        <a:t>Unit</a:t>
+                      </a:r>
+                      <a:endParaRPr lang="zh-CN" altLang="en-US" sz="1200" dirty="0">
+                        <a:latin typeface="Arial Unicode MS" pitchFamily="34" charset="-122"/>
+                        <a:ea typeface="Arial Unicode MS" pitchFamily="34" charset="-122"/>
+                        <a:cs typeface="Arial Unicode MS" pitchFamily="34" charset="-122"/>
+                      </a:endParaRPr>
+                    </a:p>
+                  </a:txBody>
+                  <a:tcPr/>
+                </a:tc>
+              </a:tr>
+              <a:tr h="272518">
+                <a:tc>
+                  <a:txBody>
+                    <a:bodyPr/>
+                    <a:lstStyle/>
+                    <a:p>
+                      <a:r>
+                        <a:rPr lang="en-US" altLang="zh-CN" sz="1200" dirty="0" smtClean="0">
+                          <a:latin typeface="Arial Unicode MS" pitchFamily="34" charset="-122"/>
+                          <a:ea typeface="Arial Unicode MS" pitchFamily="34" charset="-122"/>
+                          <a:cs typeface="Arial Unicode MS" pitchFamily="34" charset="-122"/>
+                        </a:rPr>
+                        <a:t>Lot</a:t>
+                      </a:r>
+                      <a:endParaRPr lang="zh-CN" altLang="en-US" sz="1200" dirty="0">
+                        <a:latin typeface="Arial Unicode MS" pitchFamily="34" charset="-122"/>
+                        <a:ea typeface="Arial Unicode MS" pitchFamily="34" charset="-122"/>
+                        <a:cs typeface="Arial Unicode MS" pitchFamily="34" charset="-122"/>
+                      </a:endParaRPr>
+                    </a:p>
+                  </a:txBody>
+                  <a:tcPr/>
+                </a:tc>
+                <a:tc>
+                  <a:txBody>
+                    <a:bodyPr/>
+                    <a:lstStyle/>
+                    <a:p>
+                      <a:r>
+                        <a:rPr lang="en-US" altLang="zh-CN" sz="1200" dirty="0" smtClean="0">
+                          <a:latin typeface="Arial Unicode MS" pitchFamily="34" charset="-122"/>
+                          <a:ea typeface="Arial Unicode MS" pitchFamily="34" charset="-122"/>
+                          <a:cs typeface="Arial Unicode MS" pitchFamily="34" charset="-122"/>
+                        </a:rPr>
+                        <a:t>Null</a:t>
+                      </a:r>
+                      <a:endParaRPr lang="zh-CN" altLang="en-US" sz="1200" dirty="0">
+                        <a:latin typeface="Arial Unicode MS" pitchFamily="34" charset="-122"/>
+                        <a:ea typeface="Arial Unicode MS" pitchFamily="34" charset="-122"/>
+                        <a:cs typeface="Arial Unicode MS" pitchFamily="34" charset="-122"/>
+                      </a:endParaRPr>
+                    </a:p>
+                  </a:txBody>
+                  <a:tcPr/>
+                </a:tc>
+                <a:tc>
+                  <a:txBody>
+                    <a:bodyPr/>
+                    <a:lstStyle/>
+                    <a:p>
+                      <a:r>
+                        <a:rPr lang="en-US" altLang="zh-CN" sz="1200" dirty="0" smtClean="0">
+                          <a:latin typeface="Arial Unicode MS" pitchFamily="34" charset="-122"/>
+                          <a:ea typeface="Arial Unicode MS" pitchFamily="34" charset="-122"/>
+                          <a:cs typeface="Arial Unicode MS" pitchFamily="34" charset="-122"/>
+                        </a:rPr>
+                        <a:t>Null</a:t>
+                      </a:r>
+                      <a:endParaRPr lang="zh-CN" altLang="en-US" sz="1200" dirty="0">
+                        <a:latin typeface="Arial Unicode MS" pitchFamily="34" charset="-122"/>
+                        <a:ea typeface="Arial Unicode MS" pitchFamily="34" charset="-122"/>
+                        <a:cs typeface="Arial Unicode MS" pitchFamily="34" charset="-122"/>
+                      </a:endParaRPr>
+                    </a:p>
+                  </a:txBody>
+                  <a:tcPr/>
+                </a:tc>
+                <a:tc>
+                  <a:txBody>
+                    <a:bodyPr/>
+                    <a:lstStyle/>
+                    <a:p>
+                      <a:r>
+                        <a:rPr lang="en-US" altLang="zh-CN" sz="1200" dirty="0" smtClean="0">
+                          <a:latin typeface="Arial Unicode MS" pitchFamily="34" charset="-122"/>
+                          <a:ea typeface="Arial Unicode MS" pitchFamily="34" charset="-122"/>
+                          <a:cs typeface="Arial Unicode MS" pitchFamily="34" charset="-122"/>
+                        </a:rPr>
+                        <a:t>Null</a:t>
+                      </a:r>
+                      <a:endParaRPr lang="zh-CN" altLang="en-US" sz="1200" dirty="0">
+                        <a:latin typeface="Arial Unicode MS" pitchFamily="34" charset="-122"/>
+                        <a:ea typeface="Arial Unicode MS" pitchFamily="34" charset="-122"/>
+                        <a:cs typeface="Arial Unicode MS" pitchFamily="34" charset="-122"/>
+                      </a:endParaRPr>
+                    </a:p>
+                  </a:txBody>
+                  <a:tcPr/>
+                </a:tc>
+              </a:tr>
+              <a:tr h="272518">
+                <a:tc>
+                  <a:txBody>
+                    <a:bodyPr/>
+                    <a:lstStyle/>
+                    <a:p>
+                      <a:r>
+                        <a:rPr lang="en-US" altLang="zh-CN" sz="1200" dirty="0" smtClean="0">
+                          <a:latin typeface="Arial Unicode MS" pitchFamily="34" charset="-122"/>
+                          <a:ea typeface="Arial Unicode MS" pitchFamily="34" charset="-122"/>
+                          <a:cs typeface="Arial Unicode MS" pitchFamily="34" charset="-122"/>
+                        </a:rPr>
+                        <a:t>Reading1</a:t>
+                      </a:r>
+                      <a:endParaRPr lang="zh-CN" altLang="en-US" sz="1200" dirty="0">
+                        <a:latin typeface="Arial Unicode MS" pitchFamily="34" charset="-122"/>
+                        <a:ea typeface="Arial Unicode MS" pitchFamily="34" charset="-122"/>
+                        <a:cs typeface="Arial Unicode MS" pitchFamily="34" charset="-122"/>
+                      </a:endParaRPr>
+                    </a:p>
+                  </a:txBody>
+                  <a:tcPr/>
+                </a:tc>
+                <a:tc>
+                  <a:txBody>
+                    <a:bodyPr/>
+                    <a:lstStyle/>
+                    <a:p>
+                      <a:r>
+                        <a:rPr lang="en-US" altLang="zh-CN" sz="1200" dirty="0" smtClean="0">
+                          <a:latin typeface="Arial Unicode MS" pitchFamily="34" charset="-122"/>
+                          <a:ea typeface="Arial Unicode MS" pitchFamily="34" charset="-122"/>
+                          <a:cs typeface="Arial Unicode MS" pitchFamily="34" charset="-122"/>
+                        </a:rPr>
+                        <a:t>2.00</a:t>
+                      </a:r>
+                      <a:endParaRPr lang="zh-CN" altLang="en-US" sz="1200" dirty="0">
+                        <a:latin typeface="Arial Unicode MS" pitchFamily="34" charset="-122"/>
+                        <a:ea typeface="Arial Unicode MS" pitchFamily="34" charset="-122"/>
+                        <a:cs typeface="Arial Unicode MS" pitchFamily="34" charset="-122"/>
+                      </a:endParaRPr>
+                    </a:p>
+                  </a:txBody>
+                  <a:tcPr/>
+                </a:tc>
+                <a:tc>
+                  <a:txBody>
+                    <a:bodyPr/>
+                    <a:lstStyle/>
+                    <a:p>
+                      <a:r>
+                        <a:rPr lang="en-US" altLang="zh-CN" sz="1200" dirty="0" smtClean="0">
+                          <a:latin typeface="Arial Unicode MS" pitchFamily="34" charset="-122"/>
+                          <a:ea typeface="Arial Unicode MS" pitchFamily="34" charset="-122"/>
+                          <a:cs typeface="Arial Unicode MS" pitchFamily="34" charset="-122"/>
+                        </a:rPr>
+                        <a:t>15.00</a:t>
+                      </a:r>
+                      <a:endParaRPr lang="zh-CN" altLang="en-US" sz="1200" dirty="0">
+                        <a:latin typeface="Arial Unicode MS" pitchFamily="34" charset="-122"/>
+                        <a:ea typeface="Arial Unicode MS" pitchFamily="34" charset="-122"/>
+                        <a:cs typeface="Arial Unicode MS" pitchFamily="34" charset="-122"/>
+                      </a:endParaRPr>
+                    </a:p>
+                  </a:txBody>
+                  <a:tcPr/>
+                </a:tc>
+                <a:tc>
+                  <a:txBody>
+                    <a:bodyPr/>
+                    <a:lstStyle/>
+                    <a:p>
+                      <a:r>
+                        <a:rPr lang="en-US" altLang="zh-CN" sz="1200" dirty="0" smtClean="0">
+                          <a:latin typeface="Arial Unicode MS" pitchFamily="34" charset="-122"/>
+                          <a:ea typeface="Arial Unicode MS" pitchFamily="34" charset="-122"/>
+                          <a:cs typeface="Arial Unicode MS" pitchFamily="34" charset="-122"/>
+                        </a:rPr>
+                        <a:t>dB</a:t>
+                      </a:r>
+                      <a:endParaRPr lang="zh-CN" altLang="en-US" sz="1200" dirty="0">
+                        <a:latin typeface="Arial Unicode MS" pitchFamily="34" charset="-122"/>
+                        <a:ea typeface="Arial Unicode MS" pitchFamily="34" charset="-122"/>
+                        <a:cs typeface="Arial Unicode MS" pitchFamily="34" charset="-122"/>
+                      </a:endParaRPr>
+                    </a:p>
+                  </a:txBody>
+                  <a:tcPr/>
+                </a:tc>
+              </a:tr>
+            </a:tbl>
+          </a:graphicData>
+        </a:graphic>
+      </p:graphicFrame>
+      <p:sp>
+        <p:nvSpPr>
+          <p:cNvPr id="16" name="TextBox 15"/>
+          <p:cNvSpPr txBox="1"/>
+          <p:nvPr/>
+        </p:nvSpPr>
+        <p:spPr>
+          <a:xfrm>
+            <a:off x="714348" y="3181649"/>
+            <a:ext cx="989373" cy="461665"/>
+          </a:xfrm>
+          <a:prstGeom prst="rect">
+            <a:avLst/>
+          </a:prstGeom>
+          <a:noFill/>
+        </p:spPr>
+        <p:txBody>
+          <a:bodyPr wrap="none" rtlCol="0">
+            <a:spAutoFit/>
+          </a:bodyPr>
+          <a:lstStyle/>
+          <a:p>
+            <a:r>
+              <a:rPr lang="en-US" altLang="zh-CN" sz="1200" dirty="0" err="1" smtClean="0"/>
+              <a:t>TableName</a:t>
+            </a:r>
+            <a:r>
+              <a:rPr lang="en-US" altLang="zh-CN" sz="1200" dirty="0" smtClean="0"/>
+              <a:t>:</a:t>
+            </a:r>
+          </a:p>
+          <a:p>
+            <a:r>
+              <a:rPr lang="en-US" altLang="zh-CN" sz="1200" b="1" dirty="0" err="1" smtClean="0"/>
+              <a:t>NorthWind</a:t>
+            </a:r>
+            <a:endParaRPr lang="zh-CN" altLang="en-US" sz="1200" b="1" dirty="0"/>
+          </a:p>
+        </p:txBody>
+      </p:sp>
+      <p:sp>
+        <p:nvSpPr>
+          <p:cNvPr id="17" name="TextBox 16"/>
+          <p:cNvSpPr txBox="1"/>
+          <p:nvPr/>
+        </p:nvSpPr>
+        <p:spPr>
+          <a:xfrm>
+            <a:off x="229570" y="4958694"/>
+            <a:ext cx="1342034" cy="461665"/>
+          </a:xfrm>
+          <a:prstGeom prst="rect">
+            <a:avLst/>
+          </a:prstGeom>
+          <a:noFill/>
+        </p:spPr>
+        <p:txBody>
+          <a:bodyPr wrap="none" rtlCol="0">
+            <a:spAutoFit/>
+          </a:bodyPr>
+          <a:lstStyle/>
+          <a:p>
+            <a:r>
+              <a:rPr lang="en-US" altLang="zh-CN" sz="1200" dirty="0" err="1" smtClean="0"/>
+              <a:t>TableName</a:t>
+            </a:r>
+            <a:r>
+              <a:rPr lang="en-US" altLang="zh-CN" sz="1200" dirty="0" smtClean="0"/>
+              <a:t>:</a:t>
+            </a:r>
+          </a:p>
+          <a:p>
+            <a:r>
+              <a:rPr lang="en-US" altLang="zh-CN" sz="1200" b="1" dirty="0" err="1" smtClean="0"/>
+              <a:t>NorthWind_SPEC</a:t>
+            </a:r>
+            <a:endParaRPr lang="zh-CN" altLang="en-US" sz="1200" b="1" dirty="0"/>
+          </a:p>
+        </p:txBody>
+      </p:sp>
+      <p:sp>
+        <p:nvSpPr>
+          <p:cNvPr id="19" name="左右箭头 18"/>
+          <p:cNvSpPr/>
+          <p:nvPr/>
+        </p:nvSpPr>
+        <p:spPr>
+          <a:xfrm>
+            <a:off x="4429124" y="5072074"/>
+            <a:ext cx="1071570" cy="357190"/>
+          </a:xfrm>
+          <a:prstGeom prst="leftRightArrow">
+            <a:avLst/>
+          </a:prstGeom>
+        </p:spPr>
+        <p:style>
+          <a:lnRef idx="2">
+            <a:schemeClr val="accent1">
+              <a:shade val="50000"/>
+            </a:schemeClr>
+          </a:lnRef>
+          <a:fillRef idx="1">
+            <a:schemeClr val="accent1"/>
+          </a:fillRef>
+          <a:effectRef idx="0">
+            <a:schemeClr val="accent1"/>
+          </a:effectRef>
+          <a:fontRef idx="minor">
+            <a:schemeClr val="lt1"/>
+          </a:fontRef>
+        </p:style>
+        <p:txBody>
+          <a:bodyPr rtlCol="0" anchor="ctr"/>
+          <a:lstStyle/>
+          <a:p>
+            <a:pPr algn="ctr"/>
+            <a:endParaRPr lang="zh-CN" altLang="en-US"/>
+          </a:p>
+        </p:txBody>
+      </p:sp>
+      <p:cxnSp>
+        <p:nvCxnSpPr>
+          <p:cNvPr id="21" name="直接箭头连接符 20"/>
+          <p:cNvCxnSpPr/>
+          <p:nvPr/>
+        </p:nvCxnSpPr>
+        <p:spPr>
+          <a:xfrm>
+            <a:off x="4000496" y="3714752"/>
+            <a:ext cx="1785950" cy="428628"/>
+          </a:xfrm>
+          <a:prstGeom prst="straightConnector1">
+            <a:avLst/>
+          </a:prstGeom>
+          <a:ln>
+            <a:prstDash val="dash"/>
+            <a:tailEnd type="arrow"/>
+          </a:ln>
+        </p:spPr>
+        <p:style>
+          <a:lnRef idx="1">
+            <a:schemeClr val="accent1"/>
+          </a:lnRef>
+          <a:fillRef idx="0">
+            <a:schemeClr val="accent1"/>
+          </a:fillRef>
+          <a:effectRef idx="0">
+            <a:schemeClr val="accent1"/>
+          </a:effectRef>
+          <a:fontRef idx="minor">
+            <a:schemeClr val="tx1"/>
+          </a:fontRef>
+        </p:style>
+      </p:cxnSp>
+      <p:sp>
+        <p:nvSpPr>
+          <p:cNvPr id="22" name="TextBox 21"/>
+          <p:cNvSpPr txBox="1"/>
+          <p:nvPr/>
+        </p:nvSpPr>
+        <p:spPr>
+          <a:xfrm rot="761873">
+            <a:off x="4523102" y="3639524"/>
+            <a:ext cx="646331" cy="276999"/>
+          </a:xfrm>
+          <a:prstGeom prst="rect">
+            <a:avLst/>
+          </a:prstGeom>
+          <a:noFill/>
+        </p:spPr>
+        <p:txBody>
+          <a:bodyPr wrap="none" rtlCol="0">
+            <a:spAutoFit/>
+          </a:bodyPr>
+          <a:lstStyle/>
+          <a:p>
+            <a:r>
+              <a:rPr lang="zh-CN" altLang="en-US" sz="1200" dirty="0" smtClean="0"/>
+              <a:t>异常点</a:t>
+            </a:r>
+            <a:endParaRPr lang="zh-CN" altLang="en-US" sz="1200" dirty="0"/>
+          </a:p>
+        </p:txBody>
+      </p:sp>
+      <p:sp>
+        <p:nvSpPr>
+          <p:cNvPr id="23" name="右大括号 22"/>
+          <p:cNvSpPr/>
+          <p:nvPr/>
+        </p:nvSpPr>
+        <p:spPr>
+          <a:xfrm>
+            <a:off x="4059488" y="4729632"/>
+            <a:ext cx="399132" cy="1000132"/>
+          </a:xfrm>
+          <a:prstGeom prst="rightBrace">
+            <a:avLst/>
+          </a:prstGeom>
+        </p:spPr>
+        <p:style>
+          <a:lnRef idx="1">
+            <a:schemeClr val="accent1"/>
+          </a:lnRef>
+          <a:fillRef idx="0">
+            <a:schemeClr val="accent1"/>
+          </a:fillRef>
+          <a:effectRef idx="0">
+            <a:schemeClr val="accent1"/>
+          </a:effectRef>
+          <a:fontRef idx="minor">
+            <a:schemeClr val="tx1"/>
+          </a:fontRef>
+        </p:style>
+        <p:txBody>
+          <a:bodyPr rtlCol="0" anchor="ctr"/>
+          <a:lstStyle/>
+          <a:p>
+            <a:pPr algn="ctr"/>
+            <a:endParaRPr lang="zh-CN" altLang="en-US"/>
+          </a:p>
+        </p:txBody>
+      </p:sp>
+      <p:sp>
+        <p:nvSpPr>
+          <p:cNvPr id="25" name="TextBox 24"/>
+          <p:cNvSpPr txBox="1"/>
+          <p:nvPr/>
+        </p:nvSpPr>
+        <p:spPr>
+          <a:xfrm>
+            <a:off x="6215074" y="2786058"/>
+            <a:ext cx="2032929" cy="369332"/>
+          </a:xfrm>
+          <a:prstGeom prst="rect">
+            <a:avLst/>
+          </a:prstGeom>
+          <a:noFill/>
+        </p:spPr>
+        <p:txBody>
+          <a:bodyPr wrap="none" rtlCol="0">
+            <a:spAutoFit/>
+          </a:bodyPr>
+          <a:lstStyle/>
+          <a:p>
+            <a:r>
+              <a:rPr lang="en-US" altLang="zh-CN" dirty="0" smtClean="0"/>
+              <a:t>Scatter plot</a:t>
+            </a:r>
+            <a:r>
+              <a:rPr lang="zh-CN" altLang="en-US" dirty="0" smtClean="0"/>
+              <a:t>统计图</a:t>
+            </a:r>
+            <a:endParaRPr lang="zh-CN" altLang="en-US" dirty="0"/>
+          </a:p>
+        </p:txBody>
+      </p:sp>
+    </p:spTree>
+  </p:cSld>
+  <p:clrMapOvr>
+    <a:masterClrMapping/>
+  </p:clrMapOvr>
+  <p:timing>
+    <p:tnLst>
+      <p:par>
+        <p:cTn id="1" dur="indefinite" restart="never" nodeType="tmRoot"/>
+      </p:par>
+    </p:tnLst>
+  </p:timing>
+</p:sld>
+</file>
+
+<file path=ppt/slides/slide5.xml><?xml version="1.0" encoding="utf-8"?>
+<p:sld xmlns:a="http://schemas.openxmlformats.org/drawingml/2006/main" xmlns:r="http://schemas.openxmlformats.org/officeDocument/2006/relationships" xmlns:p="http://schemas.openxmlformats.org/presentationml/2006/main">
+  <p:cSld>
+    <p:spTree>
+      <p:nvGrpSpPr>
+        <p:cNvPr id="1" name=""/>
+        <p:cNvGrpSpPr/>
+        <p:nvPr/>
+      </p:nvGrpSpPr>
+      <p:grpSpPr>
+        <a:xfrm>
+          <a:off x="0" y="0"/>
+          <a:ext cx="0" cy="0"/>
+          <a:chOff x="0" y="0"/>
+          <a:chExt cx="0" cy="0"/>
+        </a:xfrm>
+      </p:grpSpPr>
+      <p:sp>
+        <p:nvSpPr>
+          <p:cNvPr id="2" name="标题 1"/>
+          <p:cNvSpPr>
+            <a:spLocks noGrp="1"/>
+          </p:cNvSpPr>
+          <p:nvPr>
+            <p:ph type="title"/>
+          </p:nvPr>
+        </p:nvSpPr>
+        <p:spPr/>
+        <p:txBody>
+          <a:bodyPr/>
+          <a:lstStyle/>
+          <a:p>
+            <a:pPr algn="l"/>
+            <a:r>
+              <a:rPr lang="en-US" altLang="zh-CN" dirty="0" smtClean="0"/>
+              <a:t>NDF</a:t>
+            </a:r>
+            <a:r>
+              <a:rPr lang="zh-CN" altLang="en-US" dirty="0" smtClean="0"/>
+              <a:t>结构于定义</a:t>
+            </a:r>
+            <a:endParaRPr lang="zh-CN" altLang="en-US" dirty="0"/>
+          </a:p>
+        </p:txBody>
+      </p:sp>
+      <p:sp>
+        <p:nvSpPr>
+          <p:cNvPr id="3" name="内容占位符 2"/>
+          <p:cNvSpPr>
+            <a:spLocks noGrp="1"/>
+          </p:cNvSpPr>
+          <p:nvPr>
+            <p:ph sz="quarter" idx="1"/>
+          </p:nvPr>
+        </p:nvSpPr>
+        <p:spPr/>
+        <p:txBody>
+          <a:bodyPr>
+            <a:normAutofit/>
+          </a:bodyPr>
+          <a:lstStyle/>
+          <a:p>
+            <a:r>
+              <a:rPr lang="en-US" altLang="zh-CN" sz="1800" dirty="0" smtClean="0"/>
+              <a:t>NDF</a:t>
+            </a:r>
+            <a:r>
+              <a:rPr lang="zh-CN" altLang="en-US" sz="1800" dirty="0" smtClean="0"/>
+              <a:t>中定义都是以</a:t>
+            </a:r>
+            <a:r>
+              <a:rPr lang="en-US" altLang="zh-CN" sz="1800" dirty="0" smtClean="0"/>
+              <a:t>”&lt;&gt;:“</a:t>
+            </a:r>
+            <a:r>
+              <a:rPr lang="zh-CN" altLang="en-US" sz="1800" dirty="0" smtClean="0"/>
+              <a:t>尖括号对的形式开始的，冒号后面的内容可以根据实际情况填写。</a:t>
+            </a:r>
+            <a:endParaRPr lang="en-US" altLang="zh-CN" sz="1800" dirty="0" smtClean="0"/>
+          </a:p>
+          <a:p>
+            <a:r>
+              <a:rPr lang="zh-CN" altLang="en-US" sz="1800" dirty="0" smtClean="0"/>
+              <a:t>开头两行必须是</a:t>
+            </a:r>
+            <a:r>
+              <a:rPr lang="en-US" altLang="zh-CN" sz="1800" dirty="0" smtClean="0"/>
+              <a:t>”&lt;&lt;NDF&gt;&gt;</a:t>
+            </a:r>
+            <a:r>
+              <a:rPr lang="zh-CN" altLang="en-US" sz="1800" dirty="0" smtClean="0"/>
+              <a:t>：</a:t>
+            </a:r>
+            <a:r>
+              <a:rPr lang="en-US" altLang="zh-CN" sz="1800" dirty="0" smtClean="0"/>
+              <a:t>”</a:t>
+            </a:r>
+            <a:r>
+              <a:rPr lang="zh-CN" altLang="en-US" sz="1800" dirty="0" smtClean="0"/>
+              <a:t>和</a:t>
+            </a:r>
+            <a:r>
+              <a:rPr lang="en-US" altLang="zh-CN" sz="1800" dirty="0" smtClean="0"/>
+              <a:t>”&lt;&lt;DESC&gt;&gt;:”</a:t>
+            </a:r>
+            <a:r>
+              <a:rPr lang="zh-CN" altLang="en-US" sz="1800" dirty="0" smtClean="0"/>
+              <a:t>开始，告诉解析器这个是</a:t>
+            </a:r>
+            <a:r>
+              <a:rPr lang="en-US" altLang="zh-CN" sz="1800" dirty="0" smtClean="0"/>
+              <a:t>NDF</a:t>
+            </a:r>
+            <a:r>
+              <a:rPr lang="zh-CN" altLang="en-US" sz="1800" dirty="0" smtClean="0"/>
+              <a:t>格式的数据文件。</a:t>
+            </a:r>
+            <a:endParaRPr lang="en-US" altLang="zh-CN" sz="1800" dirty="0" smtClean="0"/>
+          </a:p>
+          <a:p>
+            <a:r>
+              <a:rPr lang="en-US" altLang="zh-CN" sz="1800" dirty="0" err="1" smtClean="0"/>
+              <a:t>DataTable</a:t>
+            </a:r>
+            <a:r>
+              <a:rPr lang="zh-CN" altLang="en-US" sz="1800" dirty="0" smtClean="0"/>
+              <a:t>的定义以</a:t>
+            </a:r>
+            <a:r>
+              <a:rPr lang="en-US" altLang="zh-CN" sz="1800" dirty="0" smtClean="0"/>
+              <a:t>”&lt;[ ]&gt;</a:t>
+            </a:r>
+            <a:r>
+              <a:rPr lang="en-US" altLang="zh-CN" sz="1800" dirty="0" smtClean="0"/>
+              <a:t>:</a:t>
+            </a:r>
+            <a:r>
+              <a:rPr lang="en-US" altLang="zh-CN" sz="1800" dirty="0" smtClean="0"/>
+              <a:t>”</a:t>
+            </a:r>
+            <a:r>
+              <a:rPr lang="zh-CN" altLang="en-US" sz="1800" dirty="0" smtClean="0"/>
+              <a:t>开始，</a:t>
+            </a:r>
+            <a:r>
+              <a:rPr lang="en-US" altLang="zh-CN" sz="1800" dirty="0" smtClean="0"/>
+              <a:t>[ ]</a:t>
+            </a:r>
+            <a:r>
+              <a:rPr lang="zh-CN" altLang="en-US" sz="1800" dirty="0" smtClean="0"/>
+              <a:t>内可以放置使用</a:t>
+            </a:r>
+            <a:r>
+              <a:rPr lang="en-US" altLang="zh-CN" sz="1800" dirty="0" smtClean="0"/>
+              <a:t>NDF</a:t>
+            </a:r>
+            <a:r>
+              <a:rPr lang="zh-CN" altLang="en-US" sz="1800" dirty="0" smtClean="0"/>
+              <a:t>的程序内部特定的类型，用于指定当前</a:t>
+            </a:r>
+            <a:r>
+              <a:rPr lang="en-US" altLang="zh-CN" sz="1800" dirty="0" smtClean="0"/>
+              <a:t>Table</a:t>
+            </a:r>
+            <a:r>
+              <a:rPr lang="zh-CN" altLang="en-US" sz="1800" dirty="0" smtClean="0"/>
+              <a:t>在程序内部的用途，冒号后面是</a:t>
+            </a:r>
+            <a:r>
+              <a:rPr lang="en-US" altLang="zh-CN" sz="1800" dirty="0" smtClean="0"/>
+              <a:t>Table</a:t>
+            </a:r>
+            <a:r>
+              <a:rPr lang="zh-CN" altLang="en-US" sz="1800" dirty="0" smtClean="0"/>
+              <a:t>的名称。</a:t>
+            </a:r>
+            <a:endParaRPr lang="en-US" altLang="zh-CN" sz="1800" dirty="0" smtClean="0"/>
+          </a:p>
+          <a:p>
+            <a:r>
+              <a:rPr lang="zh-CN" altLang="en-US" sz="1800" dirty="0" smtClean="0"/>
+              <a:t>随后</a:t>
+            </a:r>
+            <a:r>
+              <a:rPr lang="zh-CN" altLang="en-US" sz="1800" dirty="0" smtClean="0"/>
+              <a:t>需要指定</a:t>
+            </a:r>
+            <a:r>
+              <a:rPr lang="en-US" altLang="zh-CN" sz="1800" dirty="0" err="1" smtClean="0"/>
+              <a:t>Datatable</a:t>
+            </a:r>
+            <a:r>
+              <a:rPr lang="zh-CN" altLang="en-US" sz="1800" dirty="0" smtClean="0"/>
+              <a:t>的列定义和列的类型指定。</a:t>
+            </a:r>
+            <a:r>
+              <a:rPr lang="en-US" altLang="zh-CN" sz="1800" dirty="0" smtClean="0"/>
+              <a:t>”&lt;Para&gt;:”</a:t>
+            </a:r>
+            <a:r>
+              <a:rPr lang="zh-CN" altLang="en-US" sz="1800" dirty="0" smtClean="0"/>
+              <a:t>用于指定</a:t>
+            </a:r>
+            <a:r>
+              <a:rPr lang="en-US" altLang="zh-CN" sz="1800" dirty="0" smtClean="0"/>
+              <a:t>table</a:t>
+            </a:r>
+            <a:r>
+              <a:rPr lang="zh-CN" altLang="en-US" sz="1800" dirty="0" smtClean="0"/>
+              <a:t>的所有列名，用逗号隔开。</a:t>
+            </a:r>
+            <a:r>
+              <a:rPr lang="en-US" altLang="zh-CN" sz="1800" dirty="0" smtClean="0"/>
+              <a:t>”&lt;Type&gt;:” </a:t>
+            </a:r>
+            <a:r>
+              <a:rPr lang="zh-CN" altLang="en-US" sz="1800" dirty="0" smtClean="0"/>
+              <a:t>用于指定</a:t>
+            </a:r>
+            <a:r>
+              <a:rPr lang="en-US" altLang="zh-CN" sz="1800" dirty="0" smtClean="0"/>
+              <a:t>table</a:t>
+            </a:r>
+            <a:r>
+              <a:rPr lang="zh-CN" altLang="en-US" sz="1800" dirty="0" smtClean="0"/>
+              <a:t>的所有列的类型，用逗号隔开，数目需要和列名一致，类型是</a:t>
+            </a:r>
+            <a:r>
+              <a:rPr lang="en-US" altLang="zh-CN" sz="1800" dirty="0" smtClean="0"/>
+              <a:t>C#</a:t>
+            </a:r>
+            <a:r>
+              <a:rPr lang="zh-CN" altLang="en-US" sz="1800" dirty="0" smtClean="0"/>
+              <a:t>中的具体类型。这两行定义用于</a:t>
+            </a:r>
+            <a:r>
+              <a:rPr lang="en-US" altLang="zh-CN" sz="1800" dirty="0" smtClean="0"/>
+              <a:t>C#</a:t>
+            </a:r>
+            <a:r>
+              <a:rPr lang="zh-CN" altLang="en-US" sz="1800" dirty="0" smtClean="0"/>
+              <a:t>程序在加载</a:t>
+            </a:r>
+            <a:r>
+              <a:rPr lang="en-US" altLang="zh-CN" sz="1800" dirty="0" smtClean="0"/>
+              <a:t>NDF</a:t>
+            </a:r>
+            <a:r>
+              <a:rPr lang="zh-CN" altLang="en-US" sz="1800" dirty="0" smtClean="0"/>
+              <a:t>的时候定义</a:t>
+            </a:r>
+            <a:r>
+              <a:rPr lang="en-US" altLang="zh-CN" sz="1800" dirty="0" err="1" smtClean="0"/>
+              <a:t>Datatable</a:t>
+            </a:r>
+            <a:r>
+              <a:rPr lang="zh-CN" altLang="en-US" sz="1800" dirty="0" smtClean="0"/>
+              <a:t>的结构。</a:t>
+            </a:r>
+            <a:endParaRPr lang="en-US" altLang="zh-CN" sz="1800" dirty="0" smtClean="0"/>
+          </a:p>
+          <a:p>
+            <a:r>
+              <a:rPr lang="zh-CN" altLang="en-US" sz="1800" dirty="0" smtClean="0"/>
+              <a:t>数据行就直接是</a:t>
+            </a:r>
+            <a:r>
+              <a:rPr lang="en-US" altLang="zh-CN" sz="1800" dirty="0" err="1" smtClean="0"/>
+              <a:t>csv</a:t>
+            </a:r>
+            <a:r>
+              <a:rPr lang="zh-CN" altLang="en-US" sz="1800" dirty="0" smtClean="0"/>
+              <a:t>格式的数据，用逗号隔开。</a:t>
+            </a:r>
+            <a:endParaRPr lang="en-US" altLang="zh-CN" sz="1800" dirty="0" smtClean="0"/>
+          </a:p>
+          <a:p>
+            <a:pPr>
+              <a:buNone/>
+            </a:pPr>
+            <a:endParaRPr lang="en-US" altLang="zh-CN" sz="2400" dirty="0" smtClean="0"/>
+          </a:p>
+        </p:txBody>
+      </p:sp>
+      <p:sp>
+        <p:nvSpPr>
+          <p:cNvPr id="12" name="矩形 11"/>
+          <p:cNvSpPr/>
+          <p:nvPr/>
+        </p:nvSpPr>
+        <p:spPr>
+          <a:xfrm>
+            <a:off x="357158" y="5074050"/>
+            <a:ext cx="8286808" cy="1569660"/>
+          </a:xfrm>
+          <a:prstGeom prst="rect">
+            <a:avLst/>
+          </a:prstGeom>
+        </p:spPr>
+        <p:txBody>
+          <a:bodyPr wrap="square">
+            <a:spAutoFit/>
+          </a:bodyPr>
+          <a:lstStyle/>
+          <a:p>
+            <a:r>
+              <a:rPr lang="en-US" altLang="zh-CN" sz="1200" b="1" dirty="0" smtClean="0">
+                <a:solidFill>
+                  <a:srgbClr val="0070C0"/>
+                </a:solidFill>
+                <a:latin typeface="Arial Unicode MS" pitchFamily="34" charset="-122"/>
+                <a:ea typeface="Arial Unicode MS" pitchFamily="34" charset="-122"/>
+                <a:cs typeface="Arial Unicode MS" pitchFamily="34" charset="-122"/>
+              </a:rPr>
+              <a:t>&lt;&lt;NDF&gt;&gt;: </a:t>
+            </a:r>
+            <a:r>
+              <a:rPr lang="en-US" altLang="zh-CN" sz="1200" dirty="0" smtClean="0">
+                <a:latin typeface="Arial Unicode MS" pitchFamily="34" charset="-122"/>
+                <a:ea typeface="Arial Unicode MS" pitchFamily="34" charset="-122"/>
+                <a:cs typeface="Arial Unicode MS" pitchFamily="34" charset="-122"/>
+              </a:rPr>
+              <a:t>(Dot) Net Data Format 1.0 </a:t>
+            </a:r>
+          </a:p>
+          <a:p>
+            <a:r>
+              <a:rPr lang="en-US" altLang="zh-CN" sz="1200" b="1" dirty="0" smtClean="0">
+                <a:solidFill>
+                  <a:srgbClr val="0070C0"/>
+                </a:solidFill>
+                <a:latin typeface="Arial Unicode MS" pitchFamily="34" charset="-122"/>
+                <a:ea typeface="Arial Unicode MS" pitchFamily="34" charset="-122"/>
+                <a:cs typeface="Arial Unicode MS" pitchFamily="34" charset="-122"/>
+              </a:rPr>
+              <a:t>&lt;&lt;DESC&gt;&gt;:</a:t>
+            </a:r>
+            <a:r>
+              <a:rPr lang="en-US" altLang="zh-CN" sz="1200" dirty="0" smtClean="0">
+                <a:latin typeface="Arial Unicode MS" pitchFamily="34" charset="-122"/>
+                <a:ea typeface="Arial Unicode MS" pitchFamily="34" charset="-122"/>
+                <a:cs typeface="Arial Unicode MS" pitchFamily="34" charset="-122"/>
+              </a:rPr>
+              <a:t> Exported by </a:t>
+            </a:r>
+            <a:r>
+              <a:rPr lang="en-US" altLang="zh-CN" sz="1200" dirty="0" err="1" smtClean="0">
+                <a:latin typeface="Arial Unicode MS" pitchFamily="34" charset="-122"/>
+                <a:ea typeface="Arial Unicode MS" pitchFamily="34" charset="-122"/>
+                <a:cs typeface="Arial Unicode MS" pitchFamily="34" charset="-122"/>
+              </a:rPr>
+              <a:t>DataPower</a:t>
+            </a:r>
+            <a:endParaRPr lang="en-US" altLang="zh-CN" sz="1200" dirty="0" smtClean="0">
+              <a:latin typeface="Arial Unicode MS" pitchFamily="34" charset="-122"/>
+              <a:ea typeface="Arial Unicode MS" pitchFamily="34" charset="-122"/>
+              <a:cs typeface="Arial Unicode MS" pitchFamily="34" charset="-122"/>
+            </a:endParaRPr>
+          </a:p>
+          <a:p>
+            <a:r>
+              <a:rPr lang="en-US" altLang="zh-CN" sz="1200" b="1" dirty="0" smtClean="0">
+                <a:solidFill>
+                  <a:srgbClr val="00B050"/>
+                </a:solidFill>
+                <a:latin typeface="Arial Unicode MS" pitchFamily="34" charset="-122"/>
+                <a:ea typeface="Arial Unicode MS" pitchFamily="34" charset="-122"/>
+                <a:cs typeface="Arial Unicode MS" pitchFamily="34" charset="-122"/>
+              </a:rPr>
+              <a:t>&lt;[LOTINFO]&gt;:</a:t>
+            </a:r>
+          </a:p>
+          <a:p>
+            <a:r>
+              <a:rPr lang="en-US" altLang="zh-CN" sz="1200" b="1" dirty="0" smtClean="0">
+                <a:latin typeface="Arial Unicode MS" pitchFamily="34" charset="-122"/>
+                <a:ea typeface="Arial Unicode MS" pitchFamily="34" charset="-122"/>
+                <a:cs typeface="Arial Unicode MS" pitchFamily="34" charset="-122"/>
+              </a:rPr>
+              <a:t>&lt;Para&gt;:</a:t>
+            </a:r>
+            <a:r>
+              <a:rPr lang="en-US" altLang="zh-CN" sz="1200" dirty="0" smtClean="0">
+                <a:latin typeface="Arial Unicode MS" pitchFamily="34" charset="-122"/>
+                <a:ea typeface="Arial Unicode MS" pitchFamily="34" charset="-122"/>
+                <a:cs typeface="Arial Unicode MS" pitchFamily="34" charset="-122"/>
+              </a:rPr>
+              <a:t>ID,LID,LOT_ID,TESTMODE,JOBNAM,NOD_NAM</a:t>
+            </a:r>
+          </a:p>
+          <a:p>
+            <a:r>
+              <a:rPr lang="en-US" altLang="zh-CN" sz="1200" b="1" dirty="0" smtClean="0">
+                <a:latin typeface="Arial Unicode MS" pitchFamily="34" charset="-122"/>
+                <a:ea typeface="Arial Unicode MS" pitchFamily="34" charset="-122"/>
+                <a:cs typeface="Arial Unicode MS" pitchFamily="34" charset="-122"/>
+              </a:rPr>
+              <a:t>&lt;Type&gt;:</a:t>
+            </a:r>
+            <a:r>
+              <a:rPr lang="en-US" altLang="zh-CN" sz="1200" dirty="0" smtClean="0">
+                <a:latin typeface="Arial Unicode MS" pitchFamily="34" charset="-122"/>
+                <a:ea typeface="Arial Unicode MS" pitchFamily="34" charset="-122"/>
+                <a:cs typeface="Arial Unicode MS" pitchFamily="34" charset="-122"/>
+              </a:rPr>
+              <a:t>System.Int32,System.Int32,System.String,System.Char,System.String,System.String</a:t>
+            </a:r>
+          </a:p>
+          <a:p>
+            <a:r>
+              <a:rPr lang="en-US" altLang="zh-CN" sz="1200" dirty="0" smtClean="0">
+                <a:latin typeface="Arial Unicode MS" pitchFamily="34" charset="-122"/>
+                <a:ea typeface="Arial Unicode MS" pitchFamily="34" charset="-122"/>
+                <a:cs typeface="Arial Unicode MS" pitchFamily="34" charset="-122"/>
+              </a:rPr>
+              <a:t>1, 1, ZA83771.1, P, AD8586REG_V16, ETS87-01</a:t>
+            </a:r>
+          </a:p>
+          <a:p>
+            <a:r>
+              <a:rPr lang="en-US" altLang="zh-CN" sz="1200" dirty="0" smtClean="0">
+                <a:latin typeface="Arial Unicode MS" pitchFamily="34" charset="-122"/>
+                <a:ea typeface="Arial Unicode MS" pitchFamily="34" charset="-122"/>
+                <a:cs typeface="Arial Unicode MS" pitchFamily="34" charset="-122"/>
+              </a:rPr>
+              <a:t>2, 1, ZA87361.1, R, AD8586REG_V16, ETS73-02</a:t>
+            </a:r>
+          </a:p>
+          <a:p>
+            <a:r>
+              <a:rPr lang="en-US" altLang="zh-CN" sz="1200" dirty="0" smtClean="0">
+                <a:latin typeface="Arial Unicode MS" pitchFamily="34" charset="-122"/>
+                <a:ea typeface="Arial Unicode MS" pitchFamily="34" charset="-122"/>
+                <a:cs typeface="Arial Unicode MS" pitchFamily="34" charset="-122"/>
+              </a:rPr>
+              <a:t>3, 1, ZA98377.1, R, AD8586REG_V16, </a:t>
+            </a:r>
+            <a:r>
+              <a:rPr lang="en-US" altLang="zh-CN" sz="1200" dirty="0" smtClean="0">
+                <a:latin typeface="Arial Unicode MS" pitchFamily="34" charset="-122"/>
+                <a:ea typeface="Arial Unicode MS" pitchFamily="34" charset="-122"/>
+                <a:cs typeface="Arial Unicode MS" pitchFamily="34" charset="-122"/>
+              </a:rPr>
+              <a:t>ETS87-01</a:t>
+            </a:r>
+            <a:endParaRPr lang="en-US" altLang="zh-CN" sz="1200" dirty="0" smtClean="0">
+              <a:latin typeface="Arial Unicode MS" pitchFamily="34" charset="-122"/>
+              <a:ea typeface="Arial Unicode MS" pitchFamily="34" charset="-122"/>
+              <a:cs typeface="Arial Unicode MS" pitchFamily="34" charset="-122"/>
+            </a:endParaRPr>
+          </a:p>
+        </p:txBody>
+      </p:sp>
+    </p:spTree>
+  </p:cSld>
+  <p:clrMapOvr>
+    <a:masterClrMapping/>
+  </p:clrMapOvr>
+</p:sld>
+</file>
+
+<file path=ppt/slides/slide6.xml><?xml version="1.0" encoding="utf-8"?>
+<p:sld xmlns:a="http://schemas.openxmlformats.org/drawingml/2006/main" xmlns:r="http://schemas.openxmlformats.org/officeDocument/2006/relationships" xmlns:p="http://schemas.openxmlformats.org/presentationml/2006/main">
+  <p:cSld>
+    <p:spTree>
+      <p:nvGrpSpPr>
+        <p:cNvPr id="1" name=""/>
+        <p:cNvGrpSpPr/>
+        <p:nvPr/>
+      </p:nvGrpSpPr>
+      <p:grpSpPr>
+        <a:xfrm>
+          <a:off x="0" y="0"/>
+          <a:ext cx="0" cy="0"/>
+          <a:chOff x="0" y="0"/>
+          <a:chExt cx="0" cy="0"/>
+        </a:xfrm>
+      </p:grpSpPr>
+      <p:sp>
+        <p:nvSpPr>
+          <p:cNvPr id="2" name="标题 1"/>
+          <p:cNvSpPr>
+            <a:spLocks noGrp="1"/>
+          </p:cNvSpPr>
+          <p:nvPr>
+            <p:ph type="title"/>
+          </p:nvPr>
+        </p:nvSpPr>
+        <p:spPr/>
+        <p:txBody>
+          <a:bodyPr/>
+          <a:lstStyle/>
+          <a:p>
+            <a:pPr algn="l"/>
+            <a:r>
+              <a:rPr lang="en-US" altLang="zh-CN" dirty="0" smtClean="0"/>
+              <a:t>NDF</a:t>
+            </a:r>
+            <a:r>
+              <a:rPr lang="zh-CN" altLang="en-US" dirty="0" smtClean="0"/>
+              <a:t>中</a:t>
+            </a:r>
+            <a:r>
+              <a:rPr lang="en-US" altLang="zh-CN" dirty="0" smtClean="0"/>
+              <a:t>Spec</a:t>
+            </a:r>
+            <a:r>
+              <a:rPr lang="zh-CN" altLang="en-US" dirty="0" smtClean="0"/>
+              <a:t>信息的定义</a:t>
+            </a:r>
+            <a:endParaRPr lang="zh-CN" altLang="en-US" dirty="0"/>
+          </a:p>
+        </p:txBody>
+      </p:sp>
+      <p:sp>
+        <p:nvSpPr>
+          <p:cNvPr id="3" name="内容占位符 2"/>
+          <p:cNvSpPr>
+            <a:spLocks noGrp="1"/>
+          </p:cNvSpPr>
+          <p:nvPr>
+            <p:ph sz="quarter" idx="1"/>
+          </p:nvPr>
+        </p:nvSpPr>
+        <p:spPr/>
+        <p:txBody>
+          <a:bodyPr>
+            <a:normAutofit/>
+          </a:bodyPr>
+          <a:lstStyle/>
+          <a:p>
+            <a:r>
+              <a:rPr lang="zh-CN" altLang="en-US" sz="1800" dirty="0" smtClean="0"/>
+              <a:t>在</a:t>
+            </a:r>
+            <a:r>
+              <a:rPr lang="en-US" altLang="zh-CN" sz="1800" dirty="0" smtClean="0"/>
+              <a:t>NDF</a:t>
+            </a:r>
+            <a:r>
+              <a:rPr lang="zh-CN" altLang="en-US" sz="1800" dirty="0" smtClean="0"/>
+              <a:t>中定义</a:t>
+            </a:r>
+            <a:r>
+              <a:rPr lang="en-US" altLang="zh-CN" sz="1800" dirty="0" smtClean="0"/>
+              <a:t>Datable</a:t>
+            </a:r>
+            <a:r>
+              <a:rPr lang="zh-CN" altLang="en-US" sz="1800" dirty="0" smtClean="0"/>
+              <a:t>的时候，在</a:t>
+            </a:r>
+            <a:r>
+              <a:rPr lang="en-US" altLang="zh-CN" sz="1800" dirty="0" smtClean="0"/>
+              <a:t>”&lt;Type&gt;:”</a:t>
+            </a:r>
+            <a:r>
+              <a:rPr lang="zh-CN" altLang="en-US" sz="1800" dirty="0" smtClean="0"/>
+              <a:t>定义之后可以随即跟上</a:t>
+            </a:r>
+            <a:r>
+              <a:rPr lang="en-US" altLang="zh-CN" sz="1800" dirty="0" smtClean="0"/>
+              <a:t>Spec</a:t>
+            </a:r>
+            <a:r>
+              <a:rPr lang="zh-CN" altLang="en-US" sz="1800" dirty="0" smtClean="0"/>
+              <a:t>的定义。</a:t>
+            </a:r>
+            <a:endParaRPr lang="en-US" altLang="zh-CN" sz="1800" dirty="0" smtClean="0"/>
+          </a:p>
+          <a:p>
+            <a:r>
+              <a:rPr lang="en-US" altLang="zh-CN" sz="1800" dirty="0" smtClean="0"/>
+              <a:t>“&lt;Unit&gt;:” </a:t>
+            </a:r>
+            <a:r>
+              <a:rPr lang="zh-CN" altLang="en-US" sz="1800" dirty="0" smtClean="0"/>
+              <a:t>用于指定数据单位信息，用逗号隔开，数量需要与列的数量一致</a:t>
+            </a:r>
+            <a:endParaRPr lang="en-US" altLang="zh-CN" sz="1800" dirty="0" smtClean="0"/>
+          </a:p>
+          <a:p>
+            <a:r>
+              <a:rPr lang="en-US" altLang="zh-CN" sz="1800" dirty="0" smtClean="0"/>
+              <a:t>“&lt;USL&gt;:” </a:t>
+            </a:r>
+            <a:r>
+              <a:rPr lang="zh-CN" altLang="en-US" sz="1800" dirty="0" smtClean="0"/>
+              <a:t>和</a:t>
+            </a:r>
+            <a:r>
+              <a:rPr lang="en-US" altLang="zh-CN" sz="1800" dirty="0" smtClean="0"/>
+              <a:t>“&lt;LSL&gt;:”</a:t>
+            </a:r>
+            <a:r>
+              <a:rPr lang="zh-CN" altLang="en-US" sz="1800" dirty="0" smtClean="0"/>
+              <a:t>用于指定数据</a:t>
+            </a:r>
+            <a:r>
+              <a:rPr lang="zh-CN" altLang="en-US" sz="1800" dirty="0" smtClean="0"/>
+              <a:t>的</a:t>
+            </a:r>
+            <a:r>
+              <a:rPr lang="zh-CN" altLang="en-US" sz="1800" dirty="0" smtClean="0"/>
+              <a:t>上限和下限，</a:t>
+            </a:r>
+            <a:r>
+              <a:rPr lang="zh-CN" altLang="en-US" sz="1800" dirty="0" smtClean="0"/>
+              <a:t>数量需要与列的数量</a:t>
+            </a:r>
+            <a:r>
+              <a:rPr lang="zh-CN" altLang="en-US" sz="1800" dirty="0" smtClean="0"/>
+              <a:t>一致</a:t>
+            </a:r>
+            <a:endParaRPr lang="en-US" altLang="zh-CN" sz="1800" dirty="0" smtClean="0"/>
+          </a:p>
+        </p:txBody>
+      </p:sp>
+      <p:sp>
+        <p:nvSpPr>
+          <p:cNvPr id="12" name="矩形 11"/>
+          <p:cNvSpPr/>
+          <p:nvPr/>
+        </p:nvSpPr>
+        <p:spPr>
+          <a:xfrm>
+            <a:off x="571472" y="3429000"/>
+            <a:ext cx="8286808" cy="2677656"/>
+          </a:xfrm>
+          <a:prstGeom prst="rect">
+            <a:avLst/>
+          </a:prstGeom>
+        </p:spPr>
+        <p:txBody>
+          <a:bodyPr wrap="square">
+            <a:spAutoFit/>
+          </a:bodyPr>
+          <a:lstStyle/>
+          <a:p>
+            <a:r>
+              <a:rPr lang="en-US" altLang="zh-CN" sz="1200" b="1" dirty="0" smtClean="0">
+                <a:solidFill>
+                  <a:srgbClr val="0070C0"/>
+                </a:solidFill>
+                <a:latin typeface="Arial Unicode MS" pitchFamily="34" charset="-122"/>
+                <a:ea typeface="Arial Unicode MS" pitchFamily="34" charset="-122"/>
+                <a:cs typeface="Arial Unicode MS" pitchFamily="34" charset="-122"/>
+              </a:rPr>
+              <a:t>&lt;&lt;NDF&gt;&gt;: </a:t>
+            </a:r>
+            <a:r>
+              <a:rPr lang="en-US" altLang="zh-CN" sz="1200" dirty="0" smtClean="0">
+                <a:latin typeface="Arial Unicode MS" pitchFamily="34" charset="-122"/>
+                <a:ea typeface="Arial Unicode MS" pitchFamily="34" charset="-122"/>
+                <a:cs typeface="Arial Unicode MS" pitchFamily="34" charset="-122"/>
+              </a:rPr>
+              <a:t>(Dot) Net Data Format 1.0 </a:t>
+            </a:r>
+          </a:p>
+          <a:p>
+            <a:r>
+              <a:rPr lang="en-US" altLang="zh-CN" sz="1200" b="1" dirty="0" smtClean="0">
+                <a:solidFill>
+                  <a:srgbClr val="0070C0"/>
+                </a:solidFill>
+                <a:latin typeface="Arial Unicode MS" pitchFamily="34" charset="-122"/>
+                <a:ea typeface="Arial Unicode MS" pitchFamily="34" charset="-122"/>
+                <a:cs typeface="Arial Unicode MS" pitchFamily="34" charset="-122"/>
+              </a:rPr>
+              <a:t>&lt;&lt;DESC&gt;&gt;:</a:t>
+            </a:r>
+            <a:r>
+              <a:rPr lang="en-US" altLang="zh-CN" sz="1200" dirty="0" smtClean="0">
+                <a:latin typeface="Arial Unicode MS" pitchFamily="34" charset="-122"/>
+                <a:ea typeface="Arial Unicode MS" pitchFamily="34" charset="-122"/>
+                <a:cs typeface="Arial Unicode MS" pitchFamily="34" charset="-122"/>
+              </a:rPr>
+              <a:t> Exported by </a:t>
+            </a:r>
+            <a:r>
+              <a:rPr lang="en-US" altLang="zh-CN" sz="1200" dirty="0" err="1" smtClean="0">
+                <a:latin typeface="Arial Unicode MS" pitchFamily="34" charset="-122"/>
+                <a:ea typeface="Arial Unicode MS" pitchFamily="34" charset="-122"/>
+                <a:cs typeface="Arial Unicode MS" pitchFamily="34" charset="-122"/>
+              </a:rPr>
+              <a:t>DataPower</a:t>
+            </a:r>
+            <a:endParaRPr lang="en-US" altLang="zh-CN" sz="1200" dirty="0" smtClean="0">
+              <a:latin typeface="Arial Unicode MS" pitchFamily="34" charset="-122"/>
+              <a:ea typeface="Arial Unicode MS" pitchFamily="34" charset="-122"/>
+              <a:cs typeface="Arial Unicode MS" pitchFamily="34" charset="-122"/>
+            </a:endParaRPr>
+          </a:p>
+          <a:p>
+            <a:r>
+              <a:rPr lang="en-US" altLang="zh-CN" sz="1200" b="1" dirty="0" smtClean="0">
+                <a:solidFill>
+                  <a:srgbClr val="00B050"/>
+                </a:solidFill>
+                <a:latin typeface="Arial Unicode MS" pitchFamily="34" charset="-122"/>
+                <a:ea typeface="Arial Unicode MS" pitchFamily="34" charset="-122"/>
+                <a:cs typeface="Arial Unicode MS" pitchFamily="34" charset="-122"/>
+              </a:rPr>
+              <a:t>&lt;[</a:t>
+            </a:r>
+            <a:r>
+              <a:rPr lang="en-US" altLang="zh-CN" sz="1200" b="1" dirty="0" smtClean="0">
+                <a:solidFill>
+                  <a:srgbClr val="00B050"/>
+                </a:solidFill>
+                <a:latin typeface="Arial Unicode MS" pitchFamily="34" charset="-122"/>
+                <a:ea typeface="Arial Unicode MS" pitchFamily="34" charset="-122"/>
+                <a:cs typeface="Arial Unicode MS" pitchFamily="34" charset="-122"/>
+              </a:rPr>
+              <a:t>RAWDATA</a:t>
+            </a:r>
+            <a:r>
+              <a:rPr lang="en-US" altLang="zh-CN" sz="1200" b="1" dirty="0" smtClean="0">
+                <a:solidFill>
+                  <a:srgbClr val="00B050"/>
+                </a:solidFill>
+                <a:latin typeface="Arial Unicode MS" pitchFamily="34" charset="-122"/>
+                <a:ea typeface="Arial Unicode MS" pitchFamily="34" charset="-122"/>
+                <a:cs typeface="Arial Unicode MS" pitchFamily="34" charset="-122"/>
+              </a:rPr>
+              <a:t>]&gt;: </a:t>
+            </a:r>
+            <a:r>
+              <a:rPr lang="en-US" altLang="zh-CN" sz="1200" dirty="0" err="1" smtClean="0">
+                <a:latin typeface="Arial Unicode MS" pitchFamily="34" charset="-122"/>
+                <a:ea typeface="Arial Unicode MS" pitchFamily="34" charset="-122"/>
+                <a:cs typeface="Arial Unicode MS" pitchFamily="34" charset="-122"/>
+              </a:rPr>
+              <a:t>ProgramName_Revision</a:t>
+            </a:r>
+            <a:endParaRPr lang="en-US" altLang="zh-CN" sz="1200" dirty="0" smtClean="0">
+              <a:latin typeface="Arial Unicode MS" pitchFamily="34" charset="-122"/>
+              <a:ea typeface="Arial Unicode MS" pitchFamily="34" charset="-122"/>
+              <a:cs typeface="Arial Unicode MS" pitchFamily="34" charset="-122"/>
+            </a:endParaRPr>
+          </a:p>
+          <a:p>
+            <a:r>
+              <a:rPr lang="en-US" altLang="zh-CN" sz="1200" b="1" dirty="0" smtClean="0">
+                <a:latin typeface="Arial Unicode MS" pitchFamily="34" charset="-122"/>
+                <a:ea typeface="Arial Unicode MS" pitchFamily="34" charset="-122"/>
+                <a:cs typeface="Arial Unicode MS" pitchFamily="34" charset="-122"/>
+              </a:rPr>
+              <a:t>&lt;Para&gt;:</a:t>
+            </a:r>
+            <a:r>
+              <a:rPr lang="en-US" altLang="zh-CN" sz="1200" dirty="0" smtClean="0">
+                <a:latin typeface="Arial Unicode MS" pitchFamily="34" charset="-122"/>
+                <a:ea typeface="Arial Unicode MS" pitchFamily="34" charset="-122"/>
+                <a:cs typeface="Arial Unicode MS" pitchFamily="34" charset="-122"/>
+              </a:rPr>
+              <a:t>ID</a:t>
+            </a:r>
+            <a:r>
+              <a:rPr lang="en-US" altLang="zh-CN" sz="1200" dirty="0" smtClean="0">
+                <a:latin typeface="Arial Unicode MS" pitchFamily="34" charset="-122"/>
+                <a:ea typeface="Arial Unicode MS" pitchFamily="34" charset="-122"/>
+                <a:cs typeface="Arial Unicode MS" pitchFamily="34" charset="-122"/>
+              </a:rPr>
+              <a:t>, LID, LOT_ID, PART_ID, WAFER_ID, XCOOR, YCOOR, HBIN, SBIN, PF, TEST_T, PART_TXT, CHIP_TXT, [1001]OS_SCI, [1002]OS_DAT, [1003]OS_CLK</a:t>
+            </a:r>
+          </a:p>
+          <a:p>
+            <a:r>
+              <a:rPr lang="en-US" altLang="zh-CN" sz="1200" b="1" dirty="0" smtClean="0">
+                <a:latin typeface="Arial Unicode MS" pitchFamily="34" charset="-122"/>
+                <a:ea typeface="Arial Unicode MS" pitchFamily="34" charset="-122"/>
+                <a:cs typeface="Arial Unicode MS" pitchFamily="34" charset="-122"/>
+              </a:rPr>
+              <a:t>&lt;Type&gt;:</a:t>
+            </a:r>
+            <a:r>
+              <a:rPr lang="en-US" altLang="zh-CN" sz="1200" dirty="0" smtClean="0">
+                <a:latin typeface="Arial Unicode MS" pitchFamily="34" charset="-122"/>
+                <a:ea typeface="Arial Unicode MS" pitchFamily="34" charset="-122"/>
+                <a:cs typeface="Arial Unicode MS" pitchFamily="34" charset="-122"/>
+              </a:rPr>
+              <a:t>System.Int32, System.Int32, </a:t>
+            </a:r>
+            <a:r>
+              <a:rPr lang="en-US" altLang="zh-CN" sz="1200" dirty="0" err="1" smtClean="0">
+                <a:latin typeface="Arial Unicode MS" pitchFamily="34" charset="-122"/>
+                <a:ea typeface="Arial Unicode MS" pitchFamily="34" charset="-122"/>
+                <a:cs typeface="Arial Unicode MS" pitchFamily="34" charset="-122"/>
+              </a:rPr>
+              <a:t>System.String</a:t>
+            </a:r>
+            <a:r>
+              <a:rPr lang="en-US" altLang="zh-CN" sz="1200" dirty="0" smtClean="0">
+                <a:latin typeface="Arial Unicode MS" pitchFamily="34" charset="-122"/>
+                <a:ea typeface="Arial Unicode MS" pitchFamily="34" charset="-122"/>
+                <a:cs typeface="Arial Unicode MS" pitchFamily="34" charset="-122"/>
+              </a:rPr>
+              <a:t>, </a:t>
+            </a:r>
+            <a:r>
+              <a:rPr lang="en-US" altLang="zh-CN" sz="1200" dirty="0" err="1" smtClean="0">
+                <a:latin typeface="Arial Unicode MS" pitchFamily="34" charset="-122"/>
+                <a:ea typeface="Arial Unicode MS" pitchFamily="34" charset="-122"/>
+                <a:cs typeface="Arial Unicode MS" pitchFamily="34" charset="-122"/>
+              </a:rPr>
+              <a:t>System.String</a:t>
+            </a:r>
+            <a:r>
+              <a:rPr lang="en-US" altLang="zh-CN" sz="1200" dirty="0" smtClean="0">
+                <a:latin typeface="Arial Unicode MS" pitchFamily="34" charset="-122"/>
+                <a:ea typeface="Arial Unicode MS" pitchFamily="34" charset="-122"/>
+                <a:cs typeface="Arial Unicode MS" pitchFamily="34" charset="-122"/>
+              </a:rPr>
+              <a:t>, </a:t>
+            </a:r>
+            <a:r>
+              <a:rPr lang="en-US" altLang="zh-CN" sz="1200" dirty="0" err="1" smtClean="0">
+                <a:latin typeface="Arial Unicode MS" pitchFamily="34" charset="-122"/>
+                <a:ea typeface="Arial Unicode MS" pitchFamily="34" charset="-122"/>
+                <a:cs typeface="Arial Unicode MS" pitchFamily="34" charset="-122"/>
+              </a:rPr>
+              <a:t>System.String</a:t>
+            </a:r>
+            <a:r>
+              <a:rPr lang="en-US" altLang="zh-CN" sz="1200" dirty="0" smtClean="0">
+                <a:latin typeface="Arial Unicode MS" pitchFamily="34" charset="-122"/>
+                <a:ea typeface="Arial Unicode MS" pitchFamily="34" charset="-122"/>
+                <a:cs typeface="Arial Unicode MS" pitchFamily="34" charset="-122"/>
+              </a:rPr>
+              <a:t>, System.Int32, System.Int32, </a:t>
+            </a:r>
+            <a:r>
+              <a:rPr lang="en-US" altLang="zh-CN" sz="1200" dirty="0" err="1" smtClean="0">
+                <a:latin typeface="Arial Unicode MS" pitchFamily="34" charset="-122"/>
+                <a:ea typeface="Arial Unicode MS" pitchFamily="34" charset="-122"/>
+                <a:cs typeface="Arial Unicode MS" pitchFamily="34" charset="-122"/>
+              </a:rPr>
+              <a:t>System.Byte</a:t>
+            </a:r>
+            <a:r>
+              <a:rPr lang="en-US" altLang="zh-CN" sz="1200" dirty="0" smtClean="0">
+                <a:latin typeface="Arial Unicode MS" pitchFamily="34" charset="-122"/>
+                <a:ea typeface="Arial Unicode MS" pitchFamily="34" charset="-122"/>
+                <a:cs typeface="Arial Unicode MS" pitchFamily="34" charset="-122"/>
+              </a:rPr>
+              <a:t>, </a:t>
+            </a:r>
+            <a:r>
+              <a:rPr lang="en-US" altLang="zh-CN" sz="1200" dirty="0" err="1" smtClean="0">
+                <a:latin typeface="Arial Unicode MS" pitchFamily="34" charset="-122"/>
+                <a:ea typeface="Arial Unicode MS" pitchFamily="34" charset="-122"/>
+                <a:cs typeface="Arial Unicode MS" pitchFamily="34" charset="-122"/>
+              </a:rPr>
+              <a:t>System.Byte</a:t>
+            </a:r>
+            <a:r>
+              <a:rPr lang="en-US" altLang="zh-CN" sz="1200" dirty="0" smtClean="0">
+                <a:latin typeface="Arial Unicode MS" pitchFamily="34" charset="-122"/>
+                <a:ea typeface="Arial Unicode MS" pitchFamily="34" charset="-122"/>
+                <a:cs typeface="Arial Unicode MS" pitchFamily="34" charset="-122"/>
+              </a:rPr>
+              <a:t>, </a:t>
+            </a:r>
+            <a:r>
+              <a:rPr lang="en-US" altLang="zh-CN" sz="1200" dirty="0" err="1" smtClean="0">
+                <a:latin typeface="Arial Unicode MS" pitchFamily="34" charset="-122"/>
+                <a:ea typeface="Arial Unicode MS" pitchFamily="34" charset="-122"/>
+                <a:cs typeface="Arial Unicode MS" pitchFamily="34" charset="-122"/>
+              </a:rPr>
+              <a:t>System.Char</a:t>
+            </a:r>
+            <a:r>
+              <a:rPr lang="en-US" altLang="zh-CN" sz="1200" dirty="0" smtClean="0">
+                <a:latin typeface="Arial Unicode MS" pitchFamily="34" charset="-122"/>
+                <a:ea typeface="Arial Unicode MS" pitchFamily="34" charset="-122"/>
+                <a:cs typeface="Arial Unicode MS" pitchFamily="34" charset="-122"/>
+              </a:rPr>
+              <a:t>, System.Int32, </a:t>
+            </a:r>
+            <a:r>
+              <a:rPr lang="en-US" altLang="zh-CN" sz="1200" dirty="0" err="1" smtClean="0">
+                <a:latin typeface="Arial Unicode MS" pitchFamily="34" charset="-122"/>
+                <a:ea typeface="Arial Unicode MS" pitchFamily="34" charset="-122"/>
+                <a:cs typeface="Arial Unicode MS" pitchFamily="34" charset="-122"/>
+              </a:rPr>
+              <a:t>System.String</a:t>
+            </a:r>
+            <a:r>
+              <a:rPr lang="en-US" altLang="zh-CN" sz="1200" dirty="0" smtClean="0">
+                <a:latin typeface="Arial Unicode MS" pitchFamily="34" charset="-122"/>
+                <a:ea typeface="Arial Unicode MS" pitchFamily="34" charset="-122"/>
+                <a:cs typeface="Arial Unicode MS" pitchFamily="34" charset="-122"/>
+              </a:rPr>
+              <a:t>, </a:t>
+            </a:r>
+            <a:r>
+              <a:rPr lang="en-US" altLang="zh-CN" sz="1200" dirty="0" err="1" smtClean="0">
+                <a:latin typeface="Arial Unicode MS" pitchFamily="34" charset="-122"/>
+                <a:ea typeface="Arial Unicode MS" pitchFamily="34" charset="-122"/>
+                <a:cs typeface="Arial Unicode MS" pitchFamily="34" charset="-122"/>
+              </a:rPr>
+              <a:t>System.String</a:t>
+            </a:r>
+            <a:r>
+              <a:rPr lang="en-US" altLang="zh-CN" sz="1200" dirty="0" smtClean="0">
+                <a:latin typeface="Arial Unicode MS" pitchFamily="34" charset="-122"/>
+                <a:ea typeface="Arial Unicode MS" pitchFamily="34" charset="-122"/>
+                <a:cs typeface="Arial Unicode MS" pitchFamily="34" charset="-122"/>
+              </a:rPr>
+              <a:t>, </a:t>
+            </a:r>
+            <a:r>
+              <a:rPr lang="en-US" altLang="zh-CN" sz="1200" dirty="0" err="1" smtClean="0">
+                <a:latin typeface="Arial Unicode MS" pitchFamily="34" charset="-122"/>
+                <a:ea typeface="Arial Unicode MS" pitchFamily="34" charset="-122"/>
+                <a:cs typeface="Arial Unicode MS" pitchFamily="34" charset="-122"/>
+              </a:rPr>
+              <a:t>System.Single</a:t>
+            </a:r>
+            <a:r>
+              <a:rPr lang="en-US" altLang="zh-CN" sz="1200" dirty="0" smtClean="0">
+                <a:latin typeface="Arial Unicode MS" pitchFamily="34" charset="-122"/>
+                <a:ea typeface="Arial Unicode MS" pitchFamily="34" charset="-122"/>
+                <a:cs typeface="Arial Unicode MS" pitchFamily="34" charset="-122"/>
+              </a:rPr>
+              <a:t>, </a:t>
+            </a:r>
+            <a:r>
+              <a:rPr lang="en-US" altLang="zh-CN" sz="1200" dirty="0" err="1" smtClean="0">
+                <a:latin typeface="Arial Unicode MS" pitchFamily="34" charset="-122"/>
+                <a:ea typeface="Arial Unicode MS" pitchFamily="34" charset="-122"/>
+                <a:cs typeface="Arial Unicode MS" pitchFamily="34" charset="-122"/>
+              </a:rPr>
+              <a:t>System.Single</a:t>
+            </a:r>
+            <a:r>
+              <a:rPr lang="en-US" altLang="zh-CN" sz="1200" dirty="0" smtClean="0">
+                <a:latin typeface="Arial Unicode MS" pitchFamily="34" charset="-122"/>
+                <a:ea typeface="Arial Unicode MS" pitchFamily="34" charset="-122"/>
+                <a:cs typeface="Arial Unicode MS" pitchFamily="34" charset="-122"/>
+              </a:rPr>
+              <a:t>, </a:t>
+            </a:r>
+            <a:r>
+              <a:rPr lang="en-US" altLang="zh-CN" sz="1200" dirty="0" err="1" smtClean="0">
+                <a:latin typeface="Arial Unicode MS" pitchFamily="34" charset="-122"/>
+                <a:ea typeface="Arial Unicode MS" pitchFamily="34" charset="-122"/>
+                <a:cs typeface="Arial Unicode MS" pitchFamily="34" charset="-122"/>
+              </a:rPr>
+              <a:t>System.Single</a:t>
+            </a:r>
+            <a:endParaRPr lang="en-US" altLang="zh-CN" sz="1200" dirty="0" smtClean="0">
+              <a:latin typeface="Arial Unicode MS" pitchFamily="34" charset="-122"/>
+              <a:ea typeface="Arial Unicode MS" pitchFamily="34" charset="-122"/>
+              <a:cs typeface="Arial Unicode MS" pitchFamily="34" charset="-122"/>
+            </a:endParaRPr>
+          </a:p>
+          <a:p>
+            <a:r>
+              <a:rPr lang="en-US" altLang="zh-CN" sz="1200" b="1" dirty="0" smtClean="0">
+                <a:latin typeface="Arial Unicode MS" pitchFamily="34" charset="-122"/>
+                <a:ea typeface="Arial Unicode MS" pitchFamily="34" charset="-122"/>
+                <a:cs typeface="Arial Unicode MS" pitchFamily="34" charset="-122"/>
+              </a:rPr>
+              <a:t>&lt;Unit&gt;:</a:t>
+            </a:r>
+            <a:r>
+              <a:rPr lang="en-US" altLang="zh-CN" sz="1200" dirty="0" smtClean="0">
+                <a:latin typeface="Arial Unicode MS" pitchFamily="34" charset="-122"/>
+                <a:ea typeface="Arial Unicode MS" pitchFamily="34" charset="-122"/>
+                <a:cs typeface="Arial Unicode MS" pitchFamily="34" charset="-122"/>
+              </a:rPr>
+              <a:t>,,,,,,,,,,,,,mV, mV, mV</a:t>
+            </a:r>
+          </a:p>
+          <a:p>
+            <a:r>
+              <a:rPr lang="en-US" altLang="zh-CN" sz="1200" b="1" dirty="0" smtClean="0">
+                <a:latin typeface="Arial Unicode MS" pitchFamily="34" charset="-122"/>
+                <a:ea typeface="Arial Unicode MS" pitchFamily="34" charset="-122"/>
+                <a:cs typeface="Arial Unicode MS" pitchFamily="34" charset="-122"/>
+              </a:rPr>
+              <a:t>&lt;USL&gt;:</a:t>
+            </a:r>
+            <a:r>
+              <a:rPr lang="en-US" altLang="zh-CN" sz="1200" dirty="0" smtClean="0">
+                <a:latin typeface="Arial Unicode MS" pitchFamily="34" charset="-122"/>
+                <a:ea typeface="Arial Unicode MS" pitchFamily="34" charset="-122"/>
+                <a:cs typeface="Arial Unicode MS" pitchFamily="34" charset="-122"/>
+              </a:rPr>
+              <a:t>,,,,,,,,,,,,,-</a:t>
+            </a:r>
+            <a:r>
+              <a:rPr lang="en-US" altLang="zh-CN" sz="1200" dirty="0" smtClean="0">
+                <a:latin typeface="Arial Unicode MS" pitchFamily="34" charset="-122"/>
+                <a:ea typeface="Arial Unicode MS" pitchFamily="34" charset="-122"/>
+                <a:cs typeface="Arial Unicode MS" pitchFamily="34" charset="-122"/>
+              </a:rPr>
+              <a:t>800,-900,-850</a:t>
+            </a:r>
+          </a:p>
+          <a:p>
+            <a:r>
+              <a:rPr lang="en-US" altLang="zh-CN" sz="1200" b="1" dirty="0" smtClean="0">
+                <a:latin typeface="Arial Unicode MS" pitchFamily="34" charset="-122"/>
+                <a:ea typeface="Arial Unicode MS" pitchFamily="34" charset="-122"/>
+                <a:cs typeface="Arial Unicode MS" pitchFamily="34" charset="-122"/>
+              </a:rPr>
+              <a:t>&lt;LSL&gt;:</a:t>
+            </a:r>
+            <a:r>
+              <a:rPr lang="en-US" altLang="zh-CN" sz="1200" dirty="0" smtClean="0">
+                <a:latin typeface="Arial Unicode MS" pitchFamily="34" charset="-122"/>
+                <a:ea typeface="Arial Unicode MS" pitchFamily="34" charset="-122"/>
+                <a:cs typeface="Arial Unicode MS" pitchFamily="34" charset="-122"/>
+              </a:rPr>
+              <a:t>,,,,,,,,,,,,,-200,-300,-250</a:t>
+            </a:r>
+          </a:p>
+          <a:p>
+            <a:r>
+              <a:rPr lang="en-US" altLang="zh-CN" sz="1200" dirty="0" smtClean="0">
+                <a:latin typeface="Arial Unicode MS" pitchFamily="34" charset="-122"/>
+                <a:ea typeface="Arial Unicode MS" pitchFamily="34" charset="-122"/>
+                <a:cs typeface="Arial Unicode MS" pitchFamily="34" charset="-122"/>
+              </a:rPr>
+              <a:t>1,1,ZA83771,1,ZDEIAD-01,50,1,1,1,P,340,GIUDJZ90.1,GIUJZ98.01,-450,-540,-450.4</a:t>
+            </a:r>
+          </a:p>
+          <a:p>
+            <a:r>
+              <a:rPr lang="en-US" altLang="zh-CN" sz="1200" dirty="0" smtClean="0">
+                <a:latin typeface="Arial Unicode MS" pitchFamily="34" charset="-122"/>
+                <a:ea typeface="Arial Unicode MS" pitchFamily="34" charset="-122"/>
+                <a:cs typeface="Arial Unicode MS" pitchFamily="34" charset="-122"/>
+              </a:rPr>
+              <a:t>1,1,ZA83771,1,ZDEIAD-01,50,1,1,1,P,340,GIUDJZ90.1,GIUJZ98.01,-450,-540,-450.4</a:t>
+            </a:r>
+          </a:p>
+          <a:p>
+            <a:r>
+              <a:rPr lang="en-US" altLang="zh-CN" sz="1200" dirty="0" smtClean="0">
+                <a:latin typeface="Arial Unicode MS" pitchFamily="34" charset="-122"/>
+                <a:ea typeface="Arial Unicode MS" pitchFamily="34" charset="-122"/>
+                <a:cs typeface="Arial Unicode MS" pitchFamily="34" charset="-122"/>
+              </a:rPr>
+              <a:t>1,1,ZA83771,1,ZDEIAD-01,50,1,1,1,P,340,GIUDJZ90.1,GIUJZ98.01,-450,-540,-450.3</a:t>
+            </a:r>
+            <a:endParaRPr lang="zh-CN" altLang="en-US" sz="1200" dirty="0">
+              <a:latin typeface="Arial Unicode MS" pitchFamily="34" charset="-122"/>
+              <a:ea typeface="Arial Unicode MS" pitchFamily="34" charset="-122"/>
+              <a:cs typeface="Arial Unicode MS" pitchFamily="34" charset="-122"/>
+            </a:endParaRPr>
+          </a:p>
+        </p:txBody>
+      </p:sp>
+    </p:spTree>
+  </p:cSld>
+  <p:clrMapOvr>
+    <a:masterClrMapping/>
+  </p:clrMapOvr>
+</p:sld>
+</file>
+
+<file path=ppt/slides/slide7.xml><?xml version="1.0" encoding="utf-8"?>
+<p:sld xmlns:a="http://schemas.openxmlformats.org/drawingml/2006/main" xmlns:r="http://schemas.openxmlformats.org/officeDocument/2006/relationships" xmlns:p="http://schemas.openxmlformats.org/presentationml/2006/main">
+  <p:cSld>
+    <p:spTree>
+      <p:nvGrpSpPr>
+        <p:cNvPr id="1" name=""/>
+        <p:cNvGrpSpPr/>
+        <p:nvPr/>
+      </p:nvGrpSpPr>
+      <p:grpSpPr>
+        <a:xfrm>
+          <a:off x="0" y="0"/>
+          <a:ext cx="0" cy="0"/>
+          <a:chOff x="0" y="0"/>
+          <a:chExt cx="0" cy="0"/>
+        </a:xfrm>
+      </p:grpSpPr>
+      <p:sp>
+        <p:nvSpPr>
+          <p:cNvPr id="2" name="标题 1"/>
+          <p:cNvSpPr>
+            <a:spLocks noGrp="1"/>
+          </p:cNvSpPr>
+          <p:nvPr>
+            <p:ph type="title"/>
+          </p:nvPr>
+        </p:nvSpPr>
+        <p:spPr/>
+        <p:txBody>
+          <a:bodyPr/>
+          <a:lstStyle/>
+          <a:p>
+            <a:pPr algn="l"/>
+            <a:r>
+              <a:rPr lang="en-US" altLang="zh-CN" dirty="0" smtClean="0"/>
+              <a:t>Spec</a:t>
+            </a:r>
+            <a:r>
+              <a:rPr lang="zh-CN" altLang="en-US" dirty="0" smtClean="0"/>
+              <a:t>信息在</a:t>
+            </a:r>
+            <a:r>
+              <a:rPr lang="en-US" altLang="zh-CN" dirty="0" err="1" smtClean="0"/>
+              <a:t>Datatable</a:t>
+            </a:r>
+            <a:r>
+              <a:rPr lang="zh-CN" altLang="en-US" dirty="0" smtClean="0"/>
+              <a:t>中的</a:t>
+            </a:r>
+            <a:r>
+              <a:rPr lang="en-US" altLang="zh-CN" dirty="0" smtClean="0"/>
+              <a:t>2</a:t>
+            </a:r>
+            <a:r>
+              <a:rPr lang="zh-CN" altLang="en-US" dirty="0" smtClean="0"/>
+              <a:t>种存储方式</a:t>
+            </a:r>
+            <a:endParaRPr lang="zh-CN" altLang="en-US" dirty="0"/>
+          </a:p>
+        </p:txBody>
+      </p:sp>
+      <p:sp>
+        <p:nvSpPr>
+          <p:cNvPr id="3" name="内容占位符 2"/>
+          <p:cNvSpPr>
+            <a:spLocks noGrp="1"/>
+          </p:cNvSpPr>
+          <p:nvPr>
+            <p:ph sz="quarter" idx="1"/>
+          </p:nvPr>
+        </p:nvSpPr>
+        <p:spPr/>
+        <p:txBody>
+          <a:bodyPr>
+            <a:normAutofit/>
+          </a:bodyPr>
+          <a:lstStyle/>
+          <a:p>
+            <a:r>
+              <a:rPr lang="en-US" altLang="zh-CN" sz="1800" dirty="0" smtClean="0"/>
+              <a:t>Spec</a:t>
+            </a:r>
+            <a:r>
+              <a:rPr lang="zh-CN" altLang="en-US" sz="1800" dirty="0" smtClean="0"/>
+              <a:t>信息在</a:t>
+            </a:r>
+            <a:r>
+              <a:rPr lang="en-US" altLang="zh-CN" sz="1800" dirty="0" smtClean="0"/>
+              <a:t>C#</a:t>
+            </a:r>
+            <a:r>
+              <a:rPr lang="zh-CN" altLang="en-US" sz="1800" dirty="0" smtClean="0"/>
+              <a:t>中一般需要多建立一个</a:t>
+            </a:r>
+            <a:r>
+              <a:rPr lang="en-US" altLang="zh-CN" sz="1800" dirty="0" err="1" smtClean="0"/>
+              <a:t>Datatable</a:t>
+            </a:r>
+            <a:r>
+              <a:rPr lang="zh-CN" altLang="en-US" sz="1800" dirty="0" smtClean="0"/>
+              <a:t>来存储，目前</a:t>
+            </a:r>
+            <a:r>
+              <a:rPr lang="en-US" altLang="zh-CN" sz="1800" dirty="0" smtClean="0"/>
+              <a:t>NDF C#</a:t>
+            </a:r>
+            <a:r>
+              <a:rPr lang="zh-CN" altLang="en-US" sz="1800" dirty="0" smtClean="0"/>
+              <a:t>的</a:t>
+            </a:r>
+            <a:r>
+              <a:rPr lang="en-US" altLang="zh-CN" sz="1800" dirty="0" smtClean="0"/>
+              <a:t>loader</a:t>
+            </a:r>
+            <a:r>
+              <a:rPr lang="zh-CN" altLang="en-US" sz="1800" dirty="0" smtClean="0"/>
+              <a:t>加载之后是按照行存储的。</a:t>
+            </a:r>
+            <a:endParaRPr lang="en-US" altLang="zh-CN" sz="1800" dirty="0" smtClean="0"/>
+          </a:p>
+          <a:p>
+            <a:r>
+              <a:rPr lang="zh-CN" altLang="en-US" sz="1800" dirty="0" smtClean="0"/>
+              <a:t>其实也可以按照列来存储，这样</a:t>
+            </a:r>
+            <a:r>
+              <a:rPr lang="en-US" altLang="zh-CN" sz="1800" dirty="0" smtClean="0"/>
+              <a:t>Spec table</a:t>
+            </a:r>
+            <a:r>
+              <a:rPr lang="zh-CN" altLang="en-US" sz="1800" dirty="0" smtClean="0"/>
+              <a:t>和数据</a:t>
+            </a:r>
+            <a:r>
+              <a:rPr lang="en-US" altLang="zh-CN" sz="1800" dirty="0" smtClean="0"/>
+              <a:t>table</a:t>
+            </a:r>
+            <a:r>
+              <a:rPr lang="zh-CN" altLang="en-US" sz="1800" dirty="0" smtClean="0"/>
+              <a:t>的列可以保持一致，更加清晰明了。</a:t>
+            </a:r>
+            <a:endParaRPr lang="en-US" altLang="zh-CN" sz="1800" dirty="0" smtClean="0"/>
+          </a:p>
+        </p:txBody>
+      </p:sp>
+      <p:graphicFrame>
+        <p:nvGraphicFramePr>
+          <p:cNvPr id="5" name="表格 4"/>
+          <p:cNvGraphicFramePr>
+            <a:graphicFrameLocks noGrp="1"/>
+          </p:cNvGraphicFramePr>
+          <p:nvPr/>
+        </p:nvGraphicFramePr>
+        <p:xfrm>
+          <a:off x="785786" y="2857496"/>
+          <a:ext cx="6215105" cy="928695"/>
+        </p:xfrm>
+        <a:graphic>
+          <a:graphicData uri="http://schemas.openxmlformats.org/drawingml/2006/table">
+            <a:tbl>
+              <a:tblPr firstRow="1" bandRow="1">
+                <a:tableStyleId>{5C22544A-7EE6-4342-B048-85BDC9FD1C3A}</a:tableStyleId>
+              </a:tblPr>
+              <a:tblGrid>
+                <a:gridCol w="1243021"/>
+                <a:gridCol w="1243021"/>
+                <a:gridCol w="1243021"/>
+                <a:gridCol w="1243021"/>
+                <a:gridCol w="1243021"/>
+              </a:tblGrid>
+              <a:tr h="309565">
+                <a:tc>
+                  <a:txBody>
+                    <a:bodyPr/>
+                    <a:lstStyle/>
+                    <a:p>
+                      <a:r>
+                        <a:rPr lang="en-US" altLang="zh-CN" sz="1200" dirty="0" smtClean="0">
+                          <a:latin typeface="Arial Unicode MS" pitchFamily="34" charset="-122"/>
+                          <a:ea typeface="Arial Unicode MS" pitchFamily="34" charset="-122"/>
+                          <a:cs typeface="Arial Unicode MS" pitchFamily="34" charset="-122"/>
+                        </a:rPr>
+                        <a:t>LOT_ID</a:t>
+                      </a:r>
+                      <a:endParaRPr lang="zh-CN" altLang="en-US" sz="1200" dirty="0">
+                        <a:latin typeface="Arial Unicode MS" pitchFamily="34" charset="-122"/>
+                        <a:ea typeface="Arial Unicode MS" pitchFamily="34" charset="-122"/>
+                        <a:cs typeface="Arial Unicode MS" pitchFamily="34" charset="-122"/>
+                      </a:endParaRPr>
+                    </a:p>
+                  </a:txBody>
+                  <a:tcPr/>
+                </a:tc>
+                <a:tc>
+                  <a:txBody>
+                    <a:bodyPr/>
+                    <a:lstStyle/>
+                    <a:p>
+                      <a:r>
+                        <a:rPr lang="en-US" altLang="zh-CN" sz="1200" dirty="0" smtClean="0">
+                          <a:latin typeface="Arial Unicode MS" pitchFamily="34" charset="-122"/>
+                          <a:ea typeface="Arial Unicode MS" pitchFamily="34" charset="-122"/>
+                          <a:cs typeface="Arial Unicode MS" pitchFamily="34" charset="-122"/>
+                        </a:rPr>
+                        <a:t>100 IDD</a:t>
+                      </a:r>
+                      <a:endParaRPr lang="zh-CN" altLang="en-US" sz="1200" dirty="0">
+                        <a:latin typeface="Arial Unicode MS" pitchFamily="34" charset="-122"/>
+                        <a:ea typeface="Arial Unicode MS" pitchFamily="34" charset="-122"/>
+                        <a:cs typeface="Arial Unicode MS" pitchFamily="34" charset="-122"/>
+                      </a:endParaRPr>
+                    </a:p>
+                  </a:txBody>
+                  <a:tcPr/>
+                </a:tc>
+                <a:tc>
+                  <a:txBody>
+                    <a:bodyPr/>
+                    <a:lstStyle/>
+                    <a:p>
+                      <a:r>
+                        <a:rPr lang="en-US" altLang="zh-CN" sz="1200" dirty="0" smtClean="0">
+                          <a:latin typeface="Arial Unicode MS" pitchFamily="34" charset="-122"/>
+                          <a:ea typeface="Arial Unicode MS" pitchFamily="34" charset="-122"/>
+                          <a:cs typeface="Arial Unicode MS" pitchFamily="34" charset="-122"/>
+                        </a:rPr>
+                        <a:t>200 </a:t>
+                      </a:r>
+                      <a:r>
+                        <a:rPr lang="en-US" altLang="zh-CN" sz="1200" dirty="0" err="1" smtClean="0">
+                          <a:latin typeface="Arial Unicode MS" pitchFamily="34" charset="-122"/>
+                          <a:ea typeface="Arial Unicode MS" pitchFamily="34" charset="-122"/>
+                          <a:cs typeface="Arial Unicode MS" pitchFamily="34" charset="-122"/>
+                        </a:rPr>
+                        <a:t>Iddq</a:t>
+                      </a:r>
+                      <a:endParaRPr lang="zh-CN" altLang="en-US" sz="1200" dirty="0">
+                        <a:latin typeface="Arial Unicode MS" pitchFamily="34" charset="-122"/>
+                        <a:ea typeface="Arial Unicode MS" pitchFamily="34" charset="-122"/>
+                        <a:cs typeface="Arial Unicode MS" pitchFamily="34" charset="-122"/>
+                      </a:endParaRPr>
+                    </a:p>
+                  </a:txBody>
+                  <a:tcPr/>
+                </a:tc>
+                <a:tc>
+                  <a:txBody>
+                    <a:bodyPr/>
+                    <a:lstStyle/>
+                    <a:p>
+                      <a:r>
+                        <a:rPr lang="en-US" altLang="zh-CN" sz="1200" dirty="0" smtClean="0">
+                          <a:latin typeface="Arial Unicode MS" pitchFamily="34" charset="-122"/>
+                          <a:ea typeface="Arial Unicode MS" pitchFamily="34" charset="-122"/>
+                          <a:cs typeface="Arial Unicode MS" pitchFamily="34" charset="-122"/>
+                        </a:rPr>
+                        <a:t>300 </a:t>
+                      </a:r>
+                      <a:r>
+                        <a:rPr lang="en-US" altLang="zh-CN" sz="1200" dirty="0" err="1" smtClean="0">
+                          <a:latin typeface="Arial Unicode MS" pitchFamily="34" charset="-122"/>
+                          <a:ea typeface="Arial Unicode MS" pitchFamily="34" charset="-122"/>
+                          <a:cs typeface="Arial Unicode MS" pitchFamily="34" charset="-122"/>
+                        </a:rPr>
+                        <a:t>Rdson</a:t>
+                      </a:r>
+                      <a:endParaRPr lang="zh-CN" altLang="en-US" sz="1200" dirty="0">
+                        <a:latin typeface="Arial Unicode MS" pitchFamily="34" charset="-122"/>
+                        <a:ea typeface="Arial Unicode MS" pitchFamily="34" charset="-122"/>
+                        <a:cs typeface="Arial Unicode MS" pitchFamily="34" charset="-122"/>
+                      </a:endParaRPr>
+                    </a:p>
+                  </a:txBody>
+                  <a:tcPr/>
+                </a:tc>
+                <a:tc>
+                  <a:txBody>
+                    <a:bodyPr/>
+                    <a:lstStyle/>
+                    <a:p>
+                      <a:r>
+                        <a:rPr lang="en-US" altLang="zh-CN" sz="1200" dirty="0" smtClean="0">
+                          <a:latin typeface="Arial Unicode MS" pitchFamily="34" charset="-122"/>
+                          <a:ea typeface="Arial Unicode MS" pitchFamily="34" charset="-122"/>
+                          <a:cs typeface="Arial Unicode MS" pitchFamily="34" charset="-122"/>
+                        </a:rPr>
+                        <a:t>400 </a:t>
+                      </a:r>
+                      <a:r>
+                        <a:rPr lang="en-US" altLang="zh-CN" sz="1200" dirty="0" err="1" smtClean="0">
+                          <a:latin typeface="Arial Unicode MS" pitchFamily="34" charset="-122"/>
+                          <a:ea typeface="Arial Unicode MS" pitchFamily="34" charset="-122"/>
+                          <a:cs typeface="Arial Unicode MS" pitchFamily="34" charset="-122"/>
+                        </a:rPr>
+                        <a:t>Vout</a:t>
+                      </a:r>
+                      <a:endParaRPr lang="zh-CN" altLang="en-US" sz="1200" dirty="0">
+                        <a:latin typeface="Arial Unicode MS" pitchFamily="34" charset="-122"/>
+                        <a:ea typeface="Arial Unicode MS" pitchFamily="34" charset="-122"/>
+                        <a:cs typeface="Arial Unicode MS" pitchFamily="34" charset="-122"/>
+                      </a:endParaRPr>
+                    </a:p>
+                  </a:txBody>
+                  <a:tcPr/>
+                </a:tc>
+              </a:tr>
+              <a:tr h="309565">
+                <a:tc>
+                  <a:txBody>
+                    <a:bodyPr/>
+                    <a:lstStyle/>
+                    <a:p>
+                      <a:r>
+                        <a:rPr lang="en-US" altLang="zh-CN" sz="1200" dirty="0" smtClean="0">
+                          <a:latin typeface="Arial Unicode MS" pitchFamily="34" charset="-122"/>
+                          <a:ea typeface="Arial Unicode MS" pitchFamily="34" charset="-122"/>
+                          <a:cs typeface="Arial Unicode MS" pitchFamily="34" charset="-122"/>
+                        </a:rPr>
+                        <a:t>Lot1</a:t>
+                      </a:r>
+                      <a:endParaRPr lang="zh-CN" altLang="en-US" sz="1200" dirty="0">
+                        <a:latin typeface="Arial Unicode MS" pitchFamily="34" charset="-122"/>
+                        <a:ea typeface="Arial Unicode MS" pitchFamily="34" charset="-122"/>
+                        <a:cs typeface="Arial Unicode MS" pitchFamily="34" charset="-122"/>
+                      </a:endParaRPr>
+                    </a:p>
+                  </a:txBody>
+                  <a:tcPr/>
+                </a:tc>
+                <a:tc>
+                  <a:txBody>
+                    <a:bodyPr/>
+                    <a:lstStyle/>
+                    <a:p>
+                      <a:r>
+                        <a:rPr lang="en-US" altLang="zh-CN" sz="1200" dirty="0" smtClean="0">
+                          <a:latin typeface="Arial Unicode MS" pitchFamily="34" charset="-122"/>
+                          <a:ea typeface="Arial Unicode MS" pitchFamily="34" charset="-122"/>
+                          <a:cs typeface="Arial Unicode MS" pitchFamily="34" charset="-122"/>
+                        </a:rPr>
+                        <a:t>4.5</a:t>
+                      </a:r>
+                      <a:endParaRPr lang="zh-CN" altLang="en-US" sz="1200" dirty="0">
+                        <a:latin typeface="Arial Unicode MS" pitchFamily="34" charset="-122"/>
+                        <a:ea typeface="Arial Unicode MS" pitchFamily="34" charset="-122"/>
+                        <a:cs typeface="Arial Unicode MS" pitchFamily="34" charset="-122"/>
+                      </a:endParaRPr>
+                    </a:p>
+                  </a:txBody>
+                  <a:tcPr/>
+                </a:tc>
+                <a:tc>
+                  <a:txBody>
+                    <a:bodyPr/>
+                    <a:lstStyle/>
+                    <a:p>
+                      <a:r>
+                        <a:rPr lang="en-US" altLang="zh-CN" sz="1200" dirty="0" smtClean="0">
+                          <a:latin typeface="Arial Unicode MS" pitchFamily="34" charset="-122"/>
+                          <a:ea typeface="Arial Unicode MS" pitchFamily="34" charset="-122"/>
+                          <a:cs typeface="Arial Unicode MS" pitchFamily="34" charset="-122"/>
+                        </a:rPr>
+                        <a:t>12.80</a:t>
+                      </a:r>
+                      <a:endParaRPr lang="zh-CN" altLang="en-US" sz="1200" dirty="0">
+                        <a:latin typeface="Arial Unicode MS" pitchFamily="34" charset="-122"/>
+                        <a:ea typeface="Arial Unicode MS" pitchFamily="34" charset="-122"/>
+                        <a:cs typeface="Arial Unicode MS" pitchFamily="34" charset="-122"/>
+                      </a:endParaRPr>
+                    </a:p>
+                  </a:txBody>
+                  <a:tcPr/>
+                </a:tc>
+                <a:tc>
+                  <a:txBody>
+                    <a:bodyPr/>
+                    <a:lstStyle/>
+                    <a:p>
+                      <a:r>
+                        <a:rPr lang="en-US" altLang="zh-CN" sz="1200" dirty="0" smtClean="0">
+                          <a:latin typeface="Arial Unicode MS" pitchFamily="34" charset="-122"/>
+                          <a:ea typeface="Arial Unicode MS" pitchFamily="34" charset="-122"/>
+                          <a:cs typeface="Arial Unicode MS" pitchFamily="34" charset="-122"/>
+                        </a:rPr>
+                        <a:t>0.58</a:t>
+                      </a:r>
+                      <a:endParaRPr lang="zh-CN" altLang="en-US" sz="1200" dirty="0">
+                        <a:latin typeface="Arial Unicode MS" pitchFamily="34" charset="-122"/>
+                        <a:ea typeface="Arial Unicode MS" pitchFamily="34" charset="-122"/>
+                        <a:cs typeface="Arial Unicode MS" pitchFamily="34" charset="-122"/>
+                      </a:endParaRPr>
+                    </a:p>
+                  </a:txBody>
+                  <a:tcPr/>
+                </a:tc>
+                <a:tc>
+                  <a:txBody>
+                    <a:bodyPr/>
+                    <a:lstStyle/>
+                    <a:p>
+                      <a:r>
+                        <a:rPr lang="en-US" altLang="zh-CN" sz="1200" dirty="0" smtClean="0">
+                          <a:latin typeface="Arial Unicode MS" pitchFamily="34" charset="-122"/>
+                          <a:ea typeface="Arial Unicode MS" pitchFamily="34" charset="-122"/>
+                          <a:cs typeface="Arial Unicode MS" pitchFamily="34" charset="-122"/>
+                        </a:rPr>
+                        <a:t>3.34</a:t>
+                      </a:r>
+                      <a:endParaRPr lang="zh-CN" altLang="en-US" sz="1200" dirty="0">
+                        <a:latin typeface="Arial Unicode MS" pitchFamily="34" charset="-122"/>
+                        <a:ea typeface="Arial Unicode MS" pitchFamily="34" charset="-122"/>
+                        <a:cs typeface="Arial Unicode MS" pitchFamily="34" charset="-122"/>
+                      </a:endParaRPr>
+                    </a:p>
+                  </a:txBody>
+                  <a:tcPr/>
+                </a:tc>
+              </a:tr>
+              <a:tr h="309565">
+                <a:tc>
+                  <a:txBody>
+                    <a:bodyPr/>
+                    <a:lstStyle/>
+                    <a:p>
+                      <a:r>
+                        <a:rPr lang="en-US" altLang="zh-CN" sz="1200" dirty="0" smtClean="0">
+                          <a:latin typeface="Arial Unicode MS" pitchFamily="34" charset="-122"/>
+                          <a:ea typeface="Arial Unicode MS" pitchFamily="34" charset="-122"/>
+                          <a:cs typeface="Arial Unicode MS" pitchFamily="34" charset="-122"/>
+                        </a:rPr>
+                        <a:t>Lot1</a:t>
+                      </a:r>
+                      <a:endParaRPr lang="zh-CN" altLang="en-US" sz="1200" dirty="0">
+                        <a:latin typeface="Arial Unicode MS" pitchFamily="34" charset="-122"/>
+                        <a:ea typeface="Arial Unicode MS" pitchFamily="34" charset="-122"/>
+                        <a:cs typeface="Arial Unicode MS" pitchFamily="34" charset="-122"/>
+                      </a:endParaRPr>
+                    </a:p>
+                  </a:txBody>
+                  <a:tcPr/>
+                </a:tc>
+                <a:tc>
+                  <a:txBody>
+                    <a:bodyPr/>
+                    <a:lstStyle/>
+                    <a:p>
+                      <a:r>
+                        <a:rPr lang="en-US" altLang="zh-CN" sz="1200" dirty="0" smtClean="0">
+                          <a:latin typeface="Arial Unicode MS" pitchFamily="34" charset="-122"/>
+                          <a:ea typeface="Arial Unicode MS" pitchFamily="34" charset="-122"/>
+                          <a:cs typeface="Arial Unicode MS" pitchFamily="34" charset="-122"/>
+                        </a:rPr>
+                        <a:t>4.3</a:t>
+                      </a:r>
+                      <a:endParaRPr lang="zh-CN" altLang="en-US" sz="1200" dirty="0">
+                        <a:latin typeface="Arial Unicode MS" pitchFamily="34" charset="-122"/>
+                        <a:ea typeface="Arial Unicode MS" pitchFamily="34" charset="-122"/>
+                        <a:cs typeface="Arial Unicode MS" pitchFamily="34" charset="-122"/>
+                      </a:endParaRPr>
+                    </a:p>
+                  </a:txBody>
+                  <a:tcPr/>
+                </a:tc>
+                <a:tc>
+                  <a:txBody>
+                    <a:bodyPr/>
+                    <a:lstStyle/>
+                    <a:p>
+                      <a:r>
+                        <a:rPr lang="en-US" altLang="zh-CN" sz="1200" dirty="0" smtClean="0">
+                          <a:latin typeface="Arial Unicode MS" pitchFamily="34" charset="-122"/>
+                          <a:ea typeface="Arial Unicode MS" pitchFamily="34" charset="-122"/>
+                          <a:cs typeface="Arial Unicode MS" pitchFamily="34" charset="-122"/>
+                        </a:rPr>
+                        <a:t>10.67</a:t>
+                      </a:r>
+                      <a:endParaRPr lang="zh-CN" altLang="en-US" sz="1200" dirty="0">
+                        <a:latin typeface="Arial Unicode MS" pitchFamily="34" charset="-122"/>
+                        <a:ea typeface="Arial Unicode MS" pitchFamily="34" charset="-122"/>
+                        <a:cs typeface="Arial Unicode MS" pitchFamily="34" charset="-122"/>
+                      </a:endParaRPr>
+                    </a:p>
+                  </a:txBody>
+                  <a:tcPr/>
+                </a:tc>
+                <a:tc>
+                  <a:txBody>
+                    <a:bodyPr/>
+                    <a:lstStyle/>
+                    <a:p>
+                      <a:r>
+                        <a:rPr lang="en-US" altLang="zh-CN" sz="1200" dirty="0" smtClean="0">
+                          <a:latin typeface="Arial Unicode MS" pitchFamily="34" charset="-122"/>
+                          <a:ea typeface="Arial Unicode MS" pitchFamily="34" charset="-122"/>
+                          <a:cs typeface="Arial Unicode MS" pitchFamily="34" charset="-122"/>
+                        </a:rPr>
+                        <a:t>1.24</a:t>
+                      </a:r>
+                      <a:endParaRPr lang="zh-CN" altLang="en-US" sz="1200" dirty="0">
+                        <a:latin typeface="Arial Unicode MS" pitchFamily="34" charset="-122"/>
+                        <a:ea typeface="Arial Unicode MS" pitchFamily="34" charset="-122"/>
+                        <a:cs typeface="Arial Unicode MS" pitchFamily="34" charset="-122"/>
+                      </a:endParaRPr>
+                    </a:p>
+                  </a:txBody>
+                  <a:tcPr/>
+                </a:tc>
+                <a:tc>
+                  <a:txBody>
+                    <a:bodyPr/>
+                    <a:lstStyle/>
+                    <a:p>
+                      <a:r>
+                        <a:rPr lang="en-US" altLang="zh-CN" sz="1200" dirty="0" smtClean="0">
+                          <a:latin typeface="Arial Unicode MS" pitchFamily="34" charset="-122"/>
+                          <a:ea typeface="Arial Unicode MS" pitchFamily="34" charset="-122"/>
+                          <a:cs typeface="Arial Unicode MS" pitchFamily="34" charset="-122"/>
+                        </a:rPr>
+                        <a:t>3.25</a:t>
+                      </a:r>
+                      <a:endParaRPr lang="zh-CN" altLang="en-US" sz="1200" dirty="0">
+                        <a:latin typeface="Arial Unicode MS" pitchFamily="34" charset="-122"/>
+                        <a:ea typeface="Arial Unicode MS" pitchFamily="34" charset="-122"/>
+                        <a:cs typeface="Arial Unicode MS" pitchFamily="34" charset="-122"/>
+                      </a:endParaRPr>
+                    </a:p>
+                  </a:txBody>
+                  <a:tcPr/>
+                </a:tc>
+              </a:tr>
+            </a:tbl>
+          </a:graphicData>
+        </a:graphic>
+      </p:graphicFrame>
+      <p:graphicFrame>
+        <p:nvGraphicFramePr>
+          <p:cNvPr id="6" name="表格 5"/>
+          <p:cNvGraphicFramePr>
+            <a:graphicFrameLocks noGrp="1"/>
+          </p:cNvGraphicFramePr>
+          <p:nvPr/>
+        </p:nvGraphicFramePr>
+        <p:xfrm>
+          <a:off x="3643306" y="4357694"/>
+          <a:ext cx="5143536" cy="1167770"/>
+        </p:xfrm>
+        <a:graphic>
+          <a:graphicData uri="http://schemas.openxmlformats.org/drawingml/2006/table">
+            <a:tbl>
+              <a:tblPr firstRow="1" bandRow="1">
+                <a:tableStyleId>{7DF18680-E054-41AD-8BC1-D1AEF772440D}</a:tableStyleId>
+              </a:tblPr>
+              <a:tblGrid>
+                <a:gridCol w="846405"/>
+                <a:gridCol w="911512"/>
+                <a:gridCol w="776579"/>
+                <a:gridCol w="851122"/>
+                <a:gridCol w="949647"/>
+                <a:gridCol w="808271"/>
+              </a:tblGrid>
+              <a:tr h="309565">
+                <a:tc>
+                  <a:txBody>
+                    <a:bodyPr/>
+                    <a:lstStyle/>
+                    <a:p>
+                      <a:r>
+                        <a:rPr lang="en-US" altLang="zh-CN" sz="1200" dirty="0" smtClean="0"/>
+                        <a:t>SPEC</a:t>
+                      </a:r>
+                      <a:endParaRPr lang="zh-CN" altLang="en-US" sz="1200" dirty="0">
+                        <a:latin typeface="Arial Unicode MS" pitchFamily="34" charset="-122"/>
+                        <a:ea typeface="Arial Unicode MS" pitchFamily="34" charset="-122"/>
+                        <a:cs typeface="Arial Unicode MS" pitchFamily="34" charset="-122"/>
+                      </a:endParaRPr>
+                    </a:p>
+                  </a:txBody>
+                  <a:tcPr/>
+                </a:tc>
+                <a:tc>
+                  <a:txBody>
+                    <a:bodyPr/>
+                    <a:lstStyle/>
+                    <a:p>
+                      <a:r>
+                        <a:rPr lang="en-US" altLang="zh-CN" sz="1200" dirty="0" smtClean="0"/>
+                        <a:t>LOT_ID</a:t>
+                      </a:r>
+                      <a:endParaRPr lang="zh-CN" altLang="en-US" sz="1200" dirty="0">
+                        <a:latin typeface="Arial Unicode MS" pitchFamily="34" charset="-122"/>
+                        <a:ea typeface="Arial Unicode MS" pitchFamily="34" charset="-122"/>
+                        <a:cs typeface="Arial Unicode MS" pitchFamily="34" charset="-122"/>
+                      </a:endParaRPr>
+                    </a:p>
+                  </a:txBody>
+                  <a:tcPr/>
+                </a:tc>
+                <a:tc>
+                  <a:txBody>
+                    <a:bodyPr/>
+                    <a:lstStyle/>
+                    <a:p>
+                      <a:r>
+                        <a:rPr lang="en-US" altLang="zh-CN" sz="1200" dirty="0" smtClean="0"/>
+                        <a:t>100 IDD</a:t>
+                      </a:r>
+                      <a:endParaRPr lang="zh-CN" altLang="en-US" sz="1200" dirty="0">
+                        <a:latin typeface="Arial Unicode MS" pitchFamily="34" charset="-122"/>
+                        <a:ea typeface="Arial Unicode MS" pitchFamily="34" charset="-122"/>
+                        <a:cs typeface="Arial Unicode MS" pitchFamily="34" charset="-122"/>
+                      </a:endParaRPr>
+                    </a:p>
+                  </a:txBody>
+                  <a:tcPr/>
+                </a:tc>
+                <a:tc>
+                  <a:txBody>
+                    <a:bodyPr/>
+                    <a:lstStyle/>
+                    <a:p>
+                      <a:r>
+                        <a:rPr lang="en-US" altLang="zh-CN" sz="1200" dirty="0" smtClean="0"/>
+                        <a:t>200 </a:t>
+                      </a:r>
+                      <a:r>
+                        <a:rPr lang="en-US" altLang="zh-CN" sz="1200" dirty="0" err="1" smtClean="0"/>
+                        <a:t>Iddq</a:t>
+                      </a:r>
+                      <a:endParaRPr lang="zh-CN" altLang="en-US" sz="1200" dirty="0">
+                        <a:latin typeface="Arial Unicode MS" pitchFamily="34" charset="-122"/>
+                        <a:ea typeface="Arial Unicode MS" pitchFamily="34" charset="-122"/>
+                        <a:cs typeface="Arial Unicode MS" pitchFamily="34" charset="-122"/>
+                      </a:endParaRPr>
+                    </a:p>
+                  </a:txBody>
+                  <a:tcPr/>
+                </a:tc>
+                <a:tc>
+                  <a:txBody>
+                    <a:bodyPr/>
+                    <a:lstStyle/>
+                    <a:p>
+                      <a:r>
+                        <a:rPr lang="en-US" altLang="zh-CN" sz="1200" dirty="0" smtClean="0"/>
+                        <a:t>300 </a:t>
+                      </a:r>
+                      <a:r>
+                        <a:rPr lang="en-US" altLang="zh-CN" sz="1200" dirty="0" err="1" smtClean="0"/>
+                        <a:t>Rdson</a:t>
+                      </a:r>
+                      <a:endParaRPr lang="zh-CN" altLang="en-US" sz="1200" dirty="0">
+                        <a:latin typeface="Arial Unicode MS" pitchFamily="34" charset="-122"/>
+                        <a:ea typeface="Arial Unicode MS" pitchFamily="34" charset="-122"/>
+                        <a:cs typeface="Arial Unicode MS" pitchFamily="34" charset="-122"/>
+                      </a:endParaRPr>
+                    </a:p>
+                  </a:txBody>
+                  <a:tcPr/>
+                </a:tc>
+                <a:tc>
+                  <a:txBody>
+                    <a:bodyPr/>
+                    <a:lstStyle/>
+                    <a:p>
+                      <a:r>
+                        <a:rPr lang="en-US" altLang="zh-CN" sz="1200" dirty="0" smtClean="0"/>
+                        <a:t>400 </a:t>
+                      </a:r>
+                      <a:r>
+                        <a:rPr lang="en-US" altLang="zh-CN" sz="1200" dirty="0" err="1" smtClean="0"/>
+                        <a:t>Vout</a:t>
+                      </a:r>
+                      <a:endParaRPr lang="zh-CN" altLang="en-US" sz="1200" dirty="0">
+                        <a:latin typeface="Arial Unicode MS" pitchFamily="34" charset="-122"/>
+                        <a:ea typeface="Arial Unicode MS" pitchFamily="34" charset="-122"/>
+                        <a:cs typeface="Arial Unicode MS" pitchFamily="34" charset="-122"/>
+                      </a:endParaRPr>
+                    </a:p>
+                  </a:txBody>
+                  <a:tcPr/>
+                </a:tc>
+              </a:tr>
+              <a:tr h="309565">
+                <a:tc>
+                  <a:txBody>
+                    <a:bodyPr/>
+                    <a:lstStyle/>
+                    <a:p>
+                      <a:r>
+                        <a:rPr lang="en-US" altLang="zh-CN" sz="1200" dirty="0" smtClean="0"/>
+                        <a:t>Unit</a:t>
+                      </a:r>
+                      <a:endParaRPr lang="zh-CN" altLang="en-US" sz="1200" dirty="0">
+                        <a:latin typeface="Arial Unicode MS" pitchFamily="34" charset="-122"/>
+                        <a:ea typeface="Arial Unicode MS" pitchFamily="34" charset="-122"/>
+                        <a:cs typeface="Arial Unicode MS" pitchFamily="34" charset="-122"/>
+                      </a:endParaRPr>
+                    </a:p>
+                  </a:txBody>
+                  <a:tcPr/>
+                </a:tc>
+                <a:tc>
+                  <a:txBody>
+                    <a:bodyPr/>
+                    <a:lstStyle/>
+                    <a:p>
+                      <a:r>
+                        <a:rPr lang="en-US" altLang="zh-CN" sz="1200" dirty="0" smtClean="0">
+                          <a:latin typeface="Arial Unicode MS" pitchFamily="34" charset="-122"/>
+                          <a:ea typeface="Arial Unicode MS" pitchFamily="34" charset="-122"/>
+                          <a:cs typeface="Arial Unicode MS" pitchFamily="34" charset="-122"/>
+                        </a:rPr>
+                        <a:t>Null</a:t>
+                      </a:r>
+                      <a:endParaRPr lang="zh-CN" altLang="en-US" sz="1200" dirty="0">
+                        <a:latin typeface="Arial Unicode MS" pitchFamily="34" charset="-122"/>
+                        <a:ea typeface="Arial Unicode MS" pitchFamily="34" charset="-122"/>
+                        <a:cs typeface="Arial Unicode MS" pitchFamily="34" charset="-122"/>
+                      </a:endParaRPr>
+                    </a:p>
+                  </a:txBody>
+                  <a:tcPr/>
+                </a:tc>
+                <a:tc>
+                  <a:txBody>
+                    <a:bodyPr/>
+                    <a:lstStyle/>
+                    <a:p>
+                      <a:r>
+                        <a:rPr lang="en-US" altLang="zh-CN" sz="1200" dirty="0" err="1" smtClean="0"/>
+                        <a:t>uA</a:t>
+                      </a:r>
+                      <a:endParaRPr lang="zh-CN" altLang="en-US" sz="1200" dirty="0">
+                        <a:latin typeface="Arial Unicode MS" pitchFamily="34" charset="-122"/>
+                        <a:ea typeface="Arial Unicode MS" pitchFamily="34" charset="-122"/>
+                        <a:cs typeface="Arial Unicode MS" pitchFamily="34" charset="-122"/>
+                      </a:endParaRPr>
+                    </a:p>
+                  </a:txBody>
+                  <a:tcPr/>
+                </a:tc>
+                <a:tc>
+                  <a:txBody>
+                    <a:bodyPr/>
+                    <a:lstStyle/>
+                    <a:p>
+                      <a:r>
+                        <a:rPr lang="en-US" altLang="zh-CN" sz="1200" dirty="0" err="1" smtClean="0"/>
+                        <a:t>uA</a:t>
+                      </a:r>
+                      <a:endParaRPr lang="zh-CN" altLang="en-US" sz="1200" dirty="0">
+                        <a:latin typeface="Arial Unicode MS" pitchFamily="34" charset="-122"/>
+                        <a:ea typeface="Arial Unicode MS" pitchFamily="34" charset="-122"/>
+                        <a:cs typeface="Arial Unicode MS" pitchFamily="34" charset="-122"/>
+                      </a:endParaRPr>
+                    </a:p>
+                  </a:txBody>
+                  <a:tcPr/>
+                </a:tc>
+                <a:tc>
+                  <a:txBody>
+                    <a:bodyPr/>
+                    <a:lstStyle/>
+                    <a:p>
+                      <a:r>
+                        <a:rPr lang="en-US" altLang="zh-CN" sz="1200" dirty="0" smtClean="0"/>
+                        <a:t>Ohm</a:t>
+                      </a:r>
+                      <a:endParaRPr lang="zh-CN" altLang="en-US" sz="1200" dirty="0">
+                        <a:latin typeface="Arial Unicode MS" pitchFamily="34" charset="-122"/>
+                        <a:ea typeface="Arial Unicode MS" pitchFamily="34" charset="-122"/>
+                        <a:cs typeface="Arial Unicode MS" pitchFamily="34" charset="-122"/>
+                      </a:endParaRPr>
+                    </a:p>
+                  </a:txBody>
+                  <a:tcPr/>
+                </a:tc>
+                <a:tc>
+                  <a:txBody>
+                    <a:bodyPr/>
+                    <a:lstStyle/>
+                    <a:p>
+                      <a:r>
+                        <a:rPr lang="en-US" altLang="zh-CN" sz="1200" dirty="0" smtClean="0"/>
+                        <a:t>V</a:t>
+                      </a:r>
+                      <a:endParaRPr lang="zh-CN" altLang="en-US" sz="1200" dirty="0">
+                        <a:latin typeface="Arial Unicode MS" pitchFamily="34" charset="-122"/>
+                        <a:ea typeface="Arial Unicode MS" pitchFamily="34" charset="-122"/>
+                        <a:cs typeface="Arial Unicode MS" pitchFamily="34" charset="-122"/>
+                      </a:endParaRPr>
+                    </a:p>
+                  </a:txBody>
+                  <a:tcPr/>
+                </a:tc>
+              </a:tr>
+              <a:tr h="154783">
+                <a:tc>
+                  <a:txBody>
+                    <a:bodyPr/>
+                    <a:lstStyle/>
+                    <a:p>
+                      <a:r>
+                        <a:rPr lang="en-US" altLang="zh-CN" sz="1200" dirty="0" smtClean="0">
+                          <a:latin typeface="Arial Unicode MS" pitchFamily="34" charset="-122"/>
+                          <a:ea typeface="Arial Unicode MS" pitchFamily="34" charset="-122"/>
+                          <a:cs typeface="Arial Unicode MS" pitchFamily="34" charset="-122"/>
+                        </a:rPr>
+                        <a:t>LSL</a:t>
+                      </a:r>
+                      <a:endParaRPr lang="zh-CN" altLang="en-US" sz="1200" dirty="0">
+                        <a:latin typeface="Arial Unicode MS" pitchFamily="34" charset="-122"/>
+                        <a:ea typeface="Arial Unicode MS" pitchFamily="34" charset="-122"/>
+                        <a:cs typeface="Arial Unicode MS" pitchFamily="34" charset="-122"/>
+                      </a:endParaRPr>
+                    </a:p>
+                  </a:txBody>
+                  <a:tcPr/>
+                </a:tc>
+                <a:tc>
+                  <a:txBody>
+                    <a:bodyPr/>
+                    <a:lstStyle/>
+                    <a:p>
+                      <a:r>
+                        <a:rPr lang="en-US" altLang="zh-CN" sz="1200" dirty="0" smtClean="0">
+                          <a:latin typeface="Arial Unicode MS" pitchFamily="34" charset="-122"/>
+                          <a:ea typeface="Arial Unicode MS" pitchFamily="34" charset="-122"/>
+                          <a:cs typeface="Arial Unicode MS" pitchFamily="34" charset="-122"/>
+                        </a:rPr>
+                        <a:t>Null</a:t>
+                      </a:r>
+                      <a:endParaRPr lang="zh-CN" altLang="en-US" sz="1200" dirty="0">
+                        <a:latin typeface="Arial Unicode MS" pitchFamily="34" charset="-122"/>
+                        <a:ea typeface="Arial Unicode MS" pitchFamily="34" charset="-122"/>
+                        <a:cs typeface="Arial Unicode MS" pitchFamily="34" charset="-122"/>
+                      </a:endParaRPr>
+                    </a:p>
+                  </a:txBody>
+                  <a:tcPr/>
+                </a:tc>
+                <a:tc>
+                  <a:txBody>
+                    <a:bodyPr/>
+                    <a:lstStyle/>
+                    <a:p>
+                      <a:r>
+                        <a:rPr lang="en-US" altLang="zh-CN" sz="1200" dirty="0" smtClean="0">
+                          <a:latin typeface="Arial Unicode MS" pitchFamily="34" charset="-122"/>
+                          <a:ea typeface="Arial Unicode MS" pitchFamily="34" charset="-122"/>
+                          <a:cs typeface="Arial Unicode MS" pitchFamily="34" charset="-122"/>
+                        </a:rPr>
+                        <a:t>0.5</a:t>
+                      </a:r>
+                      <a:endParaRPr lang="zh-CN" altLang="en-US" sz="1200" dirty="0">
+                        <a:latin typeface="Arial Unicode MS" pitchFamily="34" charset="-122"/>
+                        <a:ea typeface="Arial Unicode MS" pitchFamily="34" charset="-122"/>
+                        <a:cs typeface="Arial Unicode MS" pitchFamily="34" charset="-122"/>
+                      </a:endParaRPr>
+                    </a:p>
+                  </a:txBody>
+                  <a:tcPr/>
+                </a:tc>
+                <a:tc>
+                  <a:txBody>
+                    <a:bodyPr/>
+                    <a:lstStyle/>
+                    <a:p>
+                      <a:r>
+                        <a:rPr lang="en-US" altLang="zh-CN" sz="1200" dirty="0" smtClean="0">
+                          <a:latin typeface="Arial Unicode MS" pitchFamily="34" charset="-122"/>
+                          <a:ea typeface="Arial Unicode MS" pitchFamily="34" charset="-122"/>
+                          <a:cs typeface="Arial Unicode MS" pitchFamily="34" charset="-122"/>
+                        </a:rPr>
+                        <a:t>5.0</a:t>
+                      </a:r>
+                      <a:endParaRPr lang="zh-CN" altLang="en-US" sz="1200" dirty="0">
+                        <a:latin typeface="Arial Unicode MS" pitchFamily="34" charset="-122"/>
+                        <a:ea typeface="Arial Unicode MS" pitchFamily="34" charset="-122"/>
+                        <a:cs typeface="Arial Unicode MS" pitchFamily="34" charset="-122"/>
+                      </a:endParaRPr>
+                    </a:p>
+                  </a:txBody>
+                  <a:tcPr/>
+                </a:tc>
+                <a:tc>
+                  <a:txBody>
+                    <a:bodyPr/>
+                    <a:lstStyle/>
+                    <a:p>
+                      <a:r>
+                        <a:rPr lang="en-US" altLang="zh-CN" sz="1200" dirty="0" smtClean="0">
+                          <a:latin typeface="Arial Unicode MS" pitchFamily="34" charset="-122"/>
+                          <a:ea typeface="Arial Unicode MS" pitchFamily="34" charset="-122"/>
+                          <a:cs typeface="Arial Unicode MS" pitchFamily="34" charset="-122"/>
+                        </a:rPr>
+                        <a:t>0.1</a:t>
+                      </a:r>
+                      <a:endParaRPr lang="zh-CN" altLang="en-US" sz="1200" dirty="0">
+                        <a:latin typeface="Arial Unicode MS" pitchFamily="34" charset="-122"/>
+                        <a:ea typeface="Arial Unicode MS" pitchFamily="34" charset="-122"/>
+                        <a:cs typeface="Arial Unicode MS" pitchFamily="34" charset="-122"/>
+                      </a:endParaRPr>
+                    </a:p>
+                  </a:txBody>
+                  <a:tcPr/>
+                </a:tc>
+                <a:tc>
+                  <a:txBody>
+                    <a:bodyPr/>
+                    <a:lstStyle/>
+                    <a:p>
+                      <a:r>
+                        <a:rPr lang="en-US" altLang="zh-CN" sz="1200" dirty="0" smtClean="0">
+                          <a:latin typeface="Arial Unicode MS" pitchFamily="34" charset="-122"/>
+                          <a:ea typeface="Arial Unicode MS" pitchFamily="34" charset="-122"/>
+                          <a:cs typeface="Arial Unicode MS" pitchFamily="34" charset="-122"/>
+                        </a:rPr>
+                        <a:t>2.95</a:t>
+                      </a:r>
+                      <a:endParaRPr lang="zh-CN" altLang="en-US" sz="1200" dirty="0">
+                        <a:latin typeface="Arial Unicode MS" pitchFamily="34" charset="-122"/>
+                        <a:ea typeface="Arial Unicode MS" pitchFamily="34" charset="-122"/>
+                        <a:cs typeface="Arial Unicode MS" pitchFamily="34" charset="-122"/>
+                      </a:endParaRPr>
+                    </a:p>
+                  </a:txBody>
+                  <a:tcPr/>
+                </a:tc>
+              </a:tr>
+              <a:tr h="154783">
+                <a:tc>
+                  <a:txBody>
+                    <a:bodyPr/>
+                    <a:lstStyle/>
+                    <a:p>
+                      <a:r>
+                        <a:rPr lang="en-US" altLang="zh-CN" sz="1200" dirty="0" smtClean="0">
+                          <a:latin typeface="Arial Unicode MS" pitchFamily="34" charset="-122"/>
+                          <a:ea typeface="Arial Unicode MS" pitchFamily="34" charset="-122"/>
+                          <a:cs typeface="Arial Unicode MS" pitchFamily="34" charset="-122"/>
+                        </a:rPr>
+                        <a:t>USL</a:t>
+                      </a:r>
+                      <a:endParaRPr lang="zh-CN" altLang="en-US" sz="1200" dirty="0">
+                        <a:latin typeface="Arial Unicode MS" pitchFamily="34" charset="-122"/>
+                        <a:ea typeface="Arial Unicode MS" pitchFamily="34" charset="-122"/>
+                        <a:cs typeface="Arial Unicode MS" pitchFamily="34" charset="-122"/>
+                      </a:endParaRPr>
+                    </a:p>
+                  </a:txBody>
+                  <a:tcPr/>
+                </a:tc>
+                <a:tc>
+                  <a:txBody>
+                    <a:bodyPr/>
+                    <a:lstStyle/>
+                    <a:p>
+                      <a:r>
+                        <a:rPr lang="en-US" altLang="zh-CN" sz="1200" dirty="0" smtClean="0">
+                          <a:latin typeface="Arial Unicode MS" pitchFamily="34" charset="-122"/>
+                          <a:ea typeface="Arial Unicode MS" pitchFamily="34" charset="-122"/>
+                          <a:cs typeface="Arial Unicode MS" pitchFamily="34" charset="-122"/>
+                        </a:rPr>
+                        <a:t>Null</a:t>
+                      </a:r>
+                      <a:endParaRPr lang="zh-CN" altLang="en-US" sz="1200" dirty="0">
+                        <a:latin typeface="Arial Unicode MS" pitchFamily="34" charset="-122"/>
+                        <a:ea typeface="Arial Unicode MS" pitchFamily="34" charset="-122"/>
+                        <a:cs typeface="Arial Unicode MS" pitchFamily="34" charset="-122"/>
+                      </a:endParaRPr>
+                    </a:p>
+                  </a:txBody>
+                  <a:tcPr/>
+                </a:tc>
+                <a:tc>
+                  <a:txBody>
+                    <a:bodyPr/>
+                    <a:lstStyle/>
+                    <a:p>
+                      <a:r>
+                        <a:rPr lang="en-US" altLang="zh-CN" sz="1200" dirty="0" smtClean="0">
+                          <a:latin typeface="Arial Unicode MS" pitchFamily="34" charset="-122"/>
+                          <a:ea typeface="Arial Unicode MS" pitchFamily="34" charset="-122"/>
+                          <a:cs typeface="Arial Unicode MS" pitchFamily="34" charset="-122"/>
+                        </a:rPr>
+                        <a:t>10.0</a:t>
+                      </a:r>
+                      <a:endParaRPr lang="zh-CN" altLang="en-US" sz="1200" dirty="0">
+                        <a:latin typeface="Arial Unicode MS" pitchFamily="34" charset="-122"/>
+                        <a:ea typeface="Arial Unicode MS" pitchFamily="34" charset="-122"/>
+                        <a:cs typeface="Arial Unicode MS" pitchFamily="34" charset="-122"/>
+                      </a:endParaRPr>
+                    </a:p>
+                  </a:txBody>
+                  <a:tcPr/>
+                </a:tc>
+                <a:tc>
+                  <a:txBody>
+                    <a:bodyPr/>
+                    <a:lstStyle/>
+                    <a:p>
+                      <a:r>
+                        <a:rPr lang="en-US" altLang="zh-CN" sz="1200" dirty="0" smtClean="0">
+                          <a:latin typeface="Arial Unicode MS" pitchFamily="34" charset="-122"/>
+                          <a:ea typeface="Arial Unicode MS" pitchFamily="34" charset="-122"/>
+                          <a:cs typeface="Arial Unicode MS" pitchFamily="34" charset="-122"/>
+                        </a:rPr>
+                        <a:t>25.0</a:t>
+                      </a:r>
+                      <a:endParaRPr lang="zh-CN" altLang="en-US" sz="1200" dirty="0">
+                        <a:latin typeface="Arial Unicode MS" pitchFamily="34" charset="-122"/>
+                        <a:ea typeface="Arial Unicode MS" pitchFamily="34" charset="-122"/>
+                        <a:cs typeface="Arial Unicode MS" pitchFamily="34" charset="-122"/>
+                      </a:endParaRPr>
+                    </a:p>
+                  </a:txBody>
+                  <a:tcPr/>
+                </a:tc>
+                <a:tc>
+                  <a:txBody>
+                    <a:bodyPr/>
+                    <a:lstStyle/>
+                    <a:p>
+                      <a:r>
+                        <a:rPr lang="en-US" altLang="zh-CN" sz="1200" dirty="0" smtClean="0">
+                          <a:latin typeface="Arial Unicode MS" pitchFamily="34" charset="-122"/>
+                          <a:ea typeface="Arial Unicode MS" pitchFamily="34" charset="-122"/>
+                          <a:cs typeface="Arial Unicode MS" pitchFamily="34" charset="-122"/>
+                        </a:rPr>
+                        <a:t>1.5</a:t>
+                      </a:r>
+                      <a:endParaRPr lang="zh-CN" altLang="en-US" sz="1200" dirty="0">
+                        <a:latin typeface="Arial Unicode MS" pitchFamily="34" charset="-122"/>
+                        <a:ea typeface="Arial Unicode MS" pitchFamily="34" charset="-122"/>
+                        <a:cs typeface="Arial Unicode MS" pitchFamily="34" charset="-122"/>
+                      </a:endParaRPr>
+                    </a:p>
+                  </a:txBody>
+                  <a:tcPr/>
+                </a:tc>
+                <a:tc>
+                  <a:txBody>
+                    <a:bodyPr/>
+                    <a:lstStyle/>
+                    <a:p>
+                      <a:r>
+                        <a:rPr lang="en-US" altLang="zh-CN" sz="1200" dirty="0" smtClean="0">
+                          <a:latin typeface="Arial Unicode MS" pitchFamily="34" charset="-122"/>
+                          <a:ea typeface="Arial Unicode MS" pitchFamily="34" charset="-122"/>
+                          <a:cs typeface="Arial Unicode MS" pitchFamily="34" charset="-122"/>
+                        </a:rPr>
+                        <a:t>3.40</a:t>
+                      </a:r>
+                      <a:endParaRPr lang="zh-CN" altLang="en-US" sz="1200" dirty="0">
+                        <a:latin typeface="Arial Unicode MS" pitchFamily="34" charset="-122"/>
+                        <a:ea typeface="Arial Unicode MS" pitchFamily="34" charset="-122"/>
+                        <a:cs typeface="Arial Unicode MS" pitchFamily="34" charset="-122"/>
+                      </a:endParaRPr>
+                    </a:p>
+                  </a:txBody>
+                  <a:tcPr/>
+                </a:tc>
+              </a:tr>
+            </a:tbl>
+          </a:graphicData>
+        </a:graphic>
+      </p:graphicFrame>
+      <p:graphicFrame>
+        <p:nvGraphicFramePr>
+          <p:cNvPr id="7" name="表格 6"/>
+          <p:cNvGraphicFramePr>
+            <a:graphicFrameLocks noGrp="1"/>
+          </p:cNvGraphicFramePr>
+          <p:nvPr/>
+        </p:nvGraphicFramePr>
+        <p:xfrm>
+          <a:off x="285720" y="4357694"/>
+          <a:ext cx="3143274" cy="2225040"/>
+        </p:xfrm>
+        <a:graphic>
+          <a:graphicData uri="http://schemas.openxmlformats.org/drawingml/2006/table">
+            <a:tbl>
+              <a:tblPr firstRow="1" bandRow="1">
+                <a:tableStyleId>{5C22544A-7EE6-4342-B048-85BDC9FD1C3A}</a:tableStyleId>
+              </a:tblPr>
+              <a:tblGrid>
+                <a:gridCol w="1000134"/>
+                <a:gridCol w="714380"/>
+                <a:gridCol w="642942"/>
+                <a:gridCol w="785818"/>
+              </a:tblGrid>
+              <a:tr h="370840">
+                <a:tc>
+                  <a:txBody>
+                    <a:bodyPr/>
+                    <a:lstStyle/>
+                    <a:p>
+                      <a:r>
+                        <a:rPr lang="en-US" altLang="zh-CN" sz="1200" dirty="0" smtClean="0">
+                          <a:latin typeface="Arial Unicode MS" pitchFamily="34" charset="-122"/>
+                          <a:ea typeface="Arial Unicode MS" pitchFamily="34" charset="-122"/>
+                          <a:cs typeface="Arial Unicode MS" pitchFamily="34" charset="-122"/>
+                        </a:rPr>
+                        <a:t>Para</a:t>
+                      </a:r>
+                      <a:endParaRPr lang="zh-CN" altLang="en-US" sz="1200" dirty="0">
+                        <a:latin typeface="Arial Unicode MS" pitchFamily="34" charset="-122"/>
+                        <a:ea typeface="Arial Unicode MS" pitchFamily="34" charset="-122"/>
+                        <a:cs typeface="Arial Unicode MS" pitchFamily="34" charset="-122"/>
+                      </a:endParaRPr>
+                    </a:p>
+                  </a:txBody>
+                  <a:tcPr/>
+                </a:tc>
+                <a:tc>
+                  <a:txBody>
+                    <a:bodyPr/>
+                    <a:lstStyle/>
+                    <a:p>
+                      <a:r>
+                        <a:rPr lang="en-US" altLang="zh-CN" sz="1200" dirty="0" smtClean="0">
+                          <a:latin typeface="Arial Unicode MS" pitchFamily="34" charset="-122"/>
+                          <a:ea typeface="Arial Unicode MS" pitchFamily="34" charset="-122"/>
+                          <a:cs typeface="Arial Unicode MS" pitchFamily="34" charset="-122"/>
+                        </a:rPr>
+                        <a:t>Unit</a:t>
+                      </a:r>
+                      <a:endParaRPr lang="zh-CN" altLang="en-US" sz="1200" dirty="0">
+                        <a:latin typeface="Arial Unicode MS" pitchFamily="34" charset="-122"/>
+                        <a:ea typeface="Arial Unicode MS" pitchFamily="34" charset="-122"/>
+                        <a:cs typeface="Arial Unicode MS" pitchFamily="34" charset="-122"/>
+                      </a:endParaRPr>
+                    </a:p>
+                  </a:txBody>
+                  <a:tcPr/>
+                </a:tc>
+                <a:tc>
+                  <a:txBody>
+                    <a:bodyPr/>
+                    <a:lstStyle/>
+                    <a:p>
+                      <a:r>
+                        <a:rPr lang="en-US" altLang="zh-CN" sz="1200" dirty="0" smtClean="0">
+                          <a:latin typeface="Arial Unicode MS" pitchFamily="34" charset="-122"/>
+                          <a:ea typeface="Arial Unicode MS" pitchFamily="34" charset="-122"/>
+                          <a:cs typeface="Arial Unicode MS" pitchFamily="34" charset="-122"/>
+                        </a:rPr>
+                        <a:t>LSL</a:t>
+                      </a:r>
+                      <a:endParaRPr lang="zh-CN" altLang="en-US" sz="1200" dirty="0">
+                        <a:latin typeface="Arial Unicode MS" pitchFamily="34" charset="-122"/>
+                        <a:ea typeface="Arial Unicode MS" pitchFamily="34" charset="-122"/>
+                        <a:cs typeface="Arial Unicode MS" pitchFamily="34" charset="-122"/>
+                      </a:endParaRPr>
+                    </a:p>
+                  </a:txBody>
+                  <a:tcPr/>
+                </a:tc>
+                <a:tc>
+                  <a:txBody>
+                    <a:bodyPr/>
+                    <a:lstStyle/>
+                    <a:p>
+                      <a:r>
+                        <a:rPr lang="en-US" altLang="zh-CN" sz="1200" dirty="0" smtClean="0">
+                          <a:latin typeface="Arial Unicode MS" pitchFamily="34" charset="-122"/>
+                          <a:ea typeface="Arial Unicode MS" pitchFamily="34" charset="-122"/>
+                          <a:cs typeface="Arial Unicode MS" pitchFamily="34" charset="-122"/>
+                        </a:rPr>
+                        <a:t>USL</a:t>
+                      </a:r>
+                      <a:endParaRPr lang="zh-CN" altLang="en-US" sz="1200" dirty="0">
+                        <a:latin typeface="Arial Unicode MS" pitchFamily="34" charset="-122"/>
+                        <a:ea typeface="Arial Unicode MS" pitchFamily="34" charset="-122"/>
+                        <a:cs typeface="Arial Unicode MS" pitchFamily="34" charset="-122"/>
+                      </a:endParaRPr>
+                    </a:p>
+                  </a:txBody>
+                  <a:tcPr/>
+                </a:tc>
+              </a:tr>
+              <a:tr h="370840">
+                <a:tc>
+                  <a:txBody>
+                    <a:bodyPr/>
+                    <a:lstStyle/>
+                    <a:p>
+                      <a:r>
+                        <a:rPr lang="en-US" altLang="zh-CN" sz="1200" dirty="0" smtClean="0">
+                          <a:latin typeface="Arial Unicode MS" pitchFamily="34" charset="-122"/>
+                          <a:ea typeface="Arial Unicode MS" pitchFamily="34" charset="-122"/>
+                          <a:cs typeface="Arial Unicode MS" pitchFamily="34" charset="-122"/>
+                        </a:rPr>
+                        <a:t>LOT_ID</a:t>
+                      </a:r>
+                      <a:endParaRPr lang="zh-CN" altLang="en-US" sz="1200" dirty="0">
+                        <a:latin typeface="Arial Unicode MS" pitchFamily="34" charset="-122"/>
+                        <a:ea typeface="Arial Unicode MS" pitchFamily="34" charset="-122"/>
+                        <a:cs typeface="Arial Unicode MS" pitchFamily="34" charset="-122"/>
+                      </a:endParaRPr>
+                    </a:p>
+                  </a:txBody>
+                  <a:tcPr/>
+                </a:tc>
+                <a:tc>
+                  <a:txBody>
+                    <a:bodyPr/>
+                    <a:lstStyle/>
+                    <a:p>
+                      <a:r>
+                        <a:rPr lang="en-US" altLang="zh-CN" sz="1200" dirty="0" smtClean="0">
+                          <a:latin typeface="Arial Unicode MS" pitchFamily="34" charset="-122"/>
+                          <a:ea typeface="Arial Unicode MS" pitchFamily="34" charset="-122"/>
+                          <a:cs typeface="Arial Unicode MS" pitchFamily="34" charset="-122"/>
+                        </a:rPr>
+                        <a:t>Null</a:t>
+                      </a:r>
+                      <a:endParaRPr lang="zh-CN" altLang="en-US" sz="1200" dirty="0">
+                        <a:latin typeface="Arial Unicode MS" pitchFamily="34" charset="-122"/>
+                        <a:ea typeface="Arial Unicode MS" pitchFamily="34" charset="-122"/>
+                        <a:cs typeface="Arial Unicode MS" pitchFamily="34" charset="-122"/>
+                      </a:endParaRPr>
+                    </a:p>
+                  </a:txBody>
+                  <a:tcPr/>
+                </a:tc>
+                <a:tc>
+                  <a:txBody>
+                    <a:bodyPr/>
+                    <a:lstStyle/>
+                    <a:p>
+                      <a:r>
+                        <a:rPr lang="en-US" altLang="zh-CN" sz="1200" dirty="0" smtClean="0">
+                          <a:latin typeface="Arial Unicode MS" pitchFamily="34" charset="-122"/>
+                          <a:ea typeface="Arial Unicode MS" pitchFamily="34" charset="-122"/>
+                          <a:cs typeface="Arial Unicode MS" pitchFamily="34" charset="-122"/>
+                        </a:rPr>
+                        <a:t>Null</a:t>
+                      </a:r>
+                      <a:endParaRPr lang="zh-CN" altLang="en-US" sz="1200" dirty="0">
+                        <a:latin typeface="Arial Unicode MS" pitchFamily="34" charset="-122"/>
+                        <a:ea typeface="Arial Unicode MS" pitchFamily="34" charset="-122"/>
+                        <a:cs typeface="Arial Unicode MS" pitchFamily="34" charset="-122"/>
+                      </a:endParaRPr>
+                    </a:p>
+                  </a:txBody>
+                  <a:tcPr/>
+                </a:tc>
+                <a:tc>
+                  <a:txBody>
+                    <a:bodyPr/>
+                    <a:lstStyle/>
+                    <a:p>
+                      <a:r>
+                        <a:rPr lang="en-US" altLang="zh-CN" sz="1200" dirty="0" smtClean="0">
+                          <a:latin typeface="Arial Unicode MS" pitchFamily="34" charset="-122"/>
+                          <a:ea typeface="Arial Unicode MS" pitchFamily="34" charset="-122"/>
+                          <a:cs typeface="Arial Unicode MS" pitchFamily="34" charset="-122"/>
+                        </a:rPr>
+                        <a:t>null</a:t>
+                      </a:r>
+                      <a:endParaRPr lang="zh-CN" altLang="en-US" sz="1200" dirty="0">
+                        <a:latin typeface="Arial Unicode MS" pitchFamily="34" charset="-122"/>
+                        <a:ea typeface="Arial Unicode MS" pitchFamily="34" charset="-122"/>
+                        <a:cs typeface="Arial Unicode MS" pitchFamily="34" charset="-122"/>
+                      </a:endParaRPr>
+                    </a:p>
+                  </a:txBody>
+                  <a:tcPr/>
+                </a:tc>
+              </a:tr>
+              <a:tr h="370840">
+                <a:tc>
+                  <a:txBody>
+                    <a:bodyPr/>
+                    <a:lstStyle/>
+                    <a:p>
+                      <a:r>
+                        <a:rPr lang="en-US" altLang="zh-CN" sz="1200" dirty="0" smtClean="0">
+                          <a:latin typeface="Arial Unicode MS" pitchFamily="34" charset="-122"/>
+                          <a:ea typeface="Arial Unicode MS" pitchFamily="34" charset="-122"/>
+                          <a:cs typeface="Arial Unicode MS" pitchFamily="34" charset="-122"/>
+                        </a:rPr>
+                        <a:t>100 IDD</a:t>
+                      </a:r>
+                      <a:endParaRPr lang="zh-CN" altLang="en-US" sz="1200" dirty="0">
+                        <a:latin typeface="Arial Unicode MS" pitchFamily="34" charset="-122"/>
+                        <a:ea typeface="Arial Unicode MS" pitchFamily="34" charset="-122"/>
+                        <a:cs typeface="Arial Unicode MS" pitchFamily="34" charset="-122"/>
+                      </a:endParaRPr>
+                    </a:p>
+                  </a:txBody>
+                  <a:tcPr/>
+                </a:tc>
+                <a:tc>
+                  <a:txBody>
+                    <a:bodyPr/>
+                    <a:lstStyle/>
+                    <a:p>
+                      <a:r>
+                        <a:rPr lang="en-US" altLang="zh-CN" sz="1200" dirty="0" err="1" smtClean="0">
+                          <a:latin typeface="Arial Unicode MS" pitchFamily="34" charset="-122"/>
+                          <a:ea typeface="Arial Unicode MS" pitchFamily="34" charset="-122"/>
+                          <a:cs typeface="Arial Unicode MS" pitchFamily="34" charset="-122"/>
+                        </a:rPr>
+                        <a:t>uA</a:t>
+                      </a:r>
+                      <a:endParaRPr lang="zh-CN" altLang="en-US" sz="1200" dirty="0">
+                        <a:latin typeface="Arial Unicode MS" pitchFamily="34" charset="-122"/>
+                        <a:ea typeface="Arial Unicode MS" pitchFamily="34" charset="-122"/>
+                        <a:cs typeface="Arial Unicode MS" pitchFamily="34" charset="-122"/>
+                      </a:endParaRPr>
+                    </a:p>
+                  </a:txBody>
+                  <a:tcPr/>
+                </a:tc>
+                <a:tc>
+                  <a:txBody>
+                    <a:bodyPr/>
+                    <a:lstStyle/>
+                    <a:p>
+                      <a:r>
+                        <a:rPr lang="en-US" altLang="zh-CN" sz="1200" dirty="0" smtClean="0">
+                          <a:latin typeface="Arial Unicode MS" pitchFamily="34" charset="-122"/>
+                          <a:ea typeface="Arial Unicode MS" pitchFamily="34" charset="-122"/>
+                          <a:cs typeface="Arial Unicode MS" pitchFamily="34" charset="-122"/>
+                        </a:rPr>
+                        <a:t>0.5</a:t>
+                      </a:r>
+                      <a:endParaRPr lang="zh-CN" altLang="en-US" sz="1200" dirty="0">
+                        <a:latin typeface="Arial Unicode MS" pitchFamily="34" charset="-122"/>
+                        <a:ea typeface="Arial Unicode MS" pitchFamily="34" charset="-122"/>
+                        <a:cs typeface="Arial Unicode MS" pitchFamily="34" charset="-122"/>
+                      </a:endParaRPr>
+                    </a:p>
+                  </a:txBody>
+                  <a:tcPr/>
+                </a:tc>
+                <a:tc>
+                  <a:txBody>
+                    <a:bodyPr/>
+                    <a:lstStyle/>
+                    <a:p>
+                      <a:r>
+                        <a:rPr lang="en-US" altLang="zh-CN" sz="1200" dirty="0" smtClean="0">
+                          <a:latin typeface="Arial Unicode MS" pitchFamily="34" charset="-122"/>
+                          <a:ea typeface="Arial Unicode MS" pitchFamily="34" charset="-122"/>
+                          <a:cs typeface="Arial Unicode MS" pitchFamily="34" charset="-122"/>
+                        </a:rPr>
+                        <a:t>10.0</a:t>
+                      </a:r>
+                      <a:endParaRPr lang="zh-CN" altLang="en-US" sz="1200" dirty="0">
+                        <a:latin typeface="Arial Unicode MS" pitchFamily="34" charset="-122"/>
+                        <a:ea typeface="Arial Unicode MS" pitchFamily="34" charset="-122"/>
+                        <a:cs typeface="Arial Unicode MS" pitchFamily="34" charset="-122"/>
+                      </a:endParaRPr>
+                    </a:p>
+                  </a:txBody>
+                  <a:tcPr/>
+                </a:tc>
+              </a:tr>
+              <a:tr h="370840">
+                <a:tc>
+                  <a:txBody>
+                    <a:bodyPr/>
+                    <a:lstStyle/>
+                    <a:p>
+                      <a:r>
+                        <a:rPr lang="en-US" altLang="zh-CN" sz="1200" dirty="0" smtClean="0">
+                          <a:latin typeface="Arial Unicode MS" pitchFamily="34" charset="-122"/>
+                          <a:ea typeface="Arial Unicode MS" pitchFamily="34" charset="-122"/>
+                          <a:cs typeface="Arial Unicode MS" pitchFamily="34" charset="-122"/>
+                        </a:rPr>
+                        <a:t>200 </a:t>
+                      </a:r>
+                      <a:r>
+                        <a:rPr lang="en-US" altLang="zh-CN" sz="1200" dirty="0" err="1" smtClean="0">
+                          <a:latin typeface="Arial Unicode MS" pitchFamily="34" charset="-122"/>
+                          <a:ea typeface="Arial Unicode MS" pitchFamily="34" charset="-122"/>
+                          <a:cs typeface="Arial Unicode MS" pitchFamily="34" charset="-122"/>
+                        </a:rPr>
+                        <a:t>Iddq</a:t>
+                      </a:r>
+                      <a:endParaRPr lang="zh-CN" altLang="en-US" sz="1200" dirty="0">
+                        <a:latin typeface="Arial Unicode MS" pitchFamily="34" charset="-122"/>
+                        <a:ea typeface="Arial Unicode MS" pitchFamily="34" charset="-122"/>
+                        <a:cs typeface="Arial Unicode MS" pitchFamily="34" charset="-122"/>
+                      </a:endParaRPr>
+                    </a:p>
+                  </a:txBody>
+                  <a:tcPr/>
+                </a:tc>
+                <a:tc>
+                  <a:txBody>
+                    <a:bodyPr/>
+                    <a:lstStyle/>
+                    <a:p>
+                      <a:r>
+                        <a:rPr lang="en-US" altLang="zh-CN" sz="1200" dirty="0" err="1" smtClean="0">
+                          <a:latin typeface="Arial Unicode MS" pitchFamily="34" charset="-122"/>
+                          <a:ea typeface="Arial Unicode MS" pitchFamily="34" charset="-122"/>
+                          <a:cs typeface="Arial Unicode MS" pitchFamily="34" charset="-122"/>
+                        </a:rPr>
+                        <a:t>uA</a:t>
+                      </a:r>
+                      <a:endParaRPr lang="zh-CN" altLang="en-US" sz="1200" dirty="0">
+                        <a:latin typeface="Arial Unicode MS" pitchFamily="34" charset="-122"/>
+                        <a:ea typeface="Arial Unicode MS" pitchFamily="34" charset="-122"/>
+                        <a:cs typeface="Arial Unicode MS" pitchFamily="34" charset="-122"/>
+                      </a:endParaRPr>
+                    </a:p>
+                  </a:txBody>
+                  <a:tcPr/>
+                </a:tc>
+                <a:tc>
+                  <a:txBody>
+                    <a:bodyPr/>
+                    <a:lstStyle/>
+                    <a:p>
+                      <a:r>
+                        <a:rPr lang="en-US" altLang="zh-CN" sz="1200" dirty="0" smtClean="0">
+                          <a:latin typeface="Arial Unicode MS" pitchFamily="34" charset="-122"/>
+                          <a:ea typeface="Arial Unicode MS" pitchFamily="34" charset="-122"/>
+                          <a:cs typeface="Arial Unicode MS" pitchFamily="34" charset="-122"/>
+                        </a:rPr>
+                        <a:t>5.0</a:t>
+                      </a:r>
+                      <a:endParaRPr lang="zh-CN" altLang="en-US" sz="1200" dirty="0">
+                        <a:latin typeface="Arial Unicode MS" pitchFamily="34" charset="-122"/>
+                        <a:ea typeface="Arial Unicode MS" pitchFamily="34" charset="-122"/>
+                        <a:cs typeface="Arial Unicode MS" pitchFamily="34" charset="-122"/>
+                      </a:endParaRPr>
+                    </a:p>
+                  </a:txBody>
+                  <a:tcPr/>
+                </a:tc>
+                <a:tc>
+                  <a:txBody>
+                    <a:bodyPr/>
+                    <a:lstStyle/>
+                    <a:p>
+                      <a:r>
+                        <a:rPr lang="en-US" altLang="zh-CN" sz="1200" dirty="0" smtClean="0">
+                          <a:latin typeface="Arial Unicode MS" pitchFamily="34" charset="-122"/>
+                          <a:ea typeface="Arial Unicode MS" pitchFamily="34" charset="-122"/>
+                          <a:cs typeface="Arial Unicode MS" pitchFamily="34" charset="-122"/>
+                        </a:rPr>
+                        <a:t>25.0</a:t>
+                      </a:r>
+                      <a:endParaRPr lang="zh-CN" altLang="en-US" sz="1200" dirty="0">
+                        <a:latin typeface="Arial Unicode MS" pitchFamily="34" charset="-122"/>
+                        <a:ea typeface="Arial Unicode MS" pitchFamily="34" charset="-122"/>
+                        <a:cs typeface="Arial Unicode MS" pitchFamily="34" charset="-122"/>
+                      </a:endParaRPr>
+                    </a:p>
+                  </a:txBody>
+                  <a:tcPr/>
+                </a:tc>
+              </a:tr>
+              <a:tr h="370840">
+                <a:tc>
+                  <a:txBody>
+                    <a:bodyPr/>
+                    <a:lstStyle/>
+                    <a:p>
+                      <a:r>
+                        <a:rPr lang="en-US" altLang="zh-CN" sz="1200" dirty="0" smtClean="0">
+                          <a:latin typeface="Arial Unicode MS" pitchFamily="34" charset="-122"/>
+                          <a:ea typeface="Arial Unicode MS" pitchFamily="34" charset="-122"/>
+                          <a:cs typeface="Arial Unicode MS" pitchFamily="34" charset="-122"/>
+                        </a:rPr>
+                        <a:t>300 </a:t>
+                      </a:r>
+                      <a:r>
+                        <a:rPr lang="en-US" altLang="zh-CN" sz="1200" dirty="0" err="1" smtClean="0">
+                          <a:latin typeface="Arial Unicode MS" pitchFamily="34" charset="-122"/>
+                          <a:ea typeface="Arial Unicode MS" pitchFamily="34" charset="-122"/>
+                          <a:cs typeface="Arial Unicode MS" pitchFamily="34" charset="-122"/>
+                        </a:rPr>
+                        <a:t>Rdson</a:t>
+                      </a:r>
+                      <a:endParaRPr lang="zh-CN" altLang="en-US" sz="1200" dirty="0">
+                        <a:latin typeface="Arial Unicode MS" pitchFamily="34" charset="-122"/>
+                        <a:ea typeface="Arial Unicode MS" pitchFamily="34" charset="-122"/>
+                        <a:cs typeface="Arial Unicode MS" pitchFamily="34" charset="-122"/>
+                      </a:endParaRPr>
+                    </a:p>
+                  </a:txBody>
+                  <a:tcPr/>
+                </a:tc>
+                <a:tc>
+                  <a:txBody>
+                    <a:bodyPr/>
+                    <a:lstStyle/>
+                    <a:p>
+                      <a:r>
+                        <a:rPr lang="en-US" altLang="zh-CN" sz="1200" dirty="0" smtClean="0">
+                          <a:latin typeface="Arial Unicode MS" pitchFamily="34" charset="-122"/>
+                          <a:ea typeface="Arial Unicode MS" pitchFamily="34" charset="-122"/>
+                          <a:cs typeface="Arial Unicode MS" pitchFamily="34" charset="-122"/>
+                        </a:rPr>
+                        <a:t>Ohm</a:t>
+                      </a:r>
+                      <a:endParaRPr lang="zh-CN" altLang="en-US" sz="1200" dirty="0">
+                        <a:latin typeface="Arial Unicode MS" pitchFamily="34" charset="-122"/>
+                        <a:ea typeface="Arial Unicode MS" pitchFamily="34" charset="-122"/>
+                        <a:cs typeface="Arial Unicode MS" pitchFamily="34" charset="-122"/>
+                      </a:endParaRPr>
+                    </a:p>
+                  </a:txBody>
+                  <a:tcPr/>
+                </a:tc>
+                <a:tc>
+                  <a:txBody>
+                    <a:bodyPr/>
+                    <a:lstStyle/>
+                    <a:p>
+                      <a:r>
+                        <a:rPr lang="en-US" altLang="zh-CN" sz="1200" dirty="0" smtClean="0">
+                          <a:latin typeface="Arial Unicode MS" pitchFamily="34" charset="-122"/>
+                          <a:ea typeface="Arial Unicode MS" pitchFamily="34" charset="-122"/>
+                          <a:cs typeface="Arial Unicode MS" pitchFamily="34" charset="-122"/>
+                        </a:rPr>
+                        <a:t>0.1</a:t>
+                      </a:r>
+                      <a:endParaRPr lang="zh-CN" altLang="en-US" sz="1200" dirty="0">
+                        <a:latin typeface="Arial Unicode MS" pitchFamily="34" charset="-122"/>
+                        <a:ea typeface="Arial Unicode MS" pitchFamily="34" charset="-122"/>
+                        <a:cs typeface="Arial Unicode MS" pitchFamily="34" charset="-122"/>
+                      </a:endParaRPr>
+                    </a:p>
+                  </a:txBody>
+                  <a:tcPr/>
+                </a:tc>
+                <a:tc>
+                  <a:txBody>
+                    <a:bodyPr/>
+                    <a:lstStyle/>
+                    <a:p>
+                      <a:r>
+                        <a:rPr lang="en-US" altLang="zh-CN" sz="1200" dirty="0" smtClean="0">
+                          <a:latin typeface="Arial Unicode MS" pitchFamily="34" charset="-122"/>
+                          <a:ea typeface="Arial Unicode MS" pitchFamily="34" charset="-122"/>
+                          <a:cs typeface="Arial Unicode MS" pitchFamily="34" charset="-122"/>
+                        </a:rPr>
+                        <a:t>1.5</a:t>
+                      </a:r>
+                      <a:endParaRPr lang="zh-CN" altLang="en-US" sz="1200" dirty="0">
+                        <a:latin typeface="Arial Unicode MS" pitchFamily="34" charset="-122"/>
+                        <a:ea typeface="Arial Unicode MS" pitchFamily="34" charset="-122"/>
+                        <a:cs typeface="Arial Unicode MS" pitchFamily="34" charset="-122"/>
+                      </a:endParaRPr>
+                    </a:p>
+                  </a:txBody>
+                  <a:tcPr/>
+                </a:tc>
+              </a:tr>
+              <a:tr h="370840">
+                <a:tc>
+                  <a:txBody>
+                    <a:bodyPr/>
+                    <a:lstStyle/>
+                    <a:p>
+                      <a:r>
+                        <a:rPr lang="en-US" altLang="zh-CN" sz="1200" dirty="0" smtClean="0">
+                          <a:latin typeface="Arial Unicode MS" pitchFamily="34" charset="-122"/>
+                          <a:ea typeface="Arial Unicode MS" pitchFamily="34" charset="-122"/>
+                          <a:cs typeface="Arial Unicode MS" pitchFamily="34" charset="-122"/>
+                        </a:rPr>
+                        <a:t>400 </a:t>
+                      </a:r>
+                      <a:r>
+                        <a:rPr lang="en-US" altLang="zh-CN" sz="1200" dirty="0" err="1" smtClean="0">
+                          <a:latin typeface="Arial Unicode MS" pitchFamily="34" charset="-122"/>
+                          <a:ea typeface="Arial Unicode MS" pitchFamily="34" charset="-122"/>
+                          <a:cs typeface="Arial Unicode MS" pitchFamily="34" charset="-122"/>
+                        </a:rPr>
+                        <a:t>Vout</a:t>
+                      </a:r>
+                      <a:endParaRPr lang="zh-CN" altLang="en-US" sz="1200" dirty="0">
+                        <a:latin typeface="Arial Unicode MS" pitchFamily="34" charset="-122"/>
+                        <a:ea typeface="Arial Unicode MS" pitchFamily="34" charset="-122"/>
+                        <a:cs typeface="Arial Unicode MS" pitchFamily="34" charset="-122"/>
+                      </a:endParaRPr>
+                    </a:p>
+                  </a:txBody>
+                  <a:tcPr/>
+                </a:tc>
+                <a:tc>
+                  <a:txBody>
+                    <a:bodyPr/>
+                    <a:lstStyle/>
+                    <a:p>
+                      <a:r>
+                        <a:rPr lang="en-US" altLang="zh-CN" sz="1200" dirty="0" smtClean="0">
+                          <a:latin typeface="Arial Unicode MS" pitchFamily="34" charset="-122"/>
+                          <a:ea typeface="Arial Unicode MS" pitchFamily="34" charset="-122"/>
+                          <a:cs typeface="Arial Unicode MS" pitchFamily="34" charset="-122"/>
+                        </a:rPr>
+                        <a:t>V</a:t>
+                      </a:r>
+                      <a:endParaRPr lang="zh-CN" altLang="en-US" sz="1200" dirty="0">
+                        <a:latin typeface="Arial Unicode MS" pitchFamily="34" charset="-122"/>
+                        <a:ea typeface="Arial Unicode MS" pitchFamily="34" charset="-122"/>
+                        <a:cs typeface="Arial Unicode MS" pitchFamily="34" charset="-122"/>
+                      </a:endParaRPr>
+                    </a:p>
+                  </a:txBody>
+                  <a:tcPr/>
+                </a:tc>
+                <a:tc>
+                  <a:txBody>
+                    <a:bodyPr/>
+                    <a:lstStyle/>
+                    <a:p>
+                      <a:r>
+                        <a:rPr lang="en-US" altLang="zh-CN" sz="1200" dirty="0" smtClean="0">
+                          <a:latin typeface="Arial Unicode MS" pitchFamily="34" charset="-122"/>
+                          <a:ea typeface="Arial Unicode MS" pitchFamily="34" charset="-122"/>
+                          <a:cs typeface="Arial Unicode MS" pitchFamily="34" charset="-122"/>
+                        </a:rPr>
+                        <a:t>2.95</a:t>
+                      </a:r>
+                      <a:endParaRPr lang="zh-CN" altLang="en-US" sz="1200" dirty="0">
+                        <a:latin typeface="Arial Unicode MS" pitchFamily="34" charset="-122"/>
+                        <a:ea typeface="Arial Unicode MS" pitchFamily="34" charset="-122"/>
+                        <a:cs typeface="Arial Unicode MS" pitchFamily="34" charset="-122"/>
+                      </a:endParaRPr>
+                    </a:p>
+                  </a:txBody>
+                  <a:tcPr/>
+                </a:tc>
+                <a:tc>
+                  <a:txBody>
+                    <a:bodyPr/>
+                    <a:lstStyle/>
+                    <a:p>
+                      <a:r>
+                        <a:rPr lang="en-US" altLang="zh-CN" sz="1200" dirty="0" smtClean="0">
+                          <a:latin typeface="Arial Unicode MS" pitchFamily="34" charset="-122"/>
+                          <a:ea typeface="Arial Unicode MS" pitchFamily="34" charset="-122"/>
+                          <a:cs typeface="Arial Unicode MS" pitchFamily="34" charset="-122"/>
+                        </a:rPr>
+                        <a:t>3.40</a:t>
+                      </a:r>
+                      <a:endParaRPr lang="zh-CN" altLang="en-US" sz="1200" dirty="0">
+                        <a:latin typeface="Arial Unicode MS" pitchFamily="34" charset="-122"/>
+                        <a:ea typeface="Arial Unicode MS" pitchFamily="34" charset="-122"/>
+                        <a:cs typeface="Arial Unicode MS" pitchFamily="34" charset="-122"/>
+                      </a:endParaRPr>
+                    </a:p>
+                  </a:txBody>
+                  <a:tcPr/>
+                </a:tc>
+              </a:tr>
+            </a:tbl>
+          </a:graphicData>
+        </a:graphic>
+      </p:graphicFrame>
+      <p:cxnSp>
+        <p:nvCxnSpPr>
+          <p:cNvPr id="9" name="直接箭头连接符 8"/>
+          <p:cNvCxnSpPr/>
+          <p:nvPr/>
+        </p:nvCxnSpPr>
+        <p:spPr>
+          <a:xfrm rot="10800000" flipV="1">
+            <a:off x="2428861" y="3857628"/>
+            <a:ext cx="1000132" cy="500066"/>
+          </a:xfrm>
+          <a:prstGeom prst="straightConnector1">
+            <a:avLst/>
+          </a:prstGeom>
+          <a:ln>
+            <a:tailEnd type="arrow"/>
+          </a:ln>
+        </p:spPr>
+        <p:style>
+          <a:lnRef idx="2">
+            <a:schemeClr val="accent4"/>
+          </a:lnRef>
+          <a:fillRef idx="0">
+            <a:schemeClr val="accent4"/>
+          </a:fillRef>
+          <a:effectRef idx="1">
+            <a:schemeClr val="accent4"/>
+          </a:effectRef>
+          <a:fontRef idx="minor">
+            <a:schemeClr val="tx1"/>
+          </a:fontRef>
+        </p:style>
+      </p:cxnSp>
+      <p:cxnSp>
+        <p:nvCxnSpPr>
+          <p:cNvPr id="11" name="直接箭头连接符 10"/>
+          <p:cNvCxnSpPr/>
+          <p:nvPr/>
+        </p:nvCxnSpPr>
+        <p:spPr>
+          <a:xfrm>
+            <a:off x="3857620" y="3857628"/>
+            <a:ext cx="857256" cy="571504"/>
+          </a:xfrm>
+          <a:prstGeom prst="straightConnector1">
+            <a:avLst/>
+          </a:prstGeom>
+          <a:ln>
+            <a:tailEnd type="arrow"/>
+          </a:ln>
+        </p:spPr>
+        <p:style>
+          <a:lnRef idx="2">
+            <a:schemeClr val="accent4"/>
+          </a:lnRef>
+          <a:fillRef idx="0">
+            <a:schemeClr val="accent4"/>
+          </a:fillRef>
+          <a:effectRef idx="1">
+            <a:schemeClr val="accent4"/>
+          </a:effectRef>
+          <a:fontRef idx="minor">
+            <a:schemeClr val="tx1"/>
+          </a:fontRef>
+        </p:style>
+      </p:cxnSp>
+      <p:sp>
+        <p:nvSpPr>
+          <p:cNvPr id="13" name="TextBox 12"/>
+          <p:cNvSpPr txBox="1"/>
+          <p:nvPr/>
+        </p:nvSpPr>
+        <p:spPr>
+          <a:xfrm>
+            <a:off x="7429520" y="3071810"/>
+            <a:ext cx="877163" cy="369332"/>
+          </a:xfrm>
+          <a:prstGeom prst="rect">
+            <a:avLst/>
+          </a:prstGeom>
+          <a:noFill/>
+        </p:spPr>
+        <p:txBody>
+          <a:bodyPr wrap="none" rtlCol="0">
+            <a:spAutoFit/>
+          </a:bodyPr>
+          <a:lstStyle/>
+          <a:p>
+            <a:r>
+              <a:rPr lang="zh-CN" altLang="en-US" dirty="0" smtClean="0"/>
+              <a:t>数据表</a:t>
+            </a:r>
+            <a:endParaRPr lang="zh-CN" altLang="en-US" dirty="0"/>
+          </a:p>
+        </p:txBody>
+      </p:sp>
+      <p:sp>
+        <p:nvSpPr>
+          <p:cNvPr id="14" name="TextBox 13"/>
+          <p:cNvSpPr txBox="1"/>
+          <p:nvPr/>
+        </p:nvSpPr>
+        <p:spPr>
+          <a:xfrm>
+            <a:off x="3857620" y="6072206"/>
+            <a:ext cx="4631396" cy="369332"/>
+          </a:xfrm>
+          <a:prstGeom prst="rect">
+            <a:avLst/>
+          </a:prstGeom>
+          <a:noFill/>
+        </p:spPr>
+        <p:txBody>
+          <a:bodyPr wrap="none" rtlCol="0">
+            <a:spAutoFit/>
+          </a:bodyPr>
+          <a:lstStyle/>
+          <a:p>
+            <a:r>
+              <a:rPr lang="zh-CN" altLang="en-US" dirty="0" smtClean="0"/>
+              <a:t>两种形式的</a:t>
+            </a:r>
+            <a:r>
+              <a:rPr lang="en-US" altLang="zh-CN" dirty="0" smtClean="0"/>
+              <a:t>Spec</a:t>
+            </a:r>
+            <a:r>
+              <a:rPr lang="zh-CN" altLang="en-US" dirty="0" smtClean="0"/>
+              <a:t>信息存储方式 </a:t>
+            </a:r>
+            <a:r>
+              <a:rPr lang="en-US" altLang="zh-CN" dirty="0" smtClean="0"/>
+              <a:t>(in </a:t>
+            </a:r>
+            <a:r>
+              <a:rPr lang="en-US" altLang="zh-CN" dirty="0" err="1" smtClean="0"/>
+              <a:t>Datatable</a:t>
+            </a:r>
+            <a:r>
+              <a:rPr lang="en-US" altLang="zh-CN" dirty="0" smtClean="0"/>
+              <a:t>)</a:t>
+            </a:r>
+            <a:endParaRPr lang="zh-CN" altLang="en-US" dirty="0"/>
+          </a:p>
+        </p:txBody>
+      </p:sp>
+      <p:cxnSp>
+        <p:nvCxnSpPr>
+          <p:cNvPr id="16" name="直接箭头连接符 15"/>
+          <p:cNvCxnSpPr/>
+          <p:nvPr/>
+        </p:nvCxnSpPr>
+        <p:spPr>
+          <a:xfrm rot="5400000" flipH="1" flipV="1">
+            <a:off x="6000760" y="5786454"/>
+            <a:ext cx="428628" cy="1588"/>
+          </a:xfrm>
+          <a:prstGeom prst="straightConnector1">
+            <a:avLst/>
+          </a:prstGeom>
+          <a:ln>
+            <a:tailEnd type="arrow"/>
+          </a:ln>
+        </p:spPr>
+        <p:style>
+          <a:lnRef idx="2">
+            <a:schemeClr val="dk1"/>
+          </a:lnRef>
+          <a:fillRef idx="0">
+            <a:schemeClr val="dk1"/>
+          </a:fillRef>
+          <a:effectRef idx="1">
+            <a:schemeClr val="dk1"/>
+          </a:effectRef>
+          <a:fontRef idx="minor">
+            <a:schemeClr val="tx1"/>
+          </a:fontRef>
+        </p:style>
+      </p:cxnSp>
+      <p:cxnSp>
+        <p:nvCxnSpPr>
+          <p:cNvPr id="18" name="直接箭头连接符 17"/>
+          <p:cNvCxnSpPr/>
+          <p:nvPr/>
+        </p:nvCxnSpPr>
+        <p:spPr>
+          <a:xfrm rot="10800000">
+            <a:off x="3428992" y="5715016"/>
+            <a:ext cx="500066" cy="357190"/>
+          </a:xfrm>
+          <a:prstGeom prst="straightConnector1">
+            <a:avLst/>
+          </a:prstGeom>
+          <a:ln>
+            <a:tailEnd type="arrow"/>
+          </a:ln>
+        </p:spPr>
+        <p:style>
+          <a:lnRef idx="2">
+            <a:schemeClr val="dk1"/>
+          </a:lnRef>
+          <a:fillRef idx="0">
+            <a:schemeClr val="dk1"/>
+          </a:fillRef>
+          <a:effectRef idx="1">
+            <a:schemeClr val="dk1"/>
+          </a:effectRef>
+          <a:fontRef idx="minor">
+            <a:schemeClr val="tx1"/>
+          </a:fontRef>
+        </p:style>
+      </p:cxnSp>
+    </p:spTree>
+  </p:cSld>
+  <p:clrMapOvr>
+    <a:masterClrMapping/>
+  </p:clrMapOvr>
+</p:sld>
+</file>
+
+<file path=ppt/slides/slide8.xml><?xml version="1.0" encoding="utf-8"?>
+<p:sld xmlns:a="http://schemas.openxmlformats.org/drawingml/2006/main" xmlns:r="http://schemas.openxmlformats.org/officeDocument/2006/relationships" xmlns:p="http://schemas.openxmlformats.org/presentationml/2006/main">
+  <p:cSld>
+    <p:spTree>
+      <p:nvGrpSpPr>
+        <p:cNvPr id="1" name=""/>
+        <p:cNvGrpSpPr/>
+        <p:nvPr/>
+      </p:nvGrpSpPr>
+      <p:grpSpPr>
+        <a:xfrm>
+          <a:off x="0" y="0"/>
+          <a:ext cx="0" cy="0"/>
+          <a:chOff x="0" y="0"/>
+          <a:chExt cx="0" cy="0"/>
+        </a:xfrm>
+      </p:grpSpPr>
+      <p:sp>
+        <p:nvSpPr>
+          <p:cNvPr id="2" name="标题 1"/>
+          <p:cNvSpPr>
+            <a:spLocks noGrp="1"/>
+          </p:cNvSpPr>
+          <p:nvPr>
+            <p:ph type="title"/>
+          </p:nvPr>
+        </p:nvSpPr>
+        <p:spPr/>
+        <p:txBody>
+          <a:bodyPr/>
+          <a:lstStyle/>
+          <a:p>
+            <a:endParaRPr lang="zh-CN" altLang="en-US"/>
+          </a:p>
+        </p:txBody>
+      </p:sp>
+      <p:sp>
+        <p:nvSpPr>
+          <p:cNvPr id="3" name="内容占位符 2"/>
+          <p:cNvSpPr>
+            <a:spLocks noGrp="1"/>
+          </p:cNvSpPr>
+          <p:nvPr>
+            <p:ph sz="quarter" idx="1"/>
+          </p:nvPr>
+        </p:nvSpPr>
+        <p:spPr/>
+        <p:txBody>
+          <a:bodyPr/>
+          <a:lstStyle/>
+          <a:p>
+            <a:r>
+              <a:rPr lang="en-US" altLang="zh-CN" dirty="0" smtClean="0"/>
+              <a:t>To be updated.</a:t>
+            </a:r>
+            <a:endParaRPr lang="zh-CN" altLang="en-US" dirty="0"/>
           </a:p>
         </p:txBody>
       </p:sp>
